--- a/zrt/final_project_pre_1213.pptx
+++ b/zrt/final_project_pre_1213.pptx
@@ -5,7 +5,7 @@
     <p:sldMasterId id="2147483648" r:id="rId1"/>
   </p:sldMasterIdLst>
   <p:notesMasterIdLst>
-    <p:notesMasterId r:id="rId51"/>
+    <p:notesMasterId r:id="rId53"/>
   </p:notesMasterIdLst>
   <p:sldIdLst>
     <p:sldId id="265" r:id="rId2"/>
@@ -15,53 +15,55 @@
     <p:sldId id="287" r:id="rId6"/>
     <p:sldId id="282" r:id="rId7"/>
     <p:sldId id="290" r:id="rId8"/>
-    <p:sldId id="291" r:id="rId9"/>
-    <p:sldId id="335" r:id="rId10"/>
-    <p:sldId id="336" r:id="rId11"/>
+    <p:sldId id="341" r:id="rId9"/>
+    <p:sldId id="342" r:id="rId10"/>
+    <p:sldId id="343" r:id="rId11"/>
     <p:sldId id="269" r:id="rId12"/>
     <p:sldId id="270" r:id="rId13"/>
-    <p:sldId id="271" r:id="rId14"/>
-    <p:sldId id="273" r:id="rId15"/>
-    <p:sldId id="272" r:id="rId16"/>
-    <p:sldId id="337" r:id="rId17"/>
-    <p:sldId id="266" r:id="rId18"/>
-    <p:sldId id="292" r:id="rId19"/>
-    <p:sldId id="298" r:id="rId20"/>
-    <p:sldId id="302" r:id="rId21"/>
-    <p:sldId id="297" r:id="rId22"/>
-    <p:sldId id="277" r:id="rId23"/>
-    <p:sldId id="267" r:id="rId24"/>
-    <p:sldId id="268" r:id="rId25"/>
-    <p:sldId id="280" r:id="rId26"/>
-    <p:sldId id="281" r:id="rId27"/>
-    <p:sldId id="274" r:id="rId28"/>
-    <p:sldId id="296" r:id="rId29"/>
-    <p:sldId id="293" r:id="rId30"/>
-    <p:sldId id="275" r:id="rId31"/>
-    <p:sldId id="294" r:id="rId32"/>
-    <p:sldId id="303" r:id="rId33"/>
-    <p:sldId id="256" r:id="rId34"/>
-    <p:sldId id="304" r:id="rId35"/>
-    <p:sldId id="305" r:id="rId36"/>
-    <p:sldId id="306" r:id="rId37"/>
-    <p:sldId id="295" r:id="rId38"/>
-    <p:sldId id="257" r:id="rId39"/>
-    <p:sldId id="258" r:id="rId40"/>
-    <p:sldId id="259" r:id="rId41"/>
-    <p:sldId id="260" r:id="rId42"/>
-    <p:sldId id="262" r:id="rId43"/>
-    <p:sldId id="263" r:id="rId44"/>
-    <p:sldId id="264" r:id="rId45"/>
-    <p:sldId id="283" r:id="rId46"/>
-    <p:sldId id="301" r:id="rId47"/>
-    <p:sldId id="338" r:id="rId48"/>
-    <p:sldId id="288" r:id="rId49"/>
-    <p:sldId id="289" r:id="rId50"/>
+    <p:sldId id="339" r:id="rId14"/>
+    <p:sldId id="271" r:id="rId15"/>
+    <p:sldId id="273" r:id="rId16"/>
+    <p:sldId id="272" r:id="rId17"/>
+    <p:sldId id="344" r:id="rId18"/>
+    <p:sldId id="345" r:id="rId19"/>
+    <p:sldId id="292" r:id="rId20"/>
+    <p:sldId id="298" r:id="rId21"/>
+    <p:sldId id="302" r:id="rId22"/>
+    <p:sldId id="297" r:id="rId23"/>
+    <p:sldId id="277" r:id="rId24"/>
+    <p:sldId id="267" r:id="rId25"/>
+    <p:sldId id="268" r:id="rId26"/>
+    <p:sldId id="280" r:id="rId27"/>
+    <p:sldId id="281" r:id="rId28"/>
+    <p:sldId id="274" r:id="rId29"/>
+    <p:sldId id="296" r:id="rId30"/>
+    <p:sldId id="293" r:id="rId31"/>
+    <p:sldId id="275" r:id="rId32"/>
+    <p:sldId id="340" r:id="rId33"/>
+    <p:sldId id="294" r:id="rId34"/>
+    <p:sldId id="303" r:id="rId35"/>
+    <p:sldId id="256" r:id="rId36"/>
+    <p:sldId id="304" r:id="rId37"/>
+    <p:sldId id="305" r:id="rId38"/>
+    <p:sldId id="306" r:id="rId39"/>
+    <p:sldId id="295" r:id="rId40"/>
+    <p:sldId id="257" r:id="rId41"/>
+    <p:sldId id="258" r:id="rId42"/>
+    <p:sldId id="259" r:id="rId43"/>
+    <p:sldId id="260" r:id="rId44"/>
+    <p:sldId id="262" r:id="rId45"/>
+    <p:sldId id="263" r:id="rId46"/>
+    <p:sldId id="264" r:id="rId47"/>
+    <p:sldId id="283" r:id="rId48"/>
+    <p:sldId id="301" r:id="rId49"/>
+    <p:sldId id="338" r:id="rId50"/>
+    <p:sldId id="288" r:id="rId51"/>
+    <p:sldId id="289" r:id="rId52"/>
   </p:sldIdLst>
   <p:sldSz cx="12192000" cy="6858000"/>
   <p:notesSz cx="6858000" cy="9144000"/>
   <p:custDataLst>
-    <p:tags r:id="rId52"/>
+    <p:tags r:id="rId54"/>
   </p:custDataLst>
   <p:defaultTextStyle>
     <a:defPPr>
@@ -174,11 +176,12 @@
         </p14:section>
         <p14:section name="VIR" id="{0E7FEC0D-BDC0-4138-BEC3-0CF70A644542}">
           <p14:sldIdLst>
-            <p14:sldId id="291"/>
-            <p14:sldId id="335"/>
-            <p14:sldId id="336"/>
+            <p14:sldId id="341"/>
+            <p14:sldId id="342"/>
+            <p14:sldId id="343"/>
             <p14:sldId id="269"/>
             <p14:sldId id="270"/>
+            <p14:sldId id="339"/>
             <p14:sldId id="271"/>
             <p14:sldId id="273"/>
             <p14:sldId id="272"/>
@@ -186,8 +189,8 @@
         </p14:section>
         <p14:section name="RSA" id="{1909655D-F4A5-4C9C-8D5D-425DEFF74221}">
           <p14:sldIdLst>
-            <p14:sldId id="337"/>
-            <p14:sldId id="266"/>
+            <p14:sldId id="344"/>
+            <p14:sldId id="345"/>
             <p14:sldId id="292"/>
             <p14:sldId id="298"/>
             <p14:sldId id="302"/>
@@ -205,6 +208,7 @@
             <p14:sldId id="296"/>
             <p14:sldId id="293"/>
             <p14:sldId id="275"/>
+            <p14:sldId id="340"/>
           </p14:sldIdLst>
         </p14:section>
         <p14:section name="Work Flow" id="{7492CFE8-5D5C-412B-96AD-67700875B55A}">
@@ -664,7 +668,43 @@
                 <a:ea typeface="+mn-ea"/>
                 <a:cs typeface="+mn-cs"/>
               </a:rPr>
-              <a:t>At first, we set as original key to use it for encryption and decryption, and obviously it generates from husky.</a:t>
+              <a:t>To use it in our program, At </a:t>
+            </a:r>
+            <a:r>
+              <a:rPr lang="en-US" altLang="zh-CN" sz="1200" kern="1200" dirty="0" smtClean="0">
+                <a:solidFill>
+                  <a:schemeClr val="tx1"/>
+                </a:solidFill>
+                <a:effectLst/>
+                <a:latin typeface="+mn-lt"/>
+                <a:ea typeface="+mn-ea"/>
+                <a:cs typeface="+mn-cs"/>
+              </a:rPr>
+              <a:t>first, we set </a:t>
+            </a:r>
+            <a:r>
+              <a:rPr lang="en-US" altLang="zh-CN" sz="1200" kern="1200" dirty="0" smtClean="0">
+                <a:solidFill>
+                  <a:schemeClr val="tx1"/>
+                </a:solidFill>
+                <a:effectLst/>
+                <a:latin typeface="+mn-lt"/>
+                <a:ea typeface="+mn-ea"/>
+                <a:cs typeface="+mn-cs"/>
+              </a:rPr>
+              <a:t>an </a:t>
+            </a:r>
+            <a:r>
+              <a:rPr lang="en-US" altLang="zh-CN" sz="1200" kern="1200" dirty="0" smtClean="0">
+                <a:solidFill>
+                  <a:schemeClr val="tx1"/>
+                </a:solidFill>
+                <a:effectLst/>
+                <a:latin typeface="+mn-lt"/>
+                <a:ea typeface="+mn-ea"/>
+                <a:cs typeface="+mn-cs"/>
+              </a:rPr>
+              <a:t>original key to use it for encryption and decryption, and obviously it generates from husky.</a:t>
             </a:r>
             <a:endParaRPr lang="zh-CN" altLang="zh-CN" sz="1200" kern="1200" dirty="0" smtClean="0">
               <a:solidFill>
@@ -763,11 +803,11 @@
           <a:p>
             <a:r>
               <a:rPr lang="en-US" altLang="zh-CN" dirty="0" smtClean="0"/>
-              <a:t>If is the first time the user open the program, it</a:t>
+              <a:t>So eventually,</a:t>
             </a:r>
             <a:r>
               <a:rPr lang="en-US" altLang="zh-CN" baseline="0" dirty="0" smtClean="0"/>
-              <a:t> will generate a public key and a private key first and save it to files for future use.</a:t>
+              <a:t> we choose the python library for formal use</a:t>
             </a:r>
             <a:endParaRPr lang="zh-CN" altLang="en-US" dirty="0"/>
           </a:p>
@@ -799,7 +839,7 @@
     </p:spTree>
     <p:extLst>
       <p:ext uri="{BB962C8B-B14F-4D97-AF65-F5344CB8AC3E}">
-        <p14:creationId xmlns:p14="http://schemas.microsoft.com/office/powerpoint/2010/main" val="3384028900"/>
+        <p14:creationId xmlns:p14="http://schemas.microsoft.com/office/powerpoint/2010/main" val="1381674179"/>
       </p:ext>
     </p:extLst>
   </p:cSld>
@@ -855,11 +895,11 @@
           <a:p>
             <a:r>
               <a:rPr lang="en-US" altLang="zh-CN" dirty="0" smtClean="0"/>
-              <a:t>And then the implemented</a:t>
+              <a:t>If is the first time the user open the program, it</a:t>
             </a:r>
             <a:r>
               <a:rPr lang="en-US" altLang="zh-CN" baseline="0" dirty="0" smtClean="0"/>
-              <a:t> encrypt function will encrypt the password for us.</a:t>
+              <a:t> will generate a public key and a private key first and save it to files for future use.</a:t>
             </a:r>
             <a:endParaRPr lang="zh-CN" altLang="en-US" dirty="0"/>
           </a:p>
@@ -891,7 +931,7 @@
     </p:spTree>
     <p:extLst>
       <p:ext uri="{BB962C8B-B14F-4D97-AF65-F5344CB8AC3E}">
-        <p14:creationId xmlns:p14="http://schemas.microsoft.com/office/powerpoint/2010/main" val="1622761771"/>
+        <p14:creationId xmlns:p14="http://schemas.microsoft.com/office/powerpoint/2010/main" val="3384028900"/>
       </p:ext>
     </p:extLst>
   </p:cSld>
@@ -947,11 +987,11 @@
           <a:p>
             <a:r>
               <a:rPr lang="en-US" altLang="zh-CN" dirty="0" smtClean="0"/>
-              <a:t>And decrypt</a:t>
+              <a:t>And then the implemented</a:t>
             </a:r>
             <a:r>
               <a:rPr lang="en-US" altLang="zh-CN" baseline="0" dirty="0" smtClean="0"/>
-              <a:t> in the same way</a:t>
+              <a:t> encrypt function will encrypt the password for us.</a:t>
             </a:r>
             <a:endParaRPr lang="zh-CN" altLang="en-US" dirty="0"/>
           </a:p>
@@ -983,7 +1023,7 @@
     </p:spTree>
     <p:extLst>
       <p:ext uri="{BB962C8B-B14F-4D97-AF65-F5344CB8AC3E}">
-        <p14:creationId xmlns:p14="http://schemas.microsoft.com/office/powerpoint/2010/main" val="435326443"/>
+        <p14:creationId xmlns:p14="http://schemas.microsoft.com/office/powerpoint/2010/main" val="1622761771"/>
       </p:ext>
     </p:extLst>
   </p:cSld>
@@ -1039,11 +1079,11 @@
           <a:p>
             <a:r>
               <a:rPr lang="en-US" altLang="zh-CN" dirty="0" smtClean="0"/>
-              <a:t>The keys we stored</a:t>
+              <a:t>And decrypt</a:t>
             </a:r>
             <a:r>
               <a:rPr lang="en-US" altLang="zh-CN" baseline="0" dirty="0" smtClean="0"/>
-              <a:t> in the files are like this</a:t>
+              <a:t> in the same way</a:t>
             </a:r>
             <a:endParaRPr lang="zh-CN" altLang="en-US" dirty="0"/>
           </a:p>
@@ -1075,7 +1115,7 @@
     </p:spTree>
     <p:extLst>
       <p:ext uri="{BB962C8B-B14F-4D97-AF65-F5344CB8AC3E}">
-        <p14:creationId xmlns:p14="http://schemas.microsoft.com/office/powerpoint/2010/main" val="1959915514"/>
+        <p14:creationId xmlns:p14="http://schemas.microsoft.com/office/powerpoint/2010/main" val="435326443"/>
       </p:ext>
     </p:extLst>
   </p:cSld>
@@ -1131,11 +1171,11 @@
           <a:p>
             <a:r>
               <a:rPr lang="en-US" altLang="zh-CN" dirty="0" smtClean="0"/>
-              <a:t>But one tricky thing is,</a:t>
+              <a:t>The keys we stored</a:t>
             </a:r>
             <a:r>
               <a:rPr lang="en-US" altLang="zh-CN" baseline="0" dirty="0" smtClean="0"/>
-              <a:t> it might be unsafe to just store them in the file when the file can be easily accessed, so it actually can be improved in future.</a:t>
+              <a:t> in the files are like this</a:t>
             </a:r>
             <a:endParaRPr lang="zh-CN" altLang="en-US" dirty="0"/>
           </a:p>
@@ -1167,7 +1207,7 @@
     </p:spTree>
     <p:extLst>
       <p:ext uri="{BB962C8B-B14F-4D97-AF65-F5344CB8AC3E}">
-        <p14:creationId xmlns:p14="http://schemas.microsoft.com/office/powerpoint/2010/main" val="1739501585"/>
+        <p14:creationId xmlns:p14="http://schemas.microsoft.com/office/powerpoint/2010/main" val="1959915514"/>
       </p:ext>
     </p:extLst>
   </p:cSld>
@@ -1222,47 +1262,29 @@
           <a:lstStyle/>
           <a:p>
             <a:r>
-              <a:rPr lang="en-US" altLang="zh-CN" sz="1200" b="0" i="0" kern="1200" dirty="0" smtClean="0">
-                <a:solidFill>
-                  <a:schemeClr val="tx1"/>
-                </a:solidFill>
-                <a:effectLst/>
-                <a:latin typeface="+mn-lt"/>
-                <a:ea typeface="+mn-ea"/>
-                <a:cs typeface="+mn-cs"/>
-              </a:rPr>
-              <a:t>we initializes an AES cipher in Cipher Block Chaining (CBC) mode.</a:t>
-            </a:r>
-          </a:p>
-          <a:p>
-            <a:r>
-              <a:rPr lang="en-US" altLang="zh-CN" sz="1200" b="0" i="0" kern="1200" dirty="0" smtClean="0">
-                <a:solidFill>
-                  <a:schemeClr val="tx1"/>
-                </a:solidFill>
-                <a:effectLst/>
-                <a:latin typeface="+mn-lt"/>
-                <a:ea typeface="+mn-ea"/>
-                <a:cs typeface="+mn-cs"/>
-              </a:rPr>
-              <a:t>The message is padded to ensure its length is a multiple of the block size.</a:t>
-            </a:r>
-          </a:p>
-          <a:p>
-            <a:r>
-              <a:rPr lang="en-US" altLang="zh-CN" sz="1200" b="0" i="0" kern="1200" dirty="0" smtClean="0">
-                <a:solidFill>
-                  <a:schemeClr val="tx1"/>
-                </a:solidFill>
-                <a:effectLst/>
-                <a:latin typeface="+mn-lt"/>
-                <a:ea typeface="+mn-ea"/>
-                <a:cs typeface="+mn-cs"/>
-              </a:rPr>
-              <a:t>The padded message is then encrypted using the AES cipher, producing cipher text bytes.</a:t>
-            </a:r>
-          </a:p>
-          <a:p>
+              <a:rPr lang="en-US" altLang="zh-CN" dirty="0" smtClean="0"/>
+              <a:t>But one tricky thing is,</a:t>
+            </a:r>
+            <a:r>
+              <a:rPr lang="en-US" altLang="zh-CN" baseline="0" dirty="0" smtClean="0"/>
+              <a:t> it might be unsafe to just store them in the </a:t>
+            </a:r>
+            <a:r>
+              <a:rPr lang="en-US" altLang="zh-CN" baseline="0" dirty="0" smtClean="0"/>
+              <a:t>files </a:t>
+            </a:r>
+            <a:r>
+              <a:rPr lang="en-US" altLang="zh-CN" baseline="0" dirty="0" smtClean="0"/>
+              <a:t>when the </a:t>
+            </a:r>
+            <a:r>
+              <a:rPr lang="en-US" altLang="zh-CN" baseline="0" dirty="0" smtClean="0"/>
+              <a:t>files can </a:t>
+            </a:r>
+            <a:r>
+              <a:rPr lang="en-US" altLang="zh-CN" baseline="0" dirty="0" smtClean="0"/>
+              <a:t>be easily accessed, so it actually can be improved in future.</a:t>
+            </a:r>
             <a:endParaRPr lang="zh-CN" altLang="en-US" dirty="0"/>
           </a:p>
         </p:txBody>
@@ -1284,7 +1306,7 @@
           <a:p>
             <a:fld id="{527B9613-19D3-489B-A0FF-B7C545F963FF}" type="slidenum">
               <a:rPr lang="zh-CN" altLang="en-US" smtClean="0"/>
-              <a:t>30</a:t>
+              <a:t>27</a:t>
             </a:fld>
             <a:endParaRPr lang="zh-CN" altLang="en-US"/>
           </a:p>
@@ -1293,7 +1315,7 @@
     </p:spTree>
     <p:extLst>
       <p:ext uri="{BB962C8B-B14F-4D97-AF65-F5344CB8AC3E}">
-        <p14:creationId xmlns:p14="http://schemas.microsoft.com/office/powerpoint/2010/main" val="3906479466"/>
+        <p14:creationId xmlns:p14="http://schemas.microsoft.com/office/powerpoint/2010/main" val="1739501585"/>
       </p:ext>
     </p:extLst>
   </p:cSld>
@@ -1348,13 +1370,92 @@
           <a:lstStyle/>
           <a:p>
             <a:r>
-              <a:rPr lang="en-US" altLang="zh-CN" dirty="0" smtClean="0"/>
-              <a:t>So the above is basically encryption part of our program, which</a:t>
-            </a:r>
-            <a:r>
-              <a:rPr lang="en-US" altLang="zh-CN" baseline="0" dirty="0" smtClean="0"/>
-              <a:t> is also the main and most important part. And then we will briefly introduce other parts to show how the whole manager works.</a:t>
-            </a:r>
+              <a:rPr lang="en-US" altLang="zh-CN" sz="1200" b="0" i="0" kern="1200" dirty="0" smtClean="0">
+                <a:solidFill>
+                  <a:schemeClr val="tx1"/>
+                </a:solidFill>
+                <a:effectLst/>
+                <a:latin typeface="+mn-lt"/>
+                <a:ea typeface="+mn-ea"/>
+                <a:cs typeface="+mn-cs"/>
+              </a:rPr>
+              <a:t>In our implementation, we </a:t>
+            </a:r>
+            <a:r>
+              <a:rPr lang="en-US" altLang="zh-CN" sz="1200" b="0" i="0" kern="1200" dirty="0" smtClean="0">
+                <a:solidFill>
+                  <a:schemeClr val="tx1"/>
+                </a:solidFill>
+                <a:effectLst/>
+                <a:latin typeface="+mn-lt"/>
+                <a:ea typeface="+mn-ea"/>
+                <a:cs typeface="+mn-cs"/>
+              </a:rPr>
+              <a:t>initializes an AES </a:t>
+            </a:r>
+            <a:r>
+              <a:rPr lang="en-US" altLang="zh-CN" sz="1200" b="0" i="0" kern="1200" dirty="0" smtClean="0">
+                <a:solidFill>
+                  <a:schemeClr val="tx1"/>
+                </a:solidFill>
+                <a:effectLst/>
+                <a:latin typeface="+mn-lt"/>
+                <a:ea typeface="+mn-ea"/>
+                <a:cs typeface="+mn-cs"/>
+              </a:rPr>
+              <a:t>cipher</a:t>
+            </a:r>
+            <a:r>
+              <a:rPr lang="en-US" altLang="zh-CN" sz="1200" b="0" i="0" kern="1200" baseline="0" dirty="0" smtClean="0">
+                <a:solidFill>
+                  <a:schemeClr val="tx1"/>
+                </a:solidFill>
+                <a:effectLst/>
+                <a:latin typeface="+mn-lt"/>
+                <a:ea typeface="+mn-ea"/>
+                <a:cs typeface="+mn-cs"/>
+              </a:rPr>
+              <a:t> and</a:t>
+            </a:r>
+            <a:endParaRPr lang="en-US" altLang="zh-CN" sz="1200" b="0" i="0" kern="1200" dirty="0" smtClean="0">
+              <a:solidFill>
+                <a:schemeClr val="tx1"/>
+              </a:solidFill>
+              <a:effectLst/>
+              <a:latin typeface="+mn-lt"/>
+              <a:ea typeface="+mn-ea"/>
+              <a:cs typeface="+mn-cs"/>
+            </a:endParaRPr>
+          </a:p>
+          <a:p>
+            <a:r>
+              <a:rPr lang="en-US" altLang="zh-CN" sz="1200" b="0" i="0" kern="1200" dirty="0" smtClean="0">
+                <a:solidFill>
+                  <a:schemeClr val="tx1"/>
+                </a:solidFill>
+                <a:effectLst/>
+                <a:latin typeface="+mn-lt"/>
+                <a:ea typeface="+mn-ea"/>
+                <a:cs typeface="+mn-cs"/>
+              </a:rPr>
+              <a:t>The message is padded to ensure its length is a multiple of the block size.</a:t>
+            </a:r>
+          </a:p>
+          <a:p>
+            <a:r>
+              <a:rPr lang="en-US" altLang="zh-CN" sz="1200" b="0" i="0" kern="1200" dirty="0" smtClean="0">
+                <a:solidFill>
+                  <a:schemeClr val="tx1"/>
+                </a:solidFill>
+                <a:effectLst/>
+                <a:latin typeface="+mn-lt"/>
+                <a:ea typeface="+mn-ea"/>
+                <a:cs typeface="+mn-cs"/>
+              </a:rPr>
+              <a:t>The padded message is then encrypted using the AES cipher, producing cipher text bytes.</a:t>
+            </a:r>
+          </a:p>
+          <a:p>
             <a:endParaRPr lang="zh-CN" altLang="en-US" dirty="0"/>
           </a:p>
         </p:txBody>
@@ -1385,7 +1486,7 @@
     </p:spTree>
     <p:extLst>
       <p:ext uri="{BB962C8B-B14F-4D97-AF65-F5344CB8AC3E}">
-        <p14:creationId xmlns:p14="http://schemas.microsoft.com/office/powerpoint/2010/main" val="4271786199"/>
+        <p14:creationId xmlns:p14="http://schemas.microsoft.com/office/powerpoint/2010/main" val="3906479466"/>
       </p:ext>
     </p:extLst>
   </p:cSld>
@@ -1441,11 +1542,11 @@
           <a:p>
             <a:r>
               <a:rPr lang="en-US" altLang="zh-CN" dirty="0" smtClean="0"/>
-              <a:t>We use other class like add,</a:t>
+              <a:t>So in these three encryption algorithm, we choose the RSA as our</a:t>
             </a:r>
             <a:r>
               <a:rPr lang="en-US" altLang="zh-CN" baseline="0" dirty="0" smtClean="0"/>
-              <a:t> list search to implement these main functions, </a:t>
+              <a:t> final implementation, considering its security and complexity</a:t>
             </a:r>
             <a:endParaRPr lang="zh-CN" altLang="en-US" dirty="0"/>
           </a:p>
@@ -1477,7 +1578,7 @@
     </p:spTree>
     <p:extLst>
       <p:ext uri="{BB962C8B-B14F-4D97-AF65-F5344CB8AC3E}">
-        <p14:creationId xmlns:p14="http://schemas.microsoft.com/office/powerpoint/2010/main" val="1046378873"/>
+        <p14:creationId xmlns:p14="http://schemas.microsoft.com/office/powerpoint/2010/main" val="3420023620"/>
       </p:ext>
     </p:extLst>
   </p:cSld>
@@ -1533,19 +1634,11 @@
           <a:p>
             <a:r>
               <a:rPr lang="en-US" altLang="zh-CN" dirty="0" smtClean="0"/>
-              <a:t>And the tool</a:t>
+              <a:t>So the above is basically encryption part of our program, which</a:t>
             </a:r>
             <a:r>
               <a:rPr lang="en-US" altLang="zh-CN" baseline="0" dirty="0" smtClean="0"/>
-              <a:t> we use , firstly is the Tkinter library, which can provide us with graphic interface, but only useful for windows. And also we use some graphic design software like </a:t>
-            </a:r>
-            <a:r>
-              <a:rPr lang="en-US" altLang="zh-CN" baseline="0" dirty="0" err="1" smtClean="0"/>
-              <a:t>photoshop</a:t>
-            </a:r>
-            <a:r>
-              <a:rPr lang="en-US" altLang="zh-CN" baseline="0" dirty="0" smtClean="0"/>
-              <a:t> to make our application more interesting.</a:t>
+              <a:t> is also the main and most important part. And then we will briefly introduce other parts to show how the whole manager works.</a:t>
             </a:r>
             <a:endParaRPr lang="zh-CN" altLang="en-US" dirty="0"/>
           </a:p>
@@ -1577,7 +1670,107 @@
     </p:spTree>
     <p:extLst>
       <p:ext uri="{BB962C8B-B14F-4D97-AF65-F5344CB8AC3E}">
-        <p14:creationId xmlns:p14="http://schemas.microsoft.com/office/powerpoint/2010/main" val="1707078789"/>
+        <p14:creationId xmlns:p14="http://schemas.microsoft.com/office/powerpoint/2010/main" val="4271786199"/>
+      </p:ext>
+    </p:extLst>
+  </p:cSld>
+  <p:clrMapOvr>
+    <a:masterClrMapping/>
+  </p:clrMapOvr>
+</p:notes>
+</file>
+
+<file path=ppt/notesSlides/notesSlide19.xml><?xml version="1.0" encoding="utf-8"?>
+<p:notes xmlns:a="http://schemas.openxmlformats.org/drawingml/2006/main" xmlns:r="http://schemas.openxmlformats.org/officeDocument/2006/relationships" xmlns:p="http://schemas.openxmlformats.org/presentationml/2006/main">
+  <p:cSld>
+    <p:spTree>
+      <p:nvGrpSpPr>
+        <p:cNvPr id="1" name=""/>
+        <p:cNvGrpSpPr/>
+        <p:nvPr/>
+      </p:nvGrpSpPr>
+      <p:grpSpPr>
+        <a:xfrm>
+          <a:off x="0" y="0"/>
+          <a:ext cx="0" cy="0"/>
+          <a:chOff x="0" y="0"/>
+          <a:chExt cx="0" cy="0"/>
+        </a:xfrm>
+      </p:grpSpPr>
+      <p:sp>
+        <p:nvSpPr>
+          <p:cNvPr id="2" name="幻灯片图像占位符 1"/>
+          <p:cNvSpPr>
+            <a:spLocks noGrp="1" noRot="1" noChangeAspect="1"/>
+          </p:cNvSpPr>
+          <p:nvPr>
+            <p:ph type="sldImg"/>
+          </p:nvPr>
+        </p:nvSpPr>
+        <p:spPr/>
+      </p:sp>
+      <p:sp>
+        <p:nvSpPr>
+          <p:cNvPr id="3" name="备注占位符 2"/>
+          <p:cNvSpPr>
+            <a:spLocks noGrp="1"/>
+          </p:cNvSpPr>
+          <p:nvPr>
+            <p:ph type="body" idx="1"/>
+          </p:nvPr>
+        </p:nvSpPr>
+        <p:spPr/>
+        <p:txBody>
+          <a:bodyPr/>
+          <a:lstStyle/>
+          <a:p>
+            <a:r>
+              <a:rPr lang="en-US" altLang="zh-CN" dirty="0" smtClean="0"/>
+              <a:t>We use other class like add,</a:t>
+            </a:r>
+            <a:r>
+              <a:rPr lang="en-US" altLang="zh-CN" baseline="0" dirty="0" smtClean="0"/>
+              <a:t> </a:t>
+            </a:r>
+            <a:r>
+              <a:rPr lang="en-US" altLang="zh-CN" baseline="0" dirty="0" smtClean="0"/>
+              <a:t>list, and </a:t>
+            </a:r>
+            <a:r>
+              <a:rPr lang="en-US" altLang="zh-CN" baseline="0" dirty="0" smtClean="0"/>
+              <a:t>search to implement these main functions, </a:t>
+            </a:r>
+            <a:endParaRPr lang="zh-CN" altLang="en-US" dirty="0"/>
+          </a:p>
+        </p:txBody>
+      </p:sp>
+      <p:sp>
+        <p:nvSpPr>
+          <p:cNvPr id="4" name="灯片编号占位符 3"/>
+          <p:cNvSpPr>
+            <a:spLocks noGrp="1"/>
+          </p:cNvSpPr>
+          <p:nvPr>
+            <p:ph type="sldNum" sz="quarter" idx="10"/>
+          </p:nvPr>
+        </p:nvSpPr>
+        <p:spPr/>
+        <p:txBody>
+          <a:bodyPr/>
+          <a:lstStyle/>
+          <a:p>
+            <a:fld id="{527B9613-19D3-489B-A0FF-B7C545F963FF}" type="slidenum">
+              <a:rPr lang="zh-CN" altLang="en-US" smtClean="0"/>
+              <a:t>34</a:t>
+            </a:fld>
+            <a:endParaRPr lang="zh-CN" altLang="en-US"/>
+          </a:p>
+        </p:txBody>
+      </p:sp>
+    </p:spTree>
+    <p:extLst>
+      <p:ext uri="{BB962C8B-B14F-4D97-AF65-F5344CB8AC3E}">
+        <p14:creationId xmlns:p14="http://schemas.microsoft.com/office/powerpoint/2010/main" val="1046378873"/>
       </p:ext>
     </p:extLst>
   </p:cSld>
@@ -1645,7 +1838,7 @@
             </a:r>
             <a:r>
               <a:rPr lang="en-US" altLang="zh-CN" baseline="0" dirty="0" smtClean="0"/>
-              <a:t> value of the original key, which is husky, to the asci value of every character we want to encode, and finally transfer the modified </a:t>
+              <a:t> value of the original key, which is husky, to the </a:t>
             </a:r>
             <a:r>
               <a:rPr lang="en-US" altLang="zh-CN" baseline="0" dirty="0" err="1" smtClean="0"/>
@@ -1653,63 +1846,20 @@
             </a:r>
             <a:r>
               <a:rPr lang="en-US" altLang="zh-CN" baseline="0" dirty="0" smtClean="0"/>
+              <a:t> </a:t>
+            </a:r>
+            <a:r>
+              <a:rPr lang="en-US" altLang="zh-CN" baseline="0" dirty="0" smtClean="0"/>
+              <a:t>value of every character we want to encode, and finally transfer the modified </a:t>
+            </a:r>
+            <a:r>
+              <a:rPr lang="en-US" altLang="zh-CN" baseline="0" dirty="0" err="1" smtClean="0"/>
+              <a:t>ascii</a:t>
+            </a:r>
+            <a:r>
+              <a:rPr lang="en-US" altLang="zh-CN" baseline="0" dirty="0" smtClean="0"/>
               <a:t> value back into character. </a:t>
             </a:r>
-          </a:p>
-          <a:p>
-            <a:r>
-              <a:rPr lang="en-US" altLang="zh-CN" baseline="0" dirty="0" smtClean="0"/>
-              <a:t>One thing to notice is the last step. </a:t>
-            </a:r>
-            <a:r>
-              <a:rPr lang="en-US" altLang="zh-CN" sz="1200" b="0" i="0" kern="1200" dirty="0" smtClean="0">
-                <a:solidFill>
-                  <a:schemeClr val="tx1"/>
-                </a:solidFill>
-                <a:effectLst/>
-                <a:latin typeface="+mn-lt"/>
-                <a:ea typeface="+mn-ea"/>
-                <a:cs typeface="+mn-cs"/>
-              </a:rPr>
-              <a:t>when dealing with text data in Python, it's often stored as Unicode characters. By encoding the text into bytes using UTF-8 and then applying Base64 encoding, it ensures that the input is a binary representation of the text,</a:t>
-            </a:r>
-            <a:r>
-              <a:rPr lang="en-US" altLang="zh-CN" sz="1200" b="0" i="0" kern="1200" baseline="0" dirty="0" smtClean="0">
-                <a:solidFill>
-                  <a:schemeClr val="tx1"/>
-                </a:solidFill>
-                <a:effectLst/>
-                <a:latin typeface="+mn-lt"/>
-                <a:ea typeface="+mn-ea"/>
-                <a:cs typeface="+mn-cs"/>
-              </a:rPr>
-              <a:t> and make sure these text won’t have issues or be </a:t>
-            </a:r>
-            <a:r>
-              <a:rPr lang="en-US" altLang="zh-CN" sz="1200" b="0" i="0" kern="1200" dirty="0" smtClean="0">
-                <a:solidFill>
-                  <a:schemeClr val="tx1"/>
-                </a:solidFill>
-                <a:effectLst/>
-                <a:latin typeface="+mn-lt"/>
-                <a:ea typeface="+mn-ea"/>
-                <a:cs typeface="+mn-cs"/>
-              </a:rPr>
-              <a:t>misinterpreted, and</a:t>
-            </a:r>
-            <a:r>
-              <a:rPr lang="en-US" altLang="zh-CN" sz="1200" b="0" i="0" kern="1200" baseline="0" dirty="0" smtClean="0">
-                <a:solidFill>
-                  <a:schemeClr val="tx1"/>
-                </a:solidFill>
-                <a:effectLst/>
-                <a:latin typeface="+mn-lt"/>
-                <a:ea typeface="+mn-ea"/>
-                <a:cs typeface="+mn-cs"/>
-              </a:rPr>
-              <a:t> to get a range of consistent output.</a:t>
-            </a:r>
-            <a:endParaRPr lang="zh-CN" altLang="en-US" dirty="0"/>
           </a:p>
         </p:txBody>
       </p:sp>
@@ -1740,6 +1890,862 @@
     <p:extLst>
       <p:ext uri="{BB962C8B-B14F-4D97-AF65-F5344CB8AC3E}">
         <p14:creationId xmlns:p14="http://schemas.microsoft.com/office/powerpoint/2010/main" val="3331711660"/>
+      </p:ext>
+    </p:extLst>
+  </p:cSld>
+  <p:clrMapOvr>
+    <a:masterClrMapping/>
+  </p:clrMapOvr>
+</p:notes>
+</file>
+
+<file path=ppt/notesSlides/notesSlide20.xml><?xml version="1.0" encoding="utf-8"?>
+<p:notes xmlns:a="http://schemas.openxmlformats.org/drawingml/2006/main" xmlns:r="http://schemas.openxmlformats.org/officeDocument/2006/relationships" xmlns:p="http://schemas.openxmlformats.org/presentationml/2006/main">
+  <p:cSld>
+    <p:spTree>
+      <p:nvGrpSpPr>
+        <p:cNvPr id="1" name=""/>
+        <p:cNvGrpSpPr/>
+        <p:nvPr/>
+      </p:nvGrpSpPr>
+      <p:grpSpPr>
+        <a:xfrm>
+          <a:off x="0" y="0"/>
+          <a:ext cx="0" cy="0"/>
+          <a:chOff x="0" y="0"/>
+          <a:chExt cx="0" cy="0"/>
+        </a:xfrm>
+      </p:grpSpPr>
+      <p:sp>
+        <p:nvSpPr>
+          <p:cNvPr id="2" name="幻灯片图像占位符 1"/>
+          <p:cNvSpPr>
+            <a:spLocks noGrp="1" noRot="1" noChangeAspect="1"/>
+          </p:cNvSpPr>
+          <p:nvPr>
+            <p:ph type="sldImg"/>
+          </p:nvPr>
+        </p:nvSpPr>
+        <p:spPr/>
+      </p:sp>
+      <p:sp>
+        <p:nvSpPr>
+          <p:cNvPr id="3" name="备注占位符 2"/>
+          <p:cNvSpPr>
+            <a:spLocks noGrp="1"/>
+          </p:cNvSpPr>
+          <p:nvPr>
+            <p:ph type="body" idx="1"/>
+          </p:nvPr>
+        </p:nvSpPr>
+        <p:spPr/>
+        <p:txBody>
+          <a:bodyPr/>
+          <a:lstStyle/>
+          <a:p>
+            <a:r>
+              <a:rPr lang="en-US" altLang="zh-CN" dirty="0" smtClean="0"/>
+              <a:t>And the tool</a:t>
+            </a:r>
+            <a:r>
+              <a:rPr lang="en-US" altLang="zh-CN" baseline="0" dirty="0" smtClean="0"/>
+              <a:t> we use , firstly is the Tkinter library, which can provide us with graphic interface, but only useful for windows. And also we use some graphic design software like </a:t>
+            </a:r>
+            <a:r>
+              <a:rPr lang="en-US" altLang="zh-CN" baseline="0" dirty="0" err="1" smtClean="0"/>
+              <a:t>photoshop</a:t>
+            </a:r>
+            <a:r>
+              <a:rPr lang="en-US" altLang="zh-CN" baseline="0" dirty="0" smtClean="0"/>
+              <a:t> to make our application more interesting.</a:t>
+            </a:r>
+            <a:endParaRPr lang="zh-CN" altLang="en-US" dirty="0"/>
+          </a:p>
+        </p:txBody>
+      </p:sp>
+      <p:sp>
+        <p:nvSpPr>
+          <p:cNvPr id="4" name="灯片编号占位符 3"/>
+          <p:cNvSpPr>
+            <a:spLocks noGrp="1"/>
+          </p:cNvSpPr>
+          <p:nvPr>
+            <p:ph type="sldNum" sz="quarter" idx="10"/>
+          </p:nvPr>
+        </p:nvSpPr>
+        <p:spPr/>
+        <p:txBody>
+          <a:bodyPr/>
+          <a:lstStyle/>
+          <a:p>
+            <a:fld id="{527B9613-19D3-489B-A0FF-B7C545F963FF}" type="slidenum">
+              <a:rPr lang="zh-CN" altLang="en-US" smtClean="0"/>
+              <a:t>35</a:t>
+            </a:fld>
+            <a:endParaRPr lang="zh-CN" altLang="en-US"/>
+          </a:p>
+        </p:txBody>
+      </p:sp>
+    </p:spTree>
+    <p:extLst>
+      <p:ext uri="{BB962C8B-B14F-4D97-AF65-F5344CB8AC3E}">
+        <p14:creationId xmlns:p14="http://schemas.microsoft.com/office/powerpoint/2010/main" val="1707078789"/>
+      </p:ext>
+    </p:extLst>
+  </p:cSld>
+  <p:clrMapOvr>
+    <a:masterClrMapping/>
+  </p:clrMapOvr>
+</p:notes>
+</file>
+
+<file path=ppt/notesSlides/notesSlide21.xml><?xml version="1.0" encoding="utf-8"?>
+<p:notes xmlns:a="http://schemas.openxmlformats.org/drawingml/2006/main" xmlns:r="http://schemas.openxmlformats.org/officeDocument/2006/relationships" xmlns:p="http://schemas.openxmlformats.org/presentationml/2006/main">
+  <p:cSld>
+    <p:spTree>
+      <p:nvGrpSpPr>
+        <p:cNvPr id="1" name=""/>
+        <p:cNvGrpSpPr/>
+        <p:nvPr/>
+      </p:nvGrpSpPr>
+      <p:grpSpPr>
+        <a:xfrm>
+          <a:off x="0" y="0"/>
+          <a:ext cx="0" cy="0"/>
+          <a:chOff x="0" y="0"/>
+          <a:chExt cx="0" cy="0"/>
+        </a:xfrm>
+      </p:grpSpPr>
+      <p:sp>
+        <p:nvSpPr>
+          <p:cNvPr id="2" name="幻灯片图像占位符 1"/>
+          <p:cNvSpPr>
+            <a:spLocks noGrp="1" noRot="1" noChangeAspect="1"/>
+          </p:cNvSpPr>
+          <p:nvPr>
+            <p:ph type="sldImg"/>
+          </p:nvPr>
+        </p:nvSpPr>
+        <p:spPr/>
+      </p:sp>
+      <p:sp>
+        <p:nvSpPr>
+          <p:cNvPr id="3" name="备注占位符 2"/>
+          <p:cNvSpPr>
+            <a:spLocks noGrp="1"/>
+          </p:cNvSpPr>
+          <p:nvPr>
+            <p:ph type="body" idx="1"/>
+          </p:nvPr>
+        </p:nvSpPr>
+        <p:spPr/>
+        <p:txBody>
+          <a:bodyPr/>
+          <a:lstStyle/>
+          <a:p>
+            <a:r>
+              <a:rPr lang="en-US" altLang="zh-CN" dirty="0" smtClean="0"/>
+              <a:t>And these are code</a:t>
+            </a:r>
+            <a:r>
+              <a:rPr lang="en-US" altLang="zh-CN" baseline="0" dirty="0" smtClean="0"/>
+              <a:t> for other parts and we won’t go into detail of them</a:t>
+            </a:r>
+            <a:endParaRPr lang="zh-CN" altLang="en-US" dirty="0"/>
+          </a:p>
+        </p:txBody>
+      </p:sp>
+      <p:sp>
+        <p:nvSpPr>
+          <p:cNvPr id="4" name="灯片编号占位符 3"/>
+          <p:cNvSpPr>
+            <a:spLocks noGrp="1"/>
+          </p:cNvSpPr>
+          <p:nvPr>
+            <p:ph type="sldNum" sz="quarter" idx="10"/>
+          </p:nvPr>
+        </p:nvSpPr>
+        <p:spPr/>
+        <p:txBody>
+          <a:bodyPr/>
+          <a:lstStyle/>
+          <a:p>
+            <a:fld id="{527B9613-19D3-489B-A0FF-B7C545F963FF}" type="slidenum">
+              <a:rPr lang="zh-CN" altLang="en-US" smtClean="0"/>
+              <a:t>36</a:t>
+            </a:fld>
+            <a:endParaRPr lang="zh-CN" altLang="en-US"/>
+          </a:p>
+        </p:txBody>
+      </p:sp>
+    </p:spTree>
+    <p:extLst>
+      <p:ext uri="{BB962C8B-B14F-4D97-AF65-F5344CB8AC3E}">
+        <p14:creationId xmlns:p14="http://schemas.microsoft.com/office/powerpoint/2010/main" val="422310511"/>
+      </p:ext>
+    </p:extLst>
+  </p:cSld>
+  <p:clrMapOvr>
+    <a:masterClrMapping/>
+  </p:clrMapOvr>
+</p:notes>
+</file>
+
+<file path=ppt/notesSlides/notesSlide22.xml><?xml version="1.0" encoding="utf-8"?>
+<p:notes xmlns:a="http://schemas.openxmlformats.org/drawingml/2006/main" xmlns:r="http://schemas.openxmlformats.org/officeDocument/2006/relationships" xmlns:p="http://schemas.openxmlformats.org/presentationml/2006/main">
+  <p:cSld>
+    <p:spTree>
+      <p:nvGrpSpPr>
+        <p:cNvPr id="1" name=""/>
+        <p:cNvGrpSpPr/>
+        <p:nvPr/>
+      </p:nvGrpSpPr>
+      <p:grpSpPr>
+        <a:xfrm>
+          <a:off x="0" y="0"/>
+          <a:ext cx="0" cy="0"/>
+          <a:chOff x="0" y="0"/>
+          <a:chExt cx="0" cy="0"/>
+        </a:xfrm>
+      </p:grpSpPr>
+      <p:sp>
+        <p:nvSpPr>
+          <p:cNvPr id="2" name="幻灯片图像占位符 1"/>
+          <p:cNvSpPr>
+            <a:spLocks noGrp="1" noRot="1" noChangeAspect="1"/>
+          </p:cNvSpPr>
+          <p:nvPr>
+            <p:ph type="sldImg"/>
+          </p:nvPr>
+        </p:nvSpPr>
+        <p:spPr/>
+      </p:sp>
+      <p:sp>
+        <p:nvSpPr>
+          <p:cNvPr id="3" name="备注占位符 2"/>
+          <p:cNvSpPr>
+            <a:spLocks noGrp="1"/>
+          </p:cNvSpPr>
+          <p:nvPr>
+            <p:ph type="body" idx="1"/>
+          </p:nvPr>
+        </p:nvSpPr>
+        <p:spPr/>
+        <p:txBody>
+          <a:bodyPr/>
+          <a:lstStyle/>
+          <a:p>
+            <a:pPr marL="0" marR="0" indent="0" algn="l" defTabSz="914400" rtl="0" eaLnBrk="1" fontAlgn="auto" latinLnBrk="0" hangingPunct="1">
+              <a:lnSpc>
+                <a:spcPct val="100000"/>
+              </a:lnSpc>
+              <a:spcBef>
+                <a:spcPts val="0"/>
+              </a:spcBef>
+              <a:spcAft>
+                <a:spcPts val="0"/>
+              </a:spcAft>
+              <a:buClrTx/>
+              <a:buSzTx/>
+              <a:buFontTx/>
+              <a:buNone/>
+              <a:tabLst/>
+              <a:defRPr/>
+            </a:pPr>
+            <a:r>
+              <a:rPr lang="en-US" altLang="zh-CN" dirty="0" smtClean="0"/>
+              <a:t>And these are code</a:t>
+            </a:r>
+            <a:r>
+              <a:rPr lang="en-US" altLang="zh-CN" baseline="0" dirty="0" smtClean="0"/>
+              <a:t> for other parts and we won’t go into detail of them</a:t>
+            </a:r>
+            <a:endParaRPr lang="zh-CN" altLang="en-US" dirty="0" smtClean="0"/>
+          </a:p>
+          <a:p>
+            <a:endParaRPr lang="zh-CN" altLang="en-US" dirty="0"/>
+          </a:p>
+        </p:txBody>
+      </p:sp>
+      <p:sp>
+        <p:nvSpPr>
+          <p:cNvPr id="4" name="灯片编号占位符 3"/>
+          <p:cNvSpPr>
+            <a:spLocks noGrp="1"/>
+          </p:cNvSpPr>
+          <p:nvPr>
+            <p:ph type="sldNum" sz="quarter" idx="10"/>
+          </p:nvPr>
+        </p:nvSpPr>
+        <p:spPr/>
+        <p:txBody>
+          <a:bodyPr/>
+          <a:lstStyle/>
+          <a:p>
+            <a:fld id="{527B9613-19D3-489B-A0FF-B7C545F963FF}" type="slidenum">
+              <a:rPr lang="zh-CN" altLang="en-US" smtClean="0"/>
+              <a:t>37</a:t>
+            </a:fld>
+            <a:endParaRPr lang="zh-CN" altLang="en-US"/>
+          </a:p>
+        </p:txBody>
+      </p:sp>
+    </p:spTree>
+    <p:extLst>
+      <p:ext uri="{BB962C8B-B14F-4D97-AF65-F5344CB8AC3E}">
+        <p14:creationId xmlns:p14="http://schemas.microsoft.com/office/powerpoint/2010/main" val="3226815476"/>
+      </p:ext>
+    </p:extLst>
+  </p:cSld>
+  <p:clrMapOvr>
+    <a:masterClrMapping/>
+  </p:clrMapOvr>
+</p:notes>
+</file>
+
+<file path=ppt/notesSlides/notesSlide23.xml><?xml version="1.0" encoding="utf-8"?>
+<p:notes xmlns:a="http://schemas.openxmlformats.org/drawingml/2006/main" xmlns:r="http://schemas.openxmlformats.org/officeDocument/2006/relationships" xmlns:p="http://schemas.openxmlformats.org/presentationml/2006/main">
+  <p:cSld>
+    <p:spTree>
+      <p:nvGrpSpPr>
+        <p:cNvPr id="1" name=""/>
+        <p:cNvGrpSpPr/>
+        <p:nvPr/>
+      </p:nvGrpSpPr>
+      <p:grpSpPr>
+        <a:xfrm>
+          <a:off x="0" y="0"/>
+          <a:ext cx="0" cy="0"/>
+          <a:chOff x="0" y="0"/>
+          <a:chExt cx="0" cy="0"/>
+        </a:xfrm>
+      </p:grpSpPr>
+      <p:sp>
+        <p:nvSpPr>
+          <p:cNvPr id="2" name="幻灯片图像占位符 1"/>
+          <p:cNvSpPr>
+            <a:spLocks noGrp="1" noRot="1" noChangeAspect="1"/>
+          </p:cNvSpPr>
+          <p:nvPr>
+            <p:ph type="sldImg"/>
+          </p:nvPr>
+        </p:nvSpPr>
+        <p:spPr/>
+      </p:sp>
+      <p:sp>
+        <p:nvSpPr>
+          <p:cNvPr id="3" name="备注占位符 2"/>
+          <p:cNvSpPr>
+            <a:spLocks noGrp="1"/>
+          </p:cNvSpPr>
+          <p:nvPr>
+            <p:ph type="body" idx="1"/>
+          </p:nvPr>
+        </p:nvSpPr>
+        <p:spPr/>
+        <p:txBody>
+          <a:bodyPr/>
+          <a:lstStyle/>
+          <a:p>
+            <a:r>
+              <a:rPr lang="en-US" altLang="zh-CN" dirty="0" smtClean="0"/>
+              <a:t>And these are code</a:t>
+            </a:r>
+            <a:r>
+              <a:rPr lang="en-US" altLang="zh-CN" baseline="0" dirty="0" smtClean="0"/>
+              <a:t> for other parts and we won’t go into detail of them</a:t>
+            </a:r>
+            <a:endParaRPr lang="zh-CN" altLang="en-US" dirty="0"/>
+          </a:p>
+        </p:txBody>
+      </p:sp>
+      <p:sp>
+        <p:nvSpPr>
+          <p:cNvPr id="4" name="灯片编号占位符 3"/>
+          <p:cNvSpPr>
+            <a:spLocks noGrp="1"/>
+          </p:cNvSpPr>
+          <p:nvPr>
+            <p:ph type="sldNum" sz="quarter" idx="10"/>
+          </p:nvPr>
+        </p:nvSpPr>
+        <p:spPr/>
+        <p:txBody>
+          <a:bodyPr/>
+          <a:lstStyle/>
+          <a:p>
+            <a:fld id="{527B9613-19D3-489B-A0FF-B7C545F963FF}" type="slidenum">
+              <a:rPr lang="zh-CN" altLang="en-US" smtClean="0"/>
+              <a:t>38</a:t>
+            </a:fld>
+            <a:endParaRPr lang="zh-CN" altLang="en-US"/>
+          </a:p>
+        </p:txBody>
+      </p:sp>
+    </p:spTree>
+    <p:extLst>
+      <p:ext uri="{BB962C8B-B14F-4D97-AF65-F5344CB8AC3E}">
+        <p14:creationId xmlns:p14="http://schemas.microsoft.com/office/powerpoint/2010/main" val="50621637"/>
+      </p:ext>
+    </p:extLst>
+  </p:cSld>
+  <p:clrMapOvr>
+    <a:masterClrMapping/>
+  </p:clrMapOvr>
+</p:notes>
+</file>
+
+<file path=ppt/notesSlides/notesSlide24.xml><?xml version="1.0" encoding="utf-8"?>
+<p:notes xmlns:a="http://schemas.openxmlformats.org/drawingml/2006/main" xmlns:r="http://schemas.openxmlformats.org/officeDocument/2006/relationships" xmlns:p="http://schemas.openxmlformats.org/presentationml/2006/main">
+  <p:cSld>
+    <p:spTree>
+      <p:nvGrpSpPr>
+        <p:cNvPr id="1" name=""/>
+        <p:cNvGrpSpPr/>
+        <p:nvPr/>
+      </p:nvGrpSpPr>
+      <p:grpSpPr>
+        <a:xfrm>
+          <a:off x="0" y="0"/>
+          <a:ext cx="0" cy="0"/>
+          <a:chOff x="0" y="0"/>
+          <a:chExt cx="0" cy="0"/>
+        </a:xfrm>
+      </p:grpSpPr>
+      <p:sp>
+        <p:nvSpPr>
+          <p:cNvPr id="2" name="幻灯片图像占位符 1"/>
+          <p:cNvSpPr>
+            <a:spLocks noGrp="1" noRot="1" noChangeAspect="1"/>
+          </p:cNvSpPr>
+          <p:nvPr>
+            <p:ph type="sldImg"/>
+          </p:nvPr>
+        </p:nvSpPr>
+        <p:spPr/>
+      </p:sp>
+      <p:sp>
+        <p:nvSpPr>
+          <p:cNvPr id="3" name="备注占位符 2"/>
+          <p:cNvSpPr>
+            <a:spLocks noGrp="1"/>
+          </p:cNvSpPr>
+          <p:nvPr>
+            <p:ph type="body" idx="1"/>
+          </p:nvPr>
+        </p:nvSpPr>
+        <p:spPr/>
+        <p:txBody>
+          <a:bodyPr/>
+          <a:lstStyle/>
+          <a:p>
+            <a:r>
+              <a:rPr lang="en-US" altLang="zh-CN" dirty="0" smtClean="0"/>
+              <a:t>Now we are </a:t>
+            </a:r>
+            <a:r>
+              <a:rPr lang="en-US" altLang="zh-CN" dirty="0" err="1" smtClean="0"/>
+              <a:t>gonna</a:t>
+            </a:r>
+            <a:r>
+              <a:rPr lang="en-US" altLang="zh-CN" dirty="0" smtClean="0"/>
+              <a:t> show</a:t>
+            </a:r>
+            <a:r>
+              <a:rPr lang="en-US" altLang="zh-CN" baseline="0" dirty="0" smtClean="0"/>
+              <a:t> how it really works</a:t>
+            </a:r>
+            <a:endParaRPr lang="zh-CN" altLang="en-US" dirty="0"/>
+          </a:p>
+        </p:txBody>
+      </p:sp>
+      <p:sp>
+        <p:nvSpPr>
+          <p:cNvPr id="4" name="灯片编号占位符 3"/>
+          <p:cNvSpPr>
+            <a:spLocks noGrp="1"/>
+          </p:cNvSpPr>
+          <p:nvPr>
+            <p:ph type="sldNum" sz="quarter" idx="10"/>
+          </p:nvPr>
+        </p:nvSpPr>
+        <p:spPr/>
+        <p:txBody>
+          <a:bodyPr/>
+          <a:lstStyle/>
+          <a:p>
+            <a:fld id="{527B9613-19D3-489B-A0FF-B7C545F963FF}" type="slidenum">
+              <a:rPr lang="zh-CN" altLang="en-US" smtClean="0"/>
+              <a:t>39</a:t>
+            </a:fld>
+            <a:endParaRPr lang="zh-CN" altLang="en-US"/>
+          </a:p>
+        </p:txBody>
+      </p:sp>
+    </p:spTree>
+    <p:extLst>
+      <p:ext uri="{BB962C8B-B14F-4D97-AF65-F5344CB8AC3E}">
+        <p14:creationId xmlns:p14="http://schemas.microsoft.com/office/powerpoint/2010/main" val="558339690"/>
+      </p:ext>
+    </p:extLst>
+  </p:cSld>
+  <p:clrMapOvr>
+    <a:masterClrMapping/>
+  </p:clrMapOvr>
+</p:notes>
+</file>
+
+<file path=ppt/notesSlides/notesSlide25.xml><?xml version="1.0" encoding="utf-8"?>
+<p:notes xmlns:a="http://schemas.openxmlformats.org/drawingml/2006/main" xmlns:r="http://schemas.openxmlformats.org/officeDocument/2006/relationships" xmlns:p="http://schemas.openxmlformats.org/presentationml/2006/main">
+  <p:cSld>
+    <p:spTree>
+      <p:nvGrpSpPr>
+        <p:cNvPr id="1" name=""/>
+        <p:cNvGrpSpPr/>
+        <p:nvPr/>
+      </p:nvGrpSpPr>
+      <p:grpSpPr>
+        <a:xfrm>
+          <a:off x="0" y="0"/>
+          <a:ext cx="0" cy="0"/>
+          <a:chOff x="0" y="0"/>
+          <a:chExt cx="0" cy="0"/>
+        </a:xfrm>
+      </p:grpSpPr>
+      <p:sp>
+        <p:nvSpPr>
+          <p:cNvPr id="2" name="幻灯片图像占位符 1"/>
+          <p:cNvSpPr>
+            <a:spLocks noGrp="1" noRot="1" noChangeAspect="1"/>
+          </p:cNvSpPr>
+          <p:nvPr>
+            <p:ph type="sldImg"/>
+          </p:nvPr>
+        </p:nvSpPr>
+        <p:spPr/>
+      </p:sp>
+      <p:sp>
+        <p:nvSpPr>
+          <p:cNvPr id="3" name="备注占位符 2"/>
+          <p:cNvSpPr>
+            <a:spLocks noGrp="1"/>
+          </p:cNvSpPr>
+          <p:nvPr>
+            <p:ph type="body" idx="1"/>
+          </p:nvPr>
+        </p:nvSpPr>
+        <p:spPr/>
+        <p:txBody>
+          <a:bodyPr/>
+          <a:lstStyle/>
+          <a:p>
+            <a:r>
+              <a:rPr lang="en-US" altLang="zh-CN" dirty="0" smtClean="0"/>
+              <a:t>The result, as you can see, we build a program that can indeed manage our passwords, at least</a:t>
+            </a:r>
+            <a:r>
+              <a:rPr lang="en-US" altLang="zh-CN" baseline="0" dirty="0" smtClean="0"/>
+              <a:t> there is no bug and it works properly</a:t>
+            </a:r>
+            <a:endParaRPr lang="zh-CN" altLang="en-US" dirty="0"/>
+          </a:p>
+        </p:txBody>
+      </p:sp>
+      <p:sp>
+        <p:nvSpPr>
+          <p:cNvPr id="4" name="灯片编号占位符 3"/>
+          <p:cNvSpPr>
+            <a:spLocks noGrp="1"/>
+          </p:cNvSpPr>
+          <p:nvPr>
+            <p:ph type="sldNum" sz="quarter" idx="10"/>
+          </p:nvPr>
+        </p:nvSpPr>
+        <p:spPr/>
+        <p:txBody>
+          <a:bodyPr/>
+          <a:lstStyle/>
+          <a:p>
+            <a:fld id="{527B9613-19D3-489B-A0FF-B7C545F963FF}" type="slidenum">
+              <a:rPr lang="zh-CN" altLang="en-US" smtClean="0"/>
+              <a:t>48</a:t>
+            </a:fld>
+            <a:endParaRPr lang="zh-CN" altLang="en-US"/>
+          </a:p>
+        </p:txBody>
+      </p:sp>
+    </p:spTree>
+    <p:extLst>
+      <p:ext uri="{BB962C8B-B14F-4D97-AF65-F5344CB8AC3E}">
+        <p14:creationId xmlns:p14="http://schemas.microsoft.com/office/powerpoint/2010/main" val="37781568"/>
+      </p:ext>
+    </p:extLst>
+  </p:cSld>
+  <p:clrMapOvr>
+    <a:masterClrMapping/>
+  </p:clrMapOvr>
+</p:notes>
+</file>
+
+<file path=ppt/notesSlides/notesSlide26.xml><?xml version="1.0" encoding="utf-8"?>
+<p:notes xmlns:a="http://schemas.openxmlformats.org/drawingml/2006/main" xmlns:r="http://schemas.openxmlformats.org/officeDocument/2006/relationships" xmlns:p="http://schemas.openxmlformats.org/presentationml/2006/main">
+  <p:cSld>
+    <p:spTree>
+      <p:nvGrpSpPr>
+        <p:cNvPr id="1" name=""/>
+        <p:cNvGrpSpPr/>
+        <p:nvPr/>
+      </p:nvGrpSpPr>
+      <p:grpSpPr>
+        <a:xfrm>
+          <a:off x="0" y="0"/>
+          <a:ext cx="0" cy="0"/>
+          <a:chOff x="0" y="0"/>
+          <a:chExt cx="0" cy="0"/>
+        </a:xfrm>
+      </p:grpSpPr>
+      <p:sp>
+        <p:nvSpPr>
+          <p:cNvPr id="2" name="幻灯片图像占位符 1"/>
+          <p:cNvSpPr>
+            <a:spLocks noGrp="1" noRot="1" noChangeAspect="1"/>
+          </p:cNvSpPr>
+          <p:nvPr>
+            <p:ph type="sldImg"/>
+          </p:nvPr>
+        </p:nvSpPr>
+        <p:spPr/>
+      </p:sp>
+      <p:sp>
+        <p:nvSpPr>
+          <p:cNvPr id="3" name="备注占位符 2"/>
+          <p:cNvSpPr>
+            <a:spLocks noGrp="1"/>
+          </p:cNvSpPr>
+          <p:nvPr>
+            <p:ph type="body" idx="1"/>
+          </p:nvPr>
+        </p:nvSpPr>
+        <p:spPr/>
+        <p:txBody>
+          <a:bodyPr/>
+          <a:lstStyle/>
+          <a:p>
+            <a:r>
+              <a:rPr lang="en-US" altLang="zh-CN" dirty="0" smtClean="0"/>
+              <a:t>And for the weakness</a:t>
+            </a:r>
+            <a:r>
+              <a:rPr lang="en-US" altLang="zh-CN" baseline="0" dirty="0" smtClean="0"/>
+              <a:t>, of course there are a lot, like for now we are not protecting our key files, which can be easily accessed; and also there are a lot of convenient function that we can add to it. So it has a large room to be improved</a:t>
+            </a:r>
+            <a:endParaRPr lang="zh-CN" altLang="en-US" dirty="0"/>
+          </a:p>
+        </p:txBody>
+      </p:sp>
+      <p:sp>
+        <p:nvSpPr>
+          <p:cNvPr id="4" name="灯片编号占位符 3"/>
+          <p:cNvSpPr>
+            <a:spLocks noGrp="1"/>
+          </p:cNvSpPr>
+          <p:nvPr>
+            <p:ph type="sldNum" sz="quarter" idx="10"/>
+          </p:nvPr>
+        </p:nvSpPr>
+        <p:spPr/>
+        <p:txBody>
+          <a:bodyPr/>
+          <a:lstStyle/>
+          <a:p>
+            <a:fld id="{527B9613-19D3-489B-A0FF-B7C545F963FF}" type="slidenum">
+              <a:rPr lang="zh-CN" altLang="en-US" smtClean="0"/>
+              <a:t>49</a:t>
+            </a:fld>
+            <a:endParaRPr lang="zh-CN" altLang="en-US"/>
+          </a:p>
+        </p:txBody>
+      </p:sp>
+    </p:spTree>
+    <p:extLst>
+      <p:ext uri="{BB962C8B-B14F-4D97-AF65-F5344CB8AC3E}">
+        <p14:creationId xmlns:p14="http://schemas.microsoft.com/office/powerpoint/2010/main" val="3903073943"/>
+      </p:ext>
+    </p:extLst>
+  </p:cSld>
+  <p:clrMapOvr>
+    <a:masterClrMapping/>
+  </p:clrMapOvr>
+</p:notes>
+</file>
+
+<file path=ppt/notesSlides/notesSlide27.xml><?xml version="1.0" encoding="utf-8"?>
+<p:notes xmlns:a="http://schemas.openxmlformats.org/drawingml/2006/main" xmlns:r="http://schemas.openxmlformats.org/officeDocument/2006/relationships" xmlns:p="http://schemas.openxmlformats.org/presentationml/2006/main">
+  <p:cSld>
+    <p:spTree>
+      <p:nvGrpSpPr>
+        <p:cNvPr id="1" name=""/>
+        <p:cNvGrpSpPr/>
+        <p:nvPr/>
+      </p:nvGrpSpPr>
+      <p:grpSpPr>
+        <a:xfrm>
+          <a:off x="0" y="0"/>
+          <a:ext cx="0" cy="0"/>
+          <a:chOff x="0" y="0"/>
+          <a:chExt cx="0" cy="0"/>
+        </a:xfrm>
+      </p:grpSpPr>
+      <p:sp>
+        <p:nvSpPr>
+          <p:cNvPr id="2" name="幻灯片图像占位符 1"/>
+          <p:cNvSpPr>
+            <a:spLocks noGrp="1" noRot="1" noChangeAspect="1"/>
+          </p:cNvSpPr>
+          <p:nvPr>
+            <p:ph type="sldImg"/>
+          </p:nvPr>
+        </p:nvSpPr>
+        <p:spPr/>
+      </p:sp>
+      <p:sp>
+        <p:nvSpPr>
+          <p:cNvPr id="3" name="备注占位符 2"/>
+          <p:cNvSpPr>
+            <a:spLocks noGrp="1"/>
+          </p:cNvSpPr>
+          <p:nvPr>
+            <p:ph type="body" idx="1"/>
+          </p:nvPr>
+        </p:nvSpPr>
+        <p:spPr/>
+        <p:txBody>
+          <a:bodyPr/>
+          <a:lstStyle/>
+          <a:p>
+            <a:r>
+              <a:rPr lang="en-US" altLang="zh-CN" dirty="0" smtClean="0"/>
+              <a:t>At last is our references</a:t>
+            </a:r>
+            <a:endParaRPr lang="zh-CN" altLang="en-US" dirty="0"/>
+          </a:p>
+        </p:txBody>
+      </p:sp>
+      <p:sp>
+        <p:nvSpPr>
+          <p:cNvPr id="4" name="灯片编号占位符 3"/>
+          <p:cNvSpPr>
+            <a:spLocks noGrp="1"/>
+          </p:cNvSpPr>
+          <p:nvPr>
+            <p:ph type="sldNum" sz="quarter" idx="10"/>
+          </p:nvPr>
+        </p:nvSpPr>
+        <p:spPr/>
+        <p:txBody>
+          <a:bodyPr/>
+          <a:lstStyle/>
+          <a:p>
+            <a:fld id="{527B9613-19D3-489B-A0FF-B7C545F963FF}" type="slidenum">
+              <a:rPr lang="zh-CN" altLang="en-US" smtClean="0"/>
+              <a:t>50</a:t>
+            </a:fld>
+            <a:endParaRPr lang="zh-CN" altLang="en-US"/>
+          </a:p>
+        </p:txBody>
+      </p:sp>
+    </p:spTree>
+    <p:extLst>
+      <p:ext uri="{BB962C8B-B14F-4D97-AF65-F5344CB8AC3E}">
+        <p14:creationId xmlns:p14="http://schemas.microsoft.com/office/powerpoint/2010/main" val="629157255"/>
+      </p:ext>
+    </p:extLst>
+  </p:cSld>
+  <p:clrMapOvr>
+    <a:masterClrMapping/>
+  </p:clrMapOvr>
+</p:notes>
+</file>
+
+<file path=ppt/notesSlides/notesSlide28.xml><?xml version="1.0" encoding="utf-8"?>
+<p:notes xmlns:a="http://schemas.openxmlformats.org/drawingml/2006/main" xmlns:r="http://schemas.openxmlformats.org/officeDocument/2006/relationships" xmlns:p="http://schemas.openxmlformats.org/presentationml/2006/main">
+  <p:cSld>
+    <p:spTree>
+      <p:nvGrpSpPr>
+        <p:cNvPr id="1" name=""/>
+        <p:cNvGrpSpPr/>
+        <p:nvPr/>
+      </p:nvGrpSpPr>
+      <p:grpSpPr>
+        <a:xfrm>
+          <a:off x="0" y="0"/>
+          <a:ext cx="0" cy="0"/>
+          <a:chOff x="0" y="0"/>
+          <a:chExt cx="0" cy="0"/>
+        </a:xfrm>
+      </p:grpSpPr>
+      <p:sp>
+        <p:nvSpPr>
+          <p:cNvPr id="2" name="幻灯片图像占位符 1"/>
+          <p:cNvSpPr>
+            <a:spLocks noGrp="1" noRot="1" noChangeAspect="1"/>
+          </p:cNvSpPr>
+          <p:nvPr>
+            <p:ph type="sldImg"/>
+          </p:nvPr>
+        </p:nvSpPr>
+        <p:spPr/>
+      </p:sp>
+      <p:sp>
+        <p:nvSpPr>
+          <p:cNvPr id="3" name="备注占位符 2"/>
+          <p:cNvSpPr>
+            <a:spLocks noGrp="1"/>
+          </p:cNvSpPr>
+          <p:nvPr>
+            <p:ph type="body" idx="1"/>
+          </p:nvPr>
+        </p:nvSpPr>
+        <p:spPr/>
+        <p:txBody>
+          <a:bodyPr/>
+          <a:lstStyle/>
+          <a:p>
+            <a:r>
+              <a:rPr lang="en-US" altLang="zh-CN" dirty="0" smtClean="0"/>
+              <a:t>Thank you all for listening. </a:t>
+            </a:r>
+            <a:endParaRPr lang="zh-CN" altLang="en-US" dirty="0"/>
+          </a:p>
+        </p:txBody>
+      </p:sp>
+      <p:sp>
+        <p:nvSpPr>
+          <p:cNvPr id="4" name="灯片编号占位符 3"/>
+          <p:cNvSpPr>
+            <a:spLocks noGrp="1"/>
+          </p:cNvSpPr>
+          <p:nvPr>
+            <p:ph type="sldNum" sz="quarter" idx="10"/>
+          </p:nvPr>
+        </p:nvSpPr>
+        <p:spPr/>
+        <p:txBody>
+          <a:bodyPr/>
+          <a:lstStyle/>
+          <a:p>
+            <a:fld id="{527B9613-19D3-489B-A0FF-B7C545F963FF}" type="slidenum">
+              <a:rPr lang="zh-CN" altLang="en-US" smtClean="0"/>
+              <a:t>51</a:t>
+            </a:fld>
+            <a:endParaRPr lang="zh-CN" altLang="en-US"/>
+          </a:p>
+        </p:txBody>
+      </p:sp>
+    </p:spTree>
+    <p:extLst>
+      <p:ext uri="{BB962C8B-B14F-4D97-AF65-F5344CB8AC3E}">
+        <p14:creationId xmlns:p14="http://schemas.microsoft.com/office/powerpoint/2010/main" val="4162481136"/>
       </p:ext>
     </p:extLst>
   </p:cSld>
@@ -1794,12 +2800,60 @@
           <a:lstStyle/>
           <a:p>
             <a:r>
-              <a:rPr lang="en-US" altLang="zh-CN" dirty="0" smtClean="0"/>
-              <a:t>So the decrypt</a:t>
-            </a:r>
-            <a:r>
               <a:rPr lang="en-US" altLang="zh-CN" baseline="0" dirty="0" smtClean="0"/>
-              <a:t> is basically an inverse of the encryption after transfer the string into bytes, quite straightforward</a:t>
+              <a:t>One </a:t>
+            </a:r>
+            <a:r>
+              <a:rPr lang="en-US" altLang="zh-CN" baseline="0" dirty="0" smtClean="0"/>
+              <a:t>thing to notice is the last step. </a:t>
+            </a:r>
+            <a:r>
+              <a:rPr lang="en-US" altLang="zh-CN" sz="1200" b="0" i="0" kern="1200" dirty="0" smtClean="0">
+                <a:solidFill>
+                  <a:schemeClr val="tx1"/>
+                </a:solidFill>
+                <a:effectLst/>
+                <a:latin typeface="+mn-lt"/>
+                <a:ea typeface="+mn-ea"/>
+                <a:cs typeface="+mn-cs"/>
+              </a:rPr>
+              <a:t>when dealing with text data in Python, it's often stored as Unicode characters. By encoding the text into bytes using UTF-8 and then applying Base64 encoding, it ensures that the input is a binary representation of the text,</a:t>
+            </a:r>
+            <a:r>
+              <a:rPr lang="en-US" altLang="zh-CN" sz="1200" b="0" i="0" kern="1200" baseline="0" dirty="0" smtClean="0">
+                <a:solidFill>
+                  <a:schemeClr val="tx1"/>
+                </a:solidFill>
+                <a:effectLst/>
+                <a:latin typeface="+mn-lt"/>
+                <a:ea typeface="+mn-ea"/>
+                <a:cs typeface="+mn-cs"/>
+              </a:rPr>
+              <a:t> and make sure these text won’t have issues or be </a:t>
+            </a:r>
+            <a:r>
+              <a:rPr lang="en-US" altLang="zh-CN" sz="1200" b="0" i="0" kern="1200" dirty="0" smtClean="0">
+                <a:solidFill>
+                  <a:schemeClr val="tx1"/>
+                </a:solidFill>
+                <a:effectLst/>
+                <a:latin typeface="+mn-lt"/>
+                <a:ea typeface="+mn-ea"/>
+                <a:cs typeface="+mn-cs"/>
+              </a:rPr>
+              <a:t>misinterpreted, and</a:t>
+            </a:r>
+            <a:r>
+              <a:rPr lang="en-US" altLang="zh-CN" sz="1200" b="0" i="0" kern="1200" baseline="0" dirty="0" smtClean="0">
+                <a:solidFill>
+                  <a:schemeClr val="tx1"/>
+                </a:solidFill>
+                <a:effectLst/>
+                <a:latin typeface="+mn-lt"/>
+                <a:ea typeface="+mn-ea"/>
+                <a:cs typeface="+mn-cs"/>
+              </a:rPr>
+              <a:t> to get a range of consistent output.</a:t>
             </a:r>
             <a:endParaRPr lang="zh-CN" altLang="en-US" dirty="0"/>
           </a:p>
@@ -1831,7 +2885,7 @@
     </p:spTree>
     <p:extLst>
       <p:ext uri="{BB962C8B-B14F-4D97-AF65-F5344CB8AC3E}">
-        <p14:creationId xmlns:p14="http://schemas.microsoft.com/office/powerpoint/2010/main" val="3735597511"/>
+        <p14:creationId xmlns:p14="http://schemas.microsoft.com/office/powerpoint/2010/main" val="2950542900"/>
       </p:ext>
     </p:extLst>
   </p:cSld>
@@ -1887,55 +2941,19 @@
           <a:p>
             <a:r>
               <a:rPr lang="en-US" altLang="zh-CN" dirty="0" smtClean="0"/>
-              <a:t>When the user use this program for</a:t>
+              <a:t>So the decrypt</a:t>
             </a:r>
             <a:r>
               <a:rPr lang="en-US" altLang="zh-CN" baseline="0" dirty="0" smtClean="0"/>
-              <a:t> the first time, they need to set a personal password. If they type in the same password for two times, then we save it into a file named .</a:t>
-            </a:r>
-            <a:r>
-              <a:rPr lang="en-US" altLang="zh-CN" baseline="0" dirty="0" err="1" smtClean="0"/>
-              <a:t>pwd</a:t>
+              <a:t> </a:t>
             </a:r>
             <a:r>
               <a:rPr lang="en-US" altLang="zh-CN" baseline="0" dirty="0" smtClean="0"/>
-              <a:t>. The hash we use in the program is </a:t>
-            </a:r>
-            <a:r>
-              <a:rPr lang="en-US" altLang="zh-CN" sz="1200" b="0" i="0" kern="1200" dirty="0" smtClean="0">
-                <a:solidFill>
-                  <a:schemeClr val="tx1"/>
-                </a:solidFill>
-                <a:effectLst/>
-                <a:latin typeface="+mn-lt"/>
-                <a:ea typeface="+mn-ea"/>
-                <a:cs typeface="+mn-cs"/>
-              </a:rPr>
-              <a:t>for security reasons, to avoid storing plaintext directly,</a:t>
-            </a:r>
-            <a:r>
-              <a:rPr lang="en-US" altLang="zh-CN" sz="1200" b="0" i="0" kern="1200" baseline="0" dirty="0" smtClean="0">
-                <a:solidFill>
-                  <a:schemeClr val="tx1"/>
-                </a:solidFill>
-                <a:effectLst/>
-                <a:latin typeface="+mn-lt"/>
-                <a:ea typeface="+mn-ea"/>
-                <a:cs typeface="+mn-cs"/>
-              </a:rPr>
-              <a:t> </a:t>
-            </a:r>
-            <a:r>
-              <a:rPr lang="en-US" altLang="zh-CN" sz="1200" b="0" i="0" kern="1200" dirty="0" smtClean="0">
-                <a:solidFill>
-                  <a:schemeClr val="tx1"/>
-                </a:solidFill>
-                <a:effectLst/>
-                <a:latin typeface="+mn-lt"/>
-                <a:ea typeface="+mn-ea"/>
-                <a:cs typeface="+mn-cs"/>
-              </a:rPr>
-              <a:t>making it difficult (in theory) for an attacker to reverse the process and obtain the original password.</a:t>
+              <a:t>part is </a:t>
+            </a:r>
+            <a:r>
+              <a:rPr lang="en-US" altLang="zh-CN" baseline="0" dirty="0" smtClean="0"/>
+              <a:t>basically an inverse of the encryption after transfer the string into bytes, quite straightforward</a:t>
             </a:r>
             <a:endParaRPr lang="zh-CN" altLang="en-US" dirty="0"/>
           </a:p>
@@ -1967,7 +2985,7 @@
     </p:spTree>
     <p:extLst>
       <p:ext uri="{BB962C8B-B14F-4D97-AF65-F5344CB8AC3E}">
-        <p14:creationId xmlns:p14="http://schemas.microsoft.com/office/powerpoint/2010/main" val="1508572910"/>
+        <p14:creationId xmlns:p14="http://schemas.microsoft.com/office/powerpoint/2010/main" val="3735597511"/>
       </p:ext>
     </p:extLst>
   </p:cSld>
@@ -2023,19 +3041,87 @@
           <a:p>
             <a:r>
               <a:rPr lang="en-US" altLang="zh-CN" dirty="0" smtClean="0"/>
-              <a:t>At last, if it is not the first time the user open this program</a:t>
+              <a:t>When the user use this program for</a:t>
             </a:r>
             <a:r>
               <a:rPr lang="en-US" altLang="zh-CN" baseline="0" dirty="0" smtClean="0"/>
-              <a:t>, </a:t>
-            </a:r>
-            <a:r>
-              <a:rPr lang="en-US" altLang="zh-CN" dirty="0" smtClean="0"/>
-              <a:t>we compare if</a:t>
+              <a:t> the first time, they need to set a personal </a:t>
             </a:r>
             <a:r>
               <a:rPr lang="en-US" altLang="zh-CN" baseline="0" dirty="0" smtClean="0"/>
-              <a:t> the user typed the right password. If they match, then the user can visit the database they saved before.</a:t>
+              <a:t>password, and we </a:t>
+            </a:r>
+            <a:r>
+              <a:rPr lang="en-US" altLang="zh-CN" baseline="0" dirty="0" smtClean="0"/>
+              <a:t>save it into a file named .</a:t>
+            </a:r>
+            <a:r>
+              <a:rPr lang="en-US" altLang="zh-CN" baseline="0" dirty="0" err="1" smtClean="0"/>
+              <a:t>pwd</a:t>
+            </a:r>
+            <a:r>
+              <a:rPr lang="en-US" altLang="zh-CN" baseline="0" dirty="0" smtClean="0"/>
+              <a:t>. The hash we use in the program is </a:t>
+            </a:r>
+            <a:r>
+              <a:rPr lang="en-US" altLang="zh-CN" sz="1200" b="0" i="0" kern="1200" dirty="0" smtClean="0">
+                <a:solidFill>
+                  <a:schemeClr val="tx1"/>
+                </a:solidFill>
+                <a:effectLst/>
+                <a:latin typeface="+mn-lt"/>
+                <a:ea typeface="+mn-ea"/>
+                <a:cs typeface="+mn-cs"/>
+              </a:rPr>
+              <a:t>for security reasons, to avoid storing plaintext directly,</a:t>
+            </a:r>
+            <a:r>
+              <a:rPr lang="en-US" altLang="zh-CN" sz="1200" b="0" i="0" kern="1200" baseline="0" dirty="0" smtClean="0">
+                <a:solidFill>
+                  <a:schemeClr val="tx1"/>
+                </a:solidFill>
+                <a:effectLst/>
+                <a:latin typeface="+mn-lt"/>
+                <a:ea typeface="+mn-ea"/>
+                <a:cs typeface="+mn-cs"/>
+              </a:rPr>
+              <a:t> </a:t>
+            </a:r>
+            <a:r>
+              <a:rPr lang="en-US" altLang="zh-CN" sz="1200" b="0" i="0" kern="1200" dirty="0" smtClean="0">
+                <a:solidFill>
+                  <a:schemeClr val="tx1"/>
+                </a:solidFill>
+                <a:effectLst/>
+                <a:latin typeface="+mn-lt"/>
+                <a:ea typeface="+mn-ea"/>
+                <a:cs typeface="+mn-cs"/>
+              </a:rPr>
+              <a:t>making it </a:t>
+            </a:r>
+            <a:r>
+              <a:rPr lang="en-US" altLang="zh-CN" sz="1200" b="0" i="0" kern="1200" dirty="0" smtClean="0">
+                <a:solidFill>
+                  <a:schemeClr val="tx1"/>
+                </a:solidFill>
+                <a:effectLst/>
+                <a:latin typeface="+mn-lt"/>
+                <a:ea typeface="+mn-ea"/>
+                <a:cs typeface="+mn-cs"/>
+              </a:rPr>
+              <a:t>for maybe an </a:t>
+            </a:r>
+            <a:r>
+              <a:rPr lang="en-US" altLang="zh-CN" sz="1200" b="0" i="0" kern="1200" dirty="0" smtClean="0">
+                <a:solidFill>
+                  <a:schemeClr val="tx1"/>
+                </a:solidFill>
+                <a:effectLst/>
+                <a:latin typeface="+mn-lt"/>
+                <a:ea typeface="+mn-ea"/>
+                <a:cs typeface="+mn-cs"/>
+              </a:rPr>
+              <a:t>attacker to reverse the process and obtain the original password.</a:t>
             </a:r>
             <a:endParaRPr lang="zh-CN" altLang="en-US" dirty="0"/>
           </a:p>
@@ -2067,7 +3153,7 @@
     </p:spTree>
     <p:extLst>
       <p:ext uri="{BB962C8B-B14F-4D97-AF65-F5344CB8AC3E}">
-        <p14:creationId xmlns:p14="http://schemas.microsoft.com/office/powerpoint/2010/main" val="2801678139"/>
+        <p14:creationId xmlns:p14="http://schemas.microsoft.com/office/powerpoint/2010/main" val="1508572910"/>
       </p:ext>
     </p:extLst>
   </p:cSld>
@@ -2123,35 +3209,37 @@
           <a:p>
             <a:r>
               <a:rPr lang="en-US" altLang="zh-CN" dirty="0" smtClean="0"/>
-              <a:t>We first write a demo to</a:t>
-            </a:r>
-            <a:r>
-              <a:rPr lang="en-US" altLang="zh-CN" baseline="0" dirty="0" smtClean="0"/>
-              <a:t> implement the </a:t>
-            </a:r>
-            <a:r>
-              <a:rPr lang="en-US" altLang="zh-CN" baseline="0" dirty="0" err="1" smtClean="0"/>
-              <a:t>rsa</a:t>
-            </a:r>
-            <a:r>
-              <a:rPr lang="en-US" altLang="zh-CN" baseline="0" dirty="0" smtClean="0"/>
-              <a:t> algorithm. We </a:t>
-            </a:r>
-            <a:r>
-              <a:rPr lang="en-US" altLang="zh-CN" baseline="0" dirty="0" err="1" smtClean="0"/>
-              <a:t>wirte</a:t>
-            </a:r>
-            <a:r>
-              <a:rPr lang="en-US" altLang="zh-CN" baseline="0" dirty="0" smtClean="0"/>
-              <a:t> some functions to get the </a:t>
-            </a:r>
-            <a:r>
-              <a:rPr lang="en-US" altLang="zh-CN" baseline="0" dirty="0" err="1" smtClean="0"/>
-              <a:t>gcd</a:t>
+              <a:t>At last, if it is not the first time the user open this program</a:t>
             </a:r>
             <a:r>
               <a:rPr lang="en-US" altLang="zh-CN" baseline="0" dirty="0" smtClean="0"/>
               <a:t>, </a:t>
+            </a:r>
+            <a:r>
+              <a:rPr lang="en-US" altLang="zh-CN" dirty="0" smtClean="0"/>
+              <a:t>we compare if</a:t>
+            </a:r>
+            <a:r>
+              <a:rPr lang="en-US" altLang="zh-CN" baseline="0" dirty="0" smtClean="0"/>
+              <a:t> the user typed the right password. If they match, then the user can visit the database they saved before</a:t>
+            </a:r>
+            <a:r>
+              <a:rPr lang="en-US" altLang="zh-CN" baseline="0" dirty="0" smtClean="0"/>
+              <a:t>. These are the </a:t>
+            </a:r>
+            <a:r>
+              <a:rPr lang="en-US" altLang="zh-CN" sz="1200" dirty="0" smtClean="0">
+                <a:latin typeface="微软雅黑" panose="020B0503020204020204" pitchFamily="34" charset="-122"/>
+                <a:ea typeface="微软雅黑" panose="020B0503020204020204" pitchFamily="34" charset="-122"/>
+              </a:rPr>
+              <a:t>Vigenere cipher part, which is a quite simple one and we originally implemented</a:t>
+            </a:r>
+            <a:r>
+              <a:rPr lang="en-US" altLang="zh-CN" sz="1200" baseline="0" dirty="0" smtClean="0">
+                <a:latin typeface="微软雅黑" panose="020B0503020204020204" pitchFamily="34" charset="-122"/>
+                <a:ea typeface="微软雅黑" panose="020B0503020204020204" pitchFamily="34" charset="-122"/>
+              </a:rPr>
+              <a:t> it just for test.</a:t>
             </a:r>
             <a:endParaRPr lang="zh-CN" altLang="en-US" dirty="0"/>
           </a:p>
@@ -2174,7 +3262,7 @@
           <a:p>
             <a:fld id="{527B9613-19D3-489B-A0FF-B7C545F963FF}" type="slidenum">
               <a:rPr lang="zh-CN" altLang="en-US" smtClean="0"/>
-              <a:t>18</a:t>
+              <a:t>16</a:t>
             </a:fld>
             <a:endParaRPr lang="zh-CN" altLang="en-US"/>
           </a:p>
@@ -2183,7 +3271,7 @@
     </p:spTree>
     <p:extLst>
       <p:ext uri="{BB962C8B-B14F-4D97-AF65-F5344CB8AC3E}">
-        <p14:creationId xmlns:p14="http://schemas.microsoft.com/office/powerpoint/2010/main" val="3543802751"/>
+        <p14:creationId xmlns:p14="http://schemas.microsoft.com/office/powerpoint/2010/main" val="2801678139"/>
       </p:ext>
     </p:extLst>
   </p:cSld>
@@ -2239,11 +3327,39 @@
           <a:p>
             <a:r>
               <a:rPr lang="en-US" altLang="zh-CN" dirty="0" smtClean="0"/>
-              <a:t>And a simple process as we’ve</a:t>
+              <a:t>In our program, We </a:t>
+            </a:r>
+            <a:r>
+              <a:rPr lang="en-US" altLang="zh-CN" dirty="0" smtClean="0"/>
+              <a:t>first write a demo to</a:t>
             </a:r>
             <a:r>
               <a:rPr lang="en-US" altLang="zh-CN" baseline="0" dirty="0" smtClean="0"/>
-              <a:t> introduced before to make it possible to accomplish the encrypt and decrypt process. </a:t>
+              <a:t> implement the </a:t>
+            </a:r>
+            <a:r>
+              <a:rPr lang="en-US" altLang="zh-CN" baseline="0" dirty="0" err="1" smtClean="0"/>
+              <a:t>rsa</a:t>
+            </a:r>
+            <a:r>
+              <a:rPr lang="en-US" altLang="zh-CN" baseline="0" dirty="0" smtClean="0"/>
+              <a:t> algorithm. We </a:t>
+            </a:r>
+            <a:r>
+              <a:rPr lang="en-US" altLang="zh-CN" baseline="0" dirty="0" smtClean="0"/>
+              <a:t>write </a:t>
+            </a:r>
+            <a:r>
+              <a:rPr lang="en-US" altLang="zh-CN" baseline="0" dirty="0" smtClean="0"/>
+              <a:t>some functions to get the </a:t>
+            </a:r>
+            <a:r>
+              <a:rPr lang="en-US" altLang="zh-CN" baseline="0" dirty="0" err="1" smtClean="0"/>
+              <a:t>gcd</a:t>
+            </a:r>
+            <a:r>
+              <a:rPr lang="en-US" altLang="zh-CN" baseline="0" dirty="0" smtClean="0"/>
+              <a:t>, </a:t>
             </a:r>
             <a:endParaRPr lang="zh-CN" altLang="en-US" dirty="0"/>
           </a:p>
@@ -2275,7 +3391,7 @@
     </p:spTree>
     <p:extLst>
       <p:ext uri="{BB962C8B-B14F-4D97-AF65-F5344CB8AC3E}">
-        <p14:creationId xmlns:p14="http://schemas.microsoft.com/office/powerpoint/2010/main" val="3181360261"/>
+        <p14:creationId xmlns:p14="http://schemas.microsoft.com/office/powerpoint/2010/main" val="3543802751"/>
       </p:ext>
     </p:extLst>
   </p:cSld>
@@ -2331,11 +3447,11 @@
           <a:p>
             <a:r>
               <a:rPr lang="en-US" altLang="zh-CN" dirty="0" smtClean="0"/>
-              <a:t>But the</a:t>
+              <a:t>And a simple process as we’ve</a:t>
             </a:r>
             <a:r>
               <a:rPr lang="en-US" altLang="zh-CN" baseline="0" dirty="0" smtClean="0"/>
-              <a:t> problem is only if we give big enough numbers can we handle complicated enough or even just normal passwords. </a:t>
+              <a:t> introduced before to make it possible to accomplish the encrypt and decrypt process. </a:t>
             </a:r>
             <a:endParaRPr lang="zh-CN" altLang="en-US" dirty="0"/>
           </a:p>
@@ -2367,7 +3483,7 @@
     </p:spTree>
     <p:extLst>
       <p:ext uri="{BB962C8B-B14F-4D97-AF65-F5344CB8AC3E}">
-        <p14:creationId xmlns:p14="http://schemas.microsoft.com/office/powerpoint/2010/main" val="2577334500"/>
+        <p14:creationId xmlns:p14="http://schemas.microsoft.com/office/powerpoint/2010/main" val="3181360261"/>
       </p:ext>
     </p:extLst>
   </p:cSld>
@@ -2423,11 +3539,19 @@
           <a:p>
             <a:r>
               <a:rPr lang="en-US" altLang="zh-CN" dirty="0" smtClean="0"/>
-              <a:t>So eventually,</a:t>
+              <a:t>But the</a:t>
             </a:r>
             <a:r>
               <a:rPr lang="en-US" altLang="zh-CN" baseline="0" dirty="0" smtClean="0"/>
-              <a:t> we choose the python library for formal use</a:t>
+              <a:t> problem is </a:t>
+            </a:r>
+            <a:r>
+              <a:rPr lang="en-US" altLang="zh-CN" baseline="0" dirty="0" smtClean="0"/>
+              <a:t>that, only </a:t>
+            </a:r>
+            <a:r>
+              <a:rPr lang="en-US" altLang="zh-CN" baseline="0" dirty="0" smtClean="0"/>
+              <a:t>if we give big enough numbers can we handle complicated enough or even just normal passwords. </a:t>
             </a:r>
             <a:endParaRPr lang="zh-CN" altLang="en-US" dirty="0"/>
           </a:p>
@@ -2459,7 +3583,7 @@
     </p:spTree>
     <p:extLst>
       <p:ext uri="{BB962C8B-B14F-4D97-AF65-F5344CB8AC3E}">
-        <p14:creationId xmlns:p14="http://schemas.microsoft.com/office/powerpoint/2010/main" val="1381674179"/>
+        <p14:creationId xmlns:p14="http://schemas.microsoft.com/office/powerpoint/2010/main" val="2577334500"/>
       </p:ext>
     </p:extLst>
   </p:cSld>
@@ -5724,13 +6848,20 @@
     </p:spTree>
     <p:extLst>
       <p:ext uri="{BB962C8B-B14F-4D97-AF65-F5344CB8AC3E}">
-        <p14:creationId xmlns:p14="http://schemas.microsoft.com/office/powerpoint/2010/main" val="4070529894"/>
+        <p14:creationId xmlns:p14="http://schemas.microsoft.com/office/powerpoint/2010/main" val="1192707422"/>
       </p:ext>
     </p:extLst>
   </p:cSld>
   <p:clrMapOvr>
     <a:masterClrMapping/>
   </p:clrMapOvr>
+  <p:timing>
+    <p:tnLst>
+      <p:par>
+        <p:cTn id="1" dur="indefinite" restart="never" nodeType="tmRoot"/>
+      </p:par>
+    </p:tnLst>
+  </p:timing>
 </p:sld>
 </file>
 
@@ -6071,7 +7202,7 @@
       </p:grpSpPr>
       <p:pic>
         <p:nvPicPr>
-          <p:cNvPr id="2" name="图片 1"/>
+          <p:cNvPr id="8" name="图片 7"/>
           <p:cNvPicPr>
             <a:picLocks noChangeAspect="1"/>
           </p:cNvPicPr>
@@ -6085,8 +7216,8 @@
         </p:blipFill>
         <p:spPr>
           <a:xfrm>
-            <a:off x="2080214" y="1783050"/>
-            <a:ext cx="8102262" cy="3952021"/>
+            <a:off x="2080214" y="2382251"/>
+            <a:ext cx="8102262" cy="2990850"/>
           </a:xfrm>
           <a:prstGeom prst="rect">
             <a:avLst/>
@@ -6163,14 +7294,14 @@
       </p:sp>
       <p:sp>
         <p:nvSpPr>
-          <p:cNvPr id="5" name="文本框 4"/>
+          <p:cNvPr id="6" name="文本框 5"/>
           <p:cNvSpPr txBox="1"/>
           <p:nvPr/>
         </p:nvSpPr>
         <p:spPr>
           <a:xfrm>
             <a:off x="434283" y="1242367"/>
-            <a:ext cx="1281120" cy="400110"/>
+            <a:ext cx="1276311" cy="400110"/>
           </a:xfrm>
           <a:prstGeom prst="rect">
             <a:avLst/>
@@ -6191,7 +7322,7 @@
                 <a:latin typeface="微软雅黑" panose="020B0503020204020204" pitchFamily="34" charset="-122"/>
                 <a:ea typeface="微软雅黑" panose="020B0503020204020204" pitchFamily="34" charset="-122"/>
               </a:rPr>
-              <a:t>- decode</a:t>
+              <a:t>- encode</a:t>
             </a:r>
             <a:endParaRPr lang="zh-CN" altLang="en-US" sz="2000" dirty="0">
               <a:solidFill>
@@ -6203,7 +7334,58 @@
           </a:p>
         </p:txBody>
       </p:sp>
+      <p:sp>
+        <p:nvSpPr>
+          <p:cNvPr id="2" name="矩形 1"/>
+          <p:cNvSpPr/>
+          <p:nvPr/>
+        </p:nvSpPr>
+        <p:spPr>
+          <a:xfrm>
+            <a:off x="2256312" y="4821382"/>
+            <a:ext cx="8146472" cy="427512"/>
+          </a:xfrm>
+          <a:prstGeom prst="rect">
+            <a:avLst/>
+          </a:prstGeom>
+          <a:noFill/>
+          <a:ln w="38100">
+            <a:solidFill>
+              <a:srgbClr val="FF0000"/>
+            </a:solidFill>
+          </a:ln>
+        </p:spPr>
+        <p:style>
+          <a:lnRef idx="2">
+            <a:schemeClr val="accent1">
+              <a:shade val="50000"/>
+            </a:schemeClr>
+          </a:lnRef>
+          <a:fillRef idx="1">
+            <a:schemeClr val="accent1"/>
+          </a:fillRef>
+          <a:effectRef idx="0">
+            <a:schemeClr val="accent1"/>
+          </a:effectRef>
+          <a:fontRef idx="minor">
+            <a:schemeClr val="lt1"/>
+          </a:fontRef>
+        </p:style>
+        <p:txBody>
+          <a:bodyPr rtlCol="0" anchor="ctr"/>
+          <a:lstStyle/>
+          <a:p>
+            <a:pPr algn="ctr"/>
+            <a:endParaRPr lang="zh-CN" altLang="en-US"/>
+          </a:p>
+        </p:txBody>
+      </p:sp>
     </p:spTree>
+    <p:extLst>
+      <p:ext uri="{BB962C8B-B14F-4D97-AF65-F5344CB8AC3E}">
+        <p14:creationId xmlns:p14="http://schemas.microsoft.com/office/powerpoint/2010/main" val="1126998285"/>
+      </p:ext>
+    </p:extLst>
   </p:cSld>
   <p:clrMapOvr>
     <a:masterClrMapping/>
@@ -6228,84 +7410,6 @@
           <a:chExt cx="0" cy="0"/>
         </a:xfrm>
       </p:grpSpPr>
-      <p:sp>
-        <p:nvSpPr>
-          <p:cNvPr id="4" name="文本框 3"/>
-          <p:cNvSpPr txBox="1"/>
-          <p:nvPr/>
-        </p:nvSpPr>
-        <p:spPr>
-          <a:xfrm>
-            <a:off x="434283" y="657846"/>
-            <a:ext cx="4417043" cy="461665"/>
-          </a:xfrm>
-          <a:prstGeom prst="rect">
-            <a:avLst/>
-          </a:prstGeom>
-          <a:noFill/>
-        </p:spPr>
-        <p:txBody>
-          <a:bodyPr wrap="none" rtlCol="0">
-            <a:spAutoFit/>
-          </a:bodyPr>
-          <a:lstStyle/>
-          <a:p>
-            <a:r>
-              <a:rPr lang="en-US" altLang="zh-CN" sz="2400" dirty="0">
-                <a:latin typeface="微软雅黑" panose="020B0503020204020204" pitchFamily="34" charset="-122"/>
-                <a:ea typeface="微软雅黑" panose="020B0503020204020204" pitchFamily="34" charset="-122"/>
-              </a:rPr>
-              <a:t>Vigenere cipher (simple one)</a:t>
-            </a:r>
-            <a:endParaRPr lang="zh-CN" altLang="en-US" sz="2400" dirty="0">
-              <a:latin typeface="微软雅黑" panose="020B0503020204020204" pitchFamily="34" charset="-122"/>
-              <a:ea typeface="微软雅黑" panose="020B0503020204020204" pitchFamily="34" charset="-122"/>
-            </a:endParaRPr>
-          </a:p>
-        </p:txBody>
-      </p:sp>
-      <p:sp>
-        <p:nvSpPr>
-          <p:cNvPr id="5" name="文本框 4"/>
-          <p:cNvSpPr txBox="1"/>
-          <p:nvPr/>
-        </p:nvSpPr>
-        <p:spPr>
-          <a:xfrm>
-            <a:off x="434283" y="1242367"/>
-            <a:ext cx="1131592" cy="400110"/>
-          </a:xfrm>
-          <a:prstGeom prst="rect">
-            <a:avLst/>
-          </a:prstGeom>
-          <a:noFill/>
-        </p:spPr>
-        <p:txBody>
-          <a:bodyPr wrap="none" rtlCol="0">
-            <a:spAutoFit/>
-          </a:bodyPr>
-          <a:lstStyle/>
-          <a:p>
-            <a:r>
-              <a:rPr lang="en-US" altLang="zh-CN" sz="2000" dirty="0">
-                <a:solidFill>
-                  <a:srgbClr val="C00000"/>
-                </a:solidFill>
-                <a:latin typeface="微软雅黑" panose="020B0503020204020204" pitchFamily="34" charset="-122"/>
-                <a:ea typeface="微软雅黑" panose="020B0503020204020204" pitchFamily="34" charset="-122"/>
-              </a:rPr>
-              <a:t>- match</a:t>
-            </a:r>
-            <a:endParaRPr lang="zh-CN" altLang="en-US" sz="2000" dirty="0">
-              <a:solidFill>
-                <a:srgbClr val="C00000"/>
-              </a:solidFill>
-              <a:latin typeface="微软雅黑" panose="020B0503020204020204" pitchFamily="34" charset="-122"/>
-              <a:ea typeface="微软雅黑" panose="020B0503020204020204" pitchFamily="34" charset="-122"/>
-            </a:endParaRPr>
-          </a:p>
-        </p:txBody>
-      </p:sp>
       <p:pic>
         <p:nvPicPr>
           <p:cNvPr id="2" name="图片 1"/>
@@ -6322,8 +7426,8 @@
         </p:blipFill>
         <p:spPr>
           <a:xfrm>
-            <a:off x="1565875" y="2526632"/>
-            <a:ext cx="9026735" cy="2406315"/>
+            <a:off x="2080214" y="1783050"/>
+            <a:ext cx="8102262" cy="3952021"/>
           </a:xfrm>
           <a:prstGeom prst="rect">
             <a:avLst/>
@@ -6362,6 +7466,84 @@
           </a:sp3d>
         </p:spPr>
       </p:pic>
+      <p:sp>
+        <p:nvSpPr>
+          <p:cNvPr id="4" name="文本框 3"/>
+          <p:cNvSpPr txBox="1"/>
+          <p:nvPr/>
+        </p:nvSpPr>
+        <p:spPr>
+          <a:xfrm>
+            <a:off x="434283" y="657846"/>
+            <a:ext cx="4417043" cy="461665"/>
+          </a:xfrm>
+          <a:prstGeom prst="rect">
+            <a:avLst/>
+          </a:prstGeom>
+          <a:noFill/>
+        </p:spPr>
+        <p:txBody>
+          <a:bodyPr wrap="none" rtlCol="0">
+            <a:spAutoFit/>
+          </a:bodyPr>
+          <a:lstStyle/>
+          <a:p>
+            <a:r>
+              <a:rPr lang="en-US" altLang="zh-CN" sz="2400" dirty="0">
+                <a:latin typeface="微软雅黑" panose="020B0503020204020204" pitchFamily="34" charset="-122"/>
+                <a:ea typeface="微软雅黑" panose="020B0503020204020204" pitchFamily="34" charset="-122"/>
+              </a:rPr>
+              <a:t>Vigenere cipher (simple one)</a:t>
+            </a:r>
+            <a:endParaRPr lang="zh-CN" altLang="en-US" sz="2400" dirty="0">
+              <a:latin typeface="微软雅黑" panose="020B0503020204020204" pitchFamily="34" charset="-122"/>
+              <a:ea typeface="微软雅黑" panose="020B0503020204020204" pitchFamily="34" charset="-122"/>
+            </a:endParaRPr>
+          </a:p>
+        </p:txBody>
+      </p:sp>
+      <p:sp>
+        <p:nvSpPr>
+          <p:cNvPr id="5" name="文本框 4"/>
+          <p:cNvSpPr txBox="1"/>
+          <p:nvPr/>
+        </p:nvSpPr>
+        <p:spPr>
+          <a:xfrm>
+            <a:off x="434283" y="1242367"/>
+            <a:ext cx="1281120" cy="400110"/>
+          </a:xfrm>
+          <a:prstGeom prst="rect">
+            <a:avLst/>
+          </a:prstGeom>
+          <a:noFill/>
+        </p:spPr>
+        <p:txBody>
+          <a:bodyPr wrap="none" rtlCol="0">
+            <a:spAutoFit/>
+          </a:bodyPr>
+          <a:lstStyle/>
+          <a:p>
+            <a:r>
+              <a:rPr lang="en-US" altLang="zh-CN" sz="2000" dirty="0">
+                <a:solidFill>
+                  <a:srgbClr val="C00000"/>
+                </a:solidFill>
+                <a:latin typeface="微软雅黑" panose="020B0503020204020204" pitchFamily="34" charset="-122"/>
+                <a:ea typeface="微软雅黑" panose="020B0503020204020204" pitchFamily="34" charset="-122"/>
+              </a:rPr>
+              <a:t>- decode</a:t>
+            </a:r>
+            <a:endParaRPr lang="zh-CN" altLang="en-US" sz="2000" dirty="0">
+              <a:solidFill>
+                <a:srgbClr val="C00000"/>
+              </a:solidFill>
+              <a:latin typeface="微软雅黑" panose="020B0503020204020204" pitchFamily="34" charset="-122"/>
+              <a:ea typeface="微软雅黑" panose="020B0503020204020204" pitchFamily="34" charset="-122"/>
+            </a:endParaRPr>
+          </a:p>
+        </p:txBody>
+      </p:sp>
     </p:spTree>
   </p:cSld>
   <p:clrMapOvr>
@@ -6467,7 +7649,7 @@
       </p:sp>
       <p:pic>
         <p:nvPicPr>
-          <p:cNvPr id="3" name="图片 2"/>
+          <p:cNvPr id="2" name="图片 1"/>
           <p:cNvPicPr>
             <a:picLocks noChangeAspect="1"/>
           </p:cNvPicPr>
@@ -6481,8 +7663,8 @@
         </p:blipFill>
         <p:spPr>
           <a:xfrm>
-            <a:off x="1419727" y="2824506"/>
-            <a:ext cx="9529010" cy="1856803"/>
+            <a:off x="1565875" y="2526632"/>
+            <a:ext cx="9026735" cy="2406315"/>
           </a:xfrm>
           <a:prstGeom prst="rect">
             <a:avLst/>
@@ -6555,7 +7737,7 @@
         <p:spPr>
           <a:xfrm>
             <a:off x="434283" y="657846"/>
-            <a:ext cx="2456698" cy="461665"/>
+            <a:ext cx="4417043" cy="461665"/>
           </a:xfrm>
           <a:prstGeom prst="rect">
             <a:avLst/>
@@ -6573,7 +7755,7 @@
                 <a:latin typeface="微软雅黑" panose="020B0503020204020204" pitchFamily="34" charset="-122"/>
                 <a:ea typeface="微软雅黑" panose="020B0503020204020204" pitchFamily="34" charset="-122"/>
               </a:rPr>
-              <a:t>RSA Encryption</a:t>
+              <a:t>Vigenere cipher (simple one)</a:t>
             </a:r>
             <a:endParaRPr lang="zh-CN" altLang="en-US" sz="2400" dirty="0">
               <a:latin typeface="微软雅黑" panose="020B0503020204020204" pitchFamily="34" charset="-122"/>
@@ -6582,48 +7764,105 @@
           </a:p>
         </p:txBody>
       </p:sp>
+      <p:sp>
+        <p:nvSpPr>
+          <p:cNvPr id="5" name="文本框 4"/>
+          <p:cNvSpPr txBox="1"/>
+          <p:nvPr/>
+        </p:nvSpPr>
+        <p:spPr>
+          <a:xfrm>
+            <a:off x="434283" y="1242367"/>
+            <a:ext cx="1131592" cy="400110"/>
+          </a:xfrm>
+          <a:prstGeom prst="rect">
+            <a:avLst/>
+          </a:prstGeom>
+          <a:noFill/>
+        </p:spPr>
+        <p:txBody>
+          <a:bodyPr wrap="none" rtlCol="0">
+            <a:spAutoFit/>
+          </a:bodyPr>
+          <a:lstStyle/>
+          <a:p>
+            <a:r>
+              <a:rPr lang="en-US" altLang="zh-CN" sz="2000" dirty="0">
+                <a:solidFill>
+                  <a:srgbClr val="C00000"/>
+                </a:solidFill>
+                <a:latin typeface="微软雅黑" panose="020B0503020204020204" pitchFamily="34" charset="-122"/>
+                <a:ea typeface="微软雅黑" panose="020B0503020204020204" pitchFamily="34" charset="-122"/>
+              </a:rPr>
+              <a:t>- match</a:t>
+            </a:r>
+            <a:endParaRPr lang="zh-CN" altLang="en-US" sz="2000" dirty="0">
+              <a:solidFill>
+                <a:srgbClr val="C00000"/>
+              </a:solidFill>
+              <a:latin typeface="微软雅黑" panose="020B0503020204020204" pitchFamily="34" charset="-122"/>
+              <a:ea typeface="微软雅黑" panose="020B0503020204020204" pitchFamily="34" charset="-122"/>
+            </a:endParaRPr>
+          </a:p>
+        </p:txBody>
+      </p:sp>
       <p:pic>
         <p:nvPicPr>
-          <p:cNvPr id="3" name="图片 2">
-            <a:extLst>
-              <a:ext uri="{FF2B5EF4-FFF2-40B4-BE49-F238E27FC236}">
-                <a16:creationId xmlns:a16="http://schemas.microsoft.com/office/drawing/2014/main" id="{9B08A8FF-F6A0-A275-FFE5-C8DF338BBAC1}"/>
-              </a:ext>
-            </a:extLst>
-          </p:cNvPr>
+          <p:cNvPr id="3" name="图片 2"/>
           <p:cNvPicPr>
             <a:picLocks noChangeAspect="1"/>
           </p:cNvPicPr>
           <p:nvPr/>
         </p:nvPicPr>
         <p:blipFill>
-          <a:blip r:embed="rId2">
-            <a:extLst>
-              <a:ext uri="{28A0092B-C50C-407E-A947-70E740481C1C}">
-                <a14:useLocalDpi xmlns:a14="http://schemas.microsoft.com/office/drawing/2010/main" val="0"/>
-              </a:ext>
-            </a:extLst>
-          </a:blip>
+          <a:blip r:embed="rId3"/>
           <a:stretch>
             <a:fillRect/>
           </a:stretch>
         </p:blipFill>
         <p:spPr>
           <a:xfrm>
-            <a:off x="1027215" y="1846835"/>
-            <a:ext cx="9773392" cy="2621585"/>
-          </a:xfrm>
-          <a:prstGeom prst="rect">
-            <a:avLst/>
-          </a:prstGeom>
+            <a:off x="1419727" y="2824506"/>
+            <a:ext cx="9529010" cy="1856803"/>
+          </a:xfrm>
+          <a:prstGeom prst="rect">
+            <a:avLst/>
+          </a:prstGeom>
+          <a:solidFill>
+            <a:srgbClr val="FFFFFF">
+              <a:shade val="85000"/>
+            </a:srgbClr>
+          </a:solidFill>
+          <a:ln w="88900" cap="sq">
+            <a:solidFill>
+              <a:srgbClr val="FFFFFF"/>
+            </a:solidFill>
+            <a:miter lim="800000"/>
+            <a:headEnd/>
+            <a:tailEnd/>
+          </a:ln>
+          <a:effectLst>
+            <a:outerShdw blurRad="55000" dist="18000" dir="5400000" algn="tl" rotWithShape="0">
+              <a:srgbClr val="000000">
+                <a:alpha val="40000"/>
+              </a:srgbClr>
+            </a:outerShdw>
+          </a:effectLst>
+          <a:scene3d>
+            <a:camera prst="orthographicFront"/>
+            <a:lightRig rig="twoPt" dir="t">
+              <a:rot lat="0" lon="0" rev="7200000"/>
+            </a:lightRig>
+          </a:scene3d>
+          <a:sp3d>
+            <a:bevelT w="25400" h="19050"/>
+            <a:contourClr>
+              <a:srgbClr val="FFFFFF"/>
+            </a:contourClr>
+          </a:sp3d>
         </p:spPr>
       </p:pic>
     </p:spTree>
-    <p:extLst>
-      <p:ext uri="{BB962C8B-B14F-4D97-AF65-F5344CB8AC3E}">
-        <p14:creationId xmlns:p14="http://schemas.microsoft.com/office/powerpoint/2010/main" val="4177014111"/>
-      </p:ext>
-    </p:extLst>
   </p:cSld>
   <p:clrMapOvr>
     <a:masterClrMapping/>
@@ -6684,764 +7923,12 @@
           </a:p>
         </p:txBody>
       </p:sp>
-      <p:sp>
-        <p:nvSpPr>
-          <p:cNvPr id="2" name="文本框 1">
+      <p:pic>
+        <p:nvPicPr>
+          <p:cNvPr id="3" name="图片 2">
             <a:extLst>
               <a:ext uri="{FF2B5EF4-FFF2-40B4-BE49-F238E27FC236}">
-                <a16:creationId xmlns:a16="http://schemas.microsoft.com/office/drawing/2014/main" id="{717FB783-73FB-9579-78E8-B546CCC63ACD}"/>
-              </a:ext>
-            </a:extLst>
-          </p:cNvPr>
-          <p:cNvSpPr txBox="1"/>
-          <p:nvPr/>
-        </p:nvSpPr>
-        <p:spPr>
-          <a:xfrm>
-            <a:off x="1484416" y="1620982"/>
-            <a:ext cx="1917865" cy="646331"/>
-          </a:xfrm>
-          <a:prstGeom prst="rect">
-            <a:avLst/>
-          </a:prstGeom>
-          <a:noFill/>
-        </p:spPr>
-        <p:txBody>
-          <a:bodyPr wrap="square" rtlCol="0">
-            <a:spAutoFit/>
-          </a:bodyPr>
-          <a:lstStyle/>
-          <a:p>
-            <a:r>
-              <a:rPr lang="en-US" altLang="zh-CN" b="1" i="0" dirty="0">
-                <a:solidFill>
-                  <a:srgbClr val="000000"/>
-                </a:solidFill>
-                <a:effectLst/>
-                <a:latin typeface="Arial" panose="020B0604020202020204" pitchFamily="34" charset="0"/>
-              </a:rPr>
-              <a:t>Key generation</a:t>
-            </a:r>
-          </a:p>
-          <a:p>
-            <a:endParaRPr lang="zh-CN" altLang="en-US" dirty="0"/>
-          </a:p>
-        </p:txBody>
-      </p:sp>
-      <p:sp>
-        <p:nvSpPr>
-          <p:cNvPr id="3" name="文本框 2">
-            <a:extLst>
-              <a:ext uri="{FF2B5EF4-FFF2-40B4-BE49-F238E27FC236}">
-                <a16:creationId xmlns:a16="http://schemas.microsoft.com/office/drawing/2014/main" id="{8793B062-9093-7E22-0BCB-5C8594B7AA53}"/>
-              </a:ext>
-            </a:extLst>
-          </p:cNvPr>
-          <p:cNvSpPr txBox="1"/>
-          <p:nvPr/>
-        </p:nvSpPr>
-        <p:spPr>
-          <a:xfrm>
-            <a:off x="1484415" y="2647150"/>
-            <a:ext cx="2090057" cy="646331"/>
-          </a:xfrm>
-          <a:prstGeom prst="rect">
-            <a:avLst/>
-          </a:prstGeom>
-          <a:noFill/>
-        </p:spPr>
-        <p:txBody>
-          <a:bodyPr wrap="square" rtlCol="0">
-            <a:spAutoFit/>
-          </a:bodyPr>
-          <a:lstStyle/>
-          <a:p>
-            <a:pPr algn="l"/>
-            <a:r>
-              <a:rPr lang="en-US" altLang="zh-CN" b="1" i="0" dirty="0">
-                <a:solidFill>
-                  <a:srgbClr val="000000"/>
-                </a:solidFill>
-                <a:effectLst/>
-                <a:latin typeface="Arial" panose="020B0604020202020204" pitchFamily="34" charset="0"/>
-              </a:rPr>
-              <a:t>Key distribution</a:t>
-            </a:r>
-          </a:p>
-          <a:p>
-            <a:endParaRPr lang="zh-CN" altLang="en-US" dirty="0"/>
-          </a:p>
-        </p:txBody>
-      </p:sp>
-      <p:sp>
-        <p:nvSpPr>
-          <p:cNvPr id="7" name="文本框 6">
-            <a:extLst>
-              <a:ext uri="{FF2B5EF4-FFF2-40B4-BE49-F238E27FC236}">
-                <a16:creationId xmlns:a16="http://schemas.microsoft.com/office/drawing/2014/main" id="{C870E956-316A-3703-8B48-77834DD37A93}"/>
-              </a:ext>
-            </a:extLst>
-          </p:cNvPr>
-          <p:cNvSpPr txBox="1"/>
-          <p:nvPr/>
-        </p:nvSpPr>
-        <p:spPr>
-          <a:xfrm>
-            <a:off x="1484416" y="3673318"/>
-            <a:ext cx="2090057" cy="646331"/>
-          </a:xfrm>
-          <a:prstGeom prst="rect">
-            <a:avLst/>
-          </a:prstGeom>
-          <a:noFill/>
-        </p:spPr>
-        <p:txBody>
-          <a:bodyPr wrap="square" rtlCol="0">
-            <a:spAutoFit/>
-          </a:bodyPr>
-          <a:lstStyle/>
-          <a:p>
-            <a:pPr algn="l"/>
-            <a:r>
-              <a:rPr lang="en-US" altLang="zh-CN" b="1" i="0" dirty="0">
-                <a:solidFill>
-                  <a:srgbClr val="000000"/>
-                </a:solidFill>
-                <a:effectLst/>
-                <a:latin typeface="Arial" panose="020B0604020202020204" pitchFamily="34" charset="0"/>
-              </a:rPr>
-              <a:t>Encryption</a:t>
-            </a:r>
-          </a:p>
-          <a:p>
-            <a:endParaRPr lang="zh-CN" altLang="en-US" dirty="0"/>
-          </a:p>
-        </p:txBody>
-      </p:sp>
-      <p:sp>
-        <p:nvSpPr>
-          <p:cNvPr id="9" name="文本框 8">
-            <a:extLst>
-              <a:ext uri="{FF2B5EF4-FFF2-40B4-BE49-F238E27FC236}">
-                <a16:creationId xmlns:a16="http://schemas.microsoft.com/office/drawing/2014/main" id="{5D9691AF-A82C-7D52-634D-8F464C42FDE1}"/>
-              </a:ext>
-            </a:extLst>
-          </p:cNvPr>
-          <p:cNvSpPr txBox="1"/>
-          <p:nvPr/>
-        </p:nvSpPr>
-        <p:spPr>
-          <a:xfrm>
-            <a:off x="1484415" y="4699486"/>
-            <a:ext cx="1530433" cy="369332"/>
-          </a:xfrm>
-          <a:prstGeom prst="rect">
-            <a:avLst/>
-          </a:prstGeom>
-          <a:noFill/>
-        </p:spPr>
-        <p:txBody>
-          <a:bodyPr wrap="square">
-            <a:spAutoFit/>
-          </a:bodyPr>
-          <a:lstStyle/>
-          <a:p>
-            <a:pPr algn="l"/>
-            <a:r>
-              <a:rPr lang="en-US" altLang="zh-CN" b="1" dirty="0">
-                <a:solidFill>
-                  <a:srgbClr val="000000"/>
-                </a:solidFill>
-                <a:latin typeface="Arial" panose="020B0604020202020204" pitchFamily="34" charset="0"/>
-              </a:rPr>
-              <a:t>De</a:t>
-            </a:r>
-            <a:r>
-              <a:rPr lang="en-US" altLang="zh-CN" b="1" i="0" dirty="0">
-                <a:solidFill>
-                  <a:srgbClr val="000000"/>
-                </a:solidFill>
-                <a:effectLst/>
-                <a:latin typeface="Arial" panose="020B0604020202020204" pitchFamily="34" charset="0"/>
-              </a:rPr>
-              <a:t>cryption</a:t>
-            </a:r>
-          </a:p>
-        </p:txBody>
-      </p:sp>
-      <p:sp>
-        <p:nvSpPr>
-          <p:cNvPr id="10" name="文本框 9">
-            <a:extLst>
-              <a:ext uri="{FF2B5EF4-FFF2-40B4-BE49-F238E27FC236}">
-                <a16:creationId xmlns:a16="http://schemas.microsoft.com/office/drawing/2014/main" id="{FE6C1BC4-4629-1F61-8B4F-82A398C8C7A5}"/>
-              </a:ext>
-            </a:extLst>
-          </p:cNvPr>
-          <p:cNvSpPr txBox="1"/>
-          <p:nvPr/>
-        </p:nvSpPr>
-        <p:spPr>
-          <a:xfrm>
-            <a:off x="7861466" y="444526"/>
-            <a:ext cx="694707" cy="584775"/>
-          </a:xfrm>
-          <a:prstGeom prst="rect">
-            <a:avLst/>
-          </a:prstGeom>
-          <a:noFill/>
-        </p:spPr>
-        <p:txBody>
-          <a:bodyPr wrap="square" rtlCol="0">
-            <a:spAutoFit/>
-          </a:bodyPr>
-          <a:lstStyle/>
-          <a:p>
-            <a:r>
-              <a:rPr lang="en-US" altLang="zh-CN" sz="3200" dirty="0">
-                <a:latin typeface="Bradley Hand ITC" panose="03070402050302030203" pitchFamily="66" charset="0"/>
-              </a:rPr>
-              <a:t>p</a:t>
-            </a:r>
-            <a:endParaRPr lang="zh-CN" altLang="en-US" sz="3200" dirty="0">
-              <a:latin typeface="Bradley Hand ITC" panose="03070402050302030203" pitchFamily="66" charset="0"/>
-            </a:endParaRPr>
-          </a:p>
-        </p:txBody>
-      </p:sp>
-      <p:sp>
-        <p:nvSpPr>
-          <p:cNvPr id="13" name="文本框 12">
-            <a:extLst>
-              <a:ext uri="{FF2B5EF4-FFF2-40B4-BE49-F238E27FC236}">
-                <a16:creationId xmlns:a16="http://schemas.microsoft.com/office/drawing/2014/main" id="{B5C25512-B810-9FFB-0E69-32F00A11F503}"/>
-              </a:ext>
-            </a:extLst>
-          </p:cNvPr>
-          <p:cNvSpPr txBox="1"/>
-          <p:nvPr/>
-        </p:nvSpPr>
-        <p:spPr>
-          <a:xfrm>
-            <a:off x="9206342" y="444526"/>
-            <a:ext cx="694707" cy="584775"/>
-          </a:xfrm>
-          <a:prstGeom prst="rect">
-            <a:avLst/>
-          </a:prstGeom>
-          <a:noFill/>
-        </p:spPr>
-        <p:txBody>
-          <a:bodyPr wrap="square" rtlCol="0">
-            <a:spAutoFit/>
-          </a:bodyPr>
-          <a:lstStyle/>
-          <a:p>
-            <a:r>
-              <a:rPr lang="en-US" altLang="zh-CN" sz="3200" dirty="0">
-                <a:latin typeface="Bradley Hand ITC" panose="03070402050302030203" pitchFamily="66" charset="0"/>
-              </a:rPr>
-              <a:t>q</a:t>
-            </a:r>
-            <a:endParaRPr lang="zh-CN" altLang="en-US" sz="3200" dirty="0">
-              <a:latin typeface="Bradley Hand ITC" panose="03070402050302030203" pitchFamily="66" charset="0"/>
-            </a:endParaRPr>
-          </a:p>
-        </p:txBody>
-      </p:sp>
-      <p:sp>
-        <p:nvSpPr>
-          <p:cNvPr id="15" name="文本框 14">
-            <a:extLst>
-              <a:ext uri="{FF2B5EF4-FFF2-40B4-BE49-F238E27FC236}">
-                <a16:creationId xmlns:a16="http://schemas.microsoft.com/office/drawing/2014/main" id="{8AF8A565-5B10-3696-5FD6-5E37A4EFE264}"/>
-              </a:ext>
-            </a:extLst>
-          </p:cNvPr>
-          <p:cNvSpPr txBox="1"/>
-          <p:nvPr/>
-        </p:nvSpPr>
-        <p:spPr>
-          <a:xfrm>
-            <a:off x="7983184" y="1164361"/>
-            <a:ext cx="1917865" cy="584775"/>
-          </a:xfrm>
-          <a:prstGeom prst="rect">
-            <a:avLst/>
-          </a:prstGeom>
-          <a:noFill/>
-        </p:spPr>
-        <p:txBody>
-          <a:bodyPr wrap="square">
-            <a:spAutoFit/>
-          </a:bodyPr>
-          <a:lstStyle/>
-          <a:p>
-            <a:r>
-              <a:rPr lang="en-US" altLang="zh-CN" sz="3200" i="1" dirty="0">
-                <a:solidFill>
-                  <a:srgbClr val="374151"/>
-                </a:solidFill>
-                <a:latin typeface="Bradley Hand ITC" panose="03070402050302030203" pitchFamily="66" charset="0"/>
-              </a:rPr>
-              <a:t>n</a:t>
-            </a:r>
-            <a:r>
-              <a:rPr lang="en-US" altLang="zh-CN" sz="3200" b="0" i="1" dirty="0">
-                <a:solidFill>
-                  <a:srgbClr val="374151"/>
-                </a:solidFill>
-                <a:effectLst/>
-                <a:latin typeface="Bradley Hand ITC" panose="03070402050302030203" pitchFamily="66" charset="0"/>
-              </a:rPr>
-              <a:t> </a:t>
-            </a:r>
-            <a:r>
-              <a:rPr lang="en-US" altLang="zh-CN" sz="3200" b="0" i="0" dirty="0">
-                <a:solidFill>
-                  <a:srgbClr val="374151"/>
-                </a:solidFill>
-                <a:effectLst/>
-                <a:latin typeface="Bradley Hand ITC" panose="03070402050302030203" pitchFamily="66" charset="0"/>
-              </a:rPr>
-              <a:t>= </a:t>
-            </a:r>
-            <a:r>
-              <a:rPr lang="en-US" altLang="zh-CN" sz="3200" b="0" i="1" dirty="0" err="1">
-                <a:solidFill>
-                  <a:srgbClr val="374151"/>
-                </a:solidFill>
-                <a:effectLst/>
-                <a:latin typeface="Bradley Hand ITC" panose="03070402050302030203" pitchFamily="66" charset="0"/>
-              </a:rPr>
-              <a:t>pq</a:t>
-            </a:r>
-            <a:endParaRPr lang="zh-CN" altLang="en-US" sz="3200" dirty="0">
-              <a:latin typeface="Bradley Hand ITC" panose="03070402050302030203" pitchFamily="66" charset="0"/>
-            </a:endParaRPr>
-          </a:p>
-        </p:txBody>
-      </p:sp>
-      <p:sp>
-        <p:nvSpPr>
-          <p:cNvPr id="17" name="文本框 16">
-            <a:extLst>
-              <a:ext uri="{FF2B5EF4-FFF2-40B4-BE49-F238E27FC236}">
-                <a16:creationId xmlns:a16="http://schemas.microsoft.com/office/drawing/2014/main" id="{F66CB8C8-4CF0-5BCB-989B-A23193D42DFF}"/>
-              </a:ext>
-            </a:extLst>
-          </p:cNvPr>
-          <p:cNvSpPr txBox="1"/>
-          <p:nvPr/>
-        </p:nvSpPr>
-        <p:spPr>
-          <a:xfrm>
-            <a:off x="7008403" y="1716949"/>
-            <a:ext cx="3562636" cy="584775"/>
-          </a:xfrm>
-          <a:prstGeom prst="rect">
-            <a:avLst/>
-          </a:prstGeom>
-          <a:noFill/>
-        </p:spPr>
-        <p:txBody>
-          <a:bodyPr wrap="square">
-            <a:spAutoFit/>
-          </a:bodyPr>
-          <a:lstStyle/>
-          <a:p>
-            <a:r>
-              <a:rPr lang="pt-BR" altLang="zh-CN" sz="3200" b="0" i="1" dirty="0">
-                <a:solidFill>
-                  <a:srgbClr val="374151"/>
-                </a:solidFill>
-                <a:effectLst/>
-                <a:latin typeface="Bradley Hand ITC" panose="03070402050302030203" pitchFamily="66" charset="0"/>
-              </a:rPr>
-              <a:t>φ</a:t>
-            </a:r>
-            <a:r>
-              <a:rPr lang="pt-BR" altLang="zh-CN" sz="3200" b="0" i="0" dirty="0">
-                <a:solidFill>
-                  <a:srgbClr val="374151"/>
-                </a:solidFill>
-                <a:effectLst/>
-                <a:latin typeface="Bradley Hand ITC" panose="03070402050302030203" pitchFamily="66" charset="0"/>
-              </a:rPr>
-              <a:t>(</a:t>
-            </a:r>
-            <a:r>
-              <a:rPr lang="pt-BR" altLang="zh-CN" sz="3200" b="0" i="1" dirty="0">
-                <a:solidFill>
-                  <a:srgbClr val="374151"/>
-                </a:solidFill>
-                <a:effectLst/>
-                <a:latin typeface="Bradley Hand ITC" panose="03070402050302030203" pitchFamily="66" charset="0"/>
-              </a:rPr>
-              <a:t>n</a:t>
-            </a:r>
-            <a:r>
-              <a:rPr lang="pt-BR" altLang="zh-CN" sz="3200" b="0" i="0" dirty="0">
-                <a:solidFill>
-                  <a:srgbClr val="374151"/>
-                </a:solidFill>
-                <a:effectLst/>
-                <a:latin typeface="Bradley Hand ITC" panose="03070402050302030203" pitchFamily="66" charset="0"/>
-              </a:rPr>
-              <a:t>)=(</a:t>
-            </a:r>
-            <a:r>
-              <a:rPr lang="pt-BR" altLang="zh-CN" sz="3200" b="0" i="1" dirty="0">
-                <a:solidFill>
-                  <a:srgbClr val="374151"/>
-                </a:solidFill>
-                <a:effectLst/>
-                <a:latin typeface="Bradley Hand ITC" panose="03070402050302030203" pitchFamily="66" charset="0"/>
-              </a:rPr>
-              <a:t>p</a:t>
-            </a:r>
-            <a:r>
-              <a:rPr lang="pt-BR" altLang="zh-CN" sz="3200" b="0" i="0" dirty="0">
-                <a:solidFill>
-                  <a:srgbClr val="374151"/>
-                </a:solidFill>
-                <a:effectLst/>
-                <a:latin typeface="Bradley Hand ITC" panose="03070402050302030203" pitchFamily="66" charset="0"/>
-              </a:rPr>
-              <a:t>−1)(</a:t>
-            </a:r>
-            <a:r>
-              <a:rPr lang="pt-BR" altLang="zh-CN" sz="3200" b="0" i="1" dirty="0">
-                <a:solidFill>
-                  <a:srgbClr val="374151"/>
-                </a:solidFill>
-                <a:effectLst/>
-                <a:latin typeface="Bradley Hand ITC" panose="03070402050302030203" pitchFamily="66" charset="0"/>
-              </a:rPr>
-              <a:t>q</a:t>
-            </a:r>
-            <a:r>
-              <a:rPr lang="pt-BR" altLang="zh-CN" sz="3200" b="0" i="0" dirty="0">
-                <a:solidFill>
-                  <a:srgbClr val="374151"/>
-                </a:solidFill>
-                <a:effectLst/>
-                <a:latin typeface="Bradley Hand ITC" panose="03070402050302030203" pitchFamily="66" charset="0"/>
-              </a:rPr>
-              <a:t>−1)</a:t>
-            </a:r>
-            <a:endParaRPr lang="zh-CN" altLang="en-US" sz="3200" dirty="0">
-              <a:latin typeface="Bradley Hand ITC" panose="03070402050302030203" pitchFamily="66" charset="0"/>
-            </a:endParaRPr>
-          </a:p>
-        </p:txBody>
-      </p:sp>
-      <p:sp>
-        <p:nvSpPr>
-          <p:cNvPr id="19" name="文本框 18">
-            <a:extLst>
-              <a:ext uri="{FF2B5EF4-FFF2-40B4-BE49-F238E27FC236}">
-                <a16:creationId xmlns:a16="http://schemas.microsoft.com/office/drawing/2014/main" id="{AADC323B-E2CE-341F-87C0-B6FC4743D1E0}"/>
-              </a:ext>
-            </a:extLst>
-          </p:cNvPr>
-          <p:cNvSpPr txBox="1"/>
-          <p:nvPr/>
-        </p:nvSpPr>
-        <p:spPr>
-          <a:xfrm>
-            <a:off x="5986649" y="2283422"/>
-            <a:ext cx="6095010" cy="1077218"/>
-          </a:xfrm>
-          <a:prstGeom prst="rect">
-            <a:avLst/>
-          </a:prstGeom>
-          <a:noFill/>
-        </p:spPr>
-        <p:txBody>
-          <a:bodyPr wrap="square">
-            <a:spAutoFit/>
-          </a:bodyPr>
-          <a:lstStyle/>
-          <a:p>
-            <a:r>
-              <a:rPr lang="en-US" altLang="zh-CN" sz="3200" b="0" i="0" dirty="0">
-                <a:solidFill>
-                  <a:srgbClr val="202122"/>
-                </a:solidFill>
-                <a:effectLst/>
-                <a:latin typeface="Bradley Hand ITC" panose="03070402050302030203" pitchFamily="66" charset="0"/>
-              </a:rPr>
-              <a:t>integer </a:t>
-            </a:r>
-            <a:r>
-              <a:rPr lang="en-US" altLang="zh-CN" sz="3200" b="0" i="1" dirty="0">
-                <a:solidFill>
-                  <a:srgbClr val="202122"/>
-                </a:solidFill>
-                <a:effectLst/>
-                <a:latin typeface="Bradley Hand ITC" panose="03070402050302030203" pitchFamily="66" charset="0"/>
-              </a:rPr>
-              <a:t>e</a:t>
-            </a:r>
-            <a:r>
-              <a:rPr lang="en-US" altLang="zh-CN" sz="3200" b="0" i="0" dirty="0">
-                <a:solidFill>
-                  <a:srgbClr val="202122"/>
-                </a:solidFill>
-                <a:effectLst/>
-                <a:latin typeface="Bradley Hand ITC" panose="03070402050302030203" pitchFamily="66" charset="0"/>
-              </a:rPr>
-              <a:t> such that 1 &lt; </a:t>
-            </a:r>
-            <a:r>
-              <a:rPr lang="en-US" altLang="zh-CN" sz="3200" b="0" i="1" dirty="0">
-                <a:solidFill>
-                  <a:srgbClr val="202122"/>
-                </a:solidFill>
-                <a:effectLst/>
-                <a:latin typeface="Bradley Hand ITC" panose="03070402050302030203" pitchFamily="66" charset="0"/>
-              </a:rPr>
-              <a:t>e</a:t>
-            </a:r>
-            <a:r>
-              <a:rPr lang="en-US" altLang="zh-CN" sz="3200" b="0" i="0" dirty="0">
-                <a:solidFill>
-                  <a:srgbClr val="202122"/>
-                </a:solidFill>
-                <a:effectLst/>
-                <a:latin typeface="Bradley Hand ITC" panose="03070402050302030203" pitchFamily="66" charset="0"/>
-              </a:rPr>
-              <a:t> &lt; </a:t>
-            </a:r>
-            <a:r>
-              <a:rPr lang="pt-BR" altLang="zh-CN" sz="3200" b="0" i="1" dirty="0">
-                <a:solidFill>
-                  <a:srgbClr val="374151"/>
-                </a:solidFill>
-                <a:effectLst/>
-                <a:latin typeface="Bradley Hand ITC" panose="03070402050302030203" pitchFamily="66" charset="0"/>
-              </a:rPr>
-              <a:t>φ(</a:t>
-            </a:r>
-            <a:r>
-              <a:rPr lang="en-US" altLang="zh-CN" sz="3200" b="0" i="1" dirty="0">
-                <a:solidFill>
-                  <a:srgbClr val="202122"/>
-                </a:solidFill>
-                <a:effectLst/>
-                <a:latin typeface="Bradley Hand ITC" panose="03070402050302030203" pitchFamily="66" charset="0"/>
-              </a:rPr>
-              <a:t>n</a:t>
-            </a:r>
-            <a:r>
-              <a:rPr lang="en-US" altLang="zh-CN" sz="3200" b="0" i="0" dirty="0">
-                <a:solidFill>
-                  <a:srgbClr val="202122"/>
-                </a:solidFill>
-                <a:effectLst/>
-                <a:latin typeface="Bradley Hand ITC" panose="03070402050302030203" pitchFamily="66" charset="0"/>
-              </a:rPr>
-              <a:t>) </a:t>
-            </a:r>
-            <a:r>
-              <a:rPr lang="pt-BR" altLang="zh-CN" sz="3200" dirty="0">
-                <a:solidFill>
-                  <a:srgbClr val="202122"/>
-                </a:solidFill>
-                <a:latin typeface="Bradley Hand ITC" panose="03070402050302030203" pitchFamily="66" charset="0"/>
-              </a:rPr>
-              <a:t>and gcd(e, </a:t>
-            </a:r>
-            <a:r>
-              <a:rPr lang="pt-BR" altLang="zh-CN" sz="3200" b="0" i="1" dirty="0">
-                <a:solidFill>
-                  <a:srgbClr val="374151"/>
-                </a:solidFill>
-                <a:effectLst/>
-                <a:latin typeface="Bradley Hand ITC" panose="03070402050302030203" pitchFamily="66" charset="0"/>
-              </a:rPr>
-              <a:t> φ</a:t>
-            </a:r>
-            <a:r>
-              <a:rPr lang="pt-BR" altLang="zh-CN" sz="3200" dirty="0">
-                <a:solidFill>
-                  <a:srgbClr val="202122"/>
-                </a:solidFill>
-                <a:latin typeface="Bradley Hand ITC" panose="03070402050302030203" pitchFamily="66" charset="0"/>
-              </a:rPr>
-              <a:t>(n)) = 1</a:t>
-            </a:r>
-            <a:endParaRPr lang="zh-CN" altLang="en-US" sz="3200" dirty="0">
-              <a:solidFill>
-                <a:srgbClr val="202122"/>
-              </a:solidFill>
-              <a:latin typeface="Bradley Hand ITC" panose="03070402050302030203" pitchFamily="66" charset="0"/>
-            </a:endParaRPr>
-          </a:p>
-        </p:txBody>
-      </p:sp>
-      <p:sp>
-        <p:nvSpPr>
-          <p:cNvPr id="21" name="文本框 20">
-            <a:extLst>
-              <a:ext uri="{FF2B5EF4-FFF2-40B4-BE49-F238E27FC236}">
-                <a16:creationId xmlns:a16="http://schemas.microsoft.com/office/drawing/2014/main" id="{03112AA6-49C3-0F0B-4852-1A598FA6BB1D}"/>
-              </a:ext>
-            </a:extLst>
-          </p:cNvPr>
-          <p:cNvSpPr txBox="1"/>
-          <p:nvPr/>
-        </p:nvSpPr>
-        <p:spPr>
-          <a:xfrm>
-            <a:off x="7125195" y="3429000"/>
-            <a:ext cx="3230088" cy="584775"/>
-          </a:xfrm>
-          <a:prstGeom prst="rect">
-            <a:avLst/>
-          </a:prstGeom>
-          <a:noFill/>
-        </p:spPr>
-        <p:txBody>
-          <a:bodyPr wrap="square">
-            <a:spAutoFit/>
-          </a:bodyPr>
-          <a:lstStyle/>
-          <a:p>
-            <a:r>
-              <a:rPr lang="en-US" altLang="zh-CN" sz="3200" dirty="0">
-                <a:solidFill>
-                  <a:srgbClr val="202122"/>
-                </a:solidFill>
-                <a:latin typeface="Bradley Hand ITC" panose="03070402050302030203" pitchFamily="66" charset="0"/>
-              </a:rPr>
-              <a:t>de ≡ 1 mod </a:t>
-            </a:r>
-            <a:r>
-              <a:rPr lang="el-GR" altLang="zh-CN" sz="3200" dirty="0">
-                <a:solidFill>
-                  <a:srgbClr val="202122"/>
-                </a:solidFill>
-              </a:rPr>
-              <a:t>φ(</a:t>
-            </a:r>
-            <a:r>
-              <a:rPr lang="en-US" altLang="zh-CN" sz="3200" dirty="0">
-                <a:solidFill>
-                  <a:srgbClr val="202122"/>
-                </a:solidFill>
-                <a:latin typeface="Bradley Hand ITC" panose="03070402050302030203" pitchFamily="66" charset="0"/>
-              </a:rPr>
-              <a:t>n)</a:t>
-            </a:r>
-            <a:endParaRPr lang="zh-CN" altLang="en-US" sz="3200" dirty="0">
-              <a:solidFill>
-                <a:srgbClr val="202122"/>
-              </a:solidFill>
-              <a:latin typeface="Bradley Hand ITC" panose="03070402050302030203" pitchFamily="66" charset="0"/>
-            </a:endParaRPr>
-          </a:p>
-        </p:txBody>
-      </p:sp>
-      <p:sp>
-        <p:nvSpPr>
-          <p:cNvPr id="23" name="文本框 22">
-            <a:extLst>
-              <a:ext uri="{FF2B5EF4-FFF2-40B4-BE49-F238E27FC236}">
-                <a16:creationId xmlns:a16="http://schemas.microsoft.com/office/drawing/2014/main" id="{4B4B3DB3-155C-25BC-3AE2-6AA458121578}"/>
-              </a:ext>
-            </a:extLst>
-          </p:cNvPr>
-          <p:cNvSpPr txBox="1"/>
-          <p:nvPr/>
-        </p:nvSpPr>
-        <p:spPr>
-          <a:xfrm>
-            <a:off x="5073465" y="4235152"/>
-            <a:ext cx="3055193" cy="584775"/>
-          </a:xfrm>
-          <a:prstGeom prst="rect">
-            <a:avLst/>
-          </a:prstGeom>
-          <a:noFill/>
-        </p:spPr>
-        <p:txBody>
-          <a:bodyPr wrap="square">
-            <a:spAutoFit/>
-          </a:bodyPr>
-          <a:lstStyle/>
-          <a:p>
-            <a:r>
-              <a:rPr lang="en-US" altLang="zh-CN" sz="3200" dirty="0">
-                <a:solidFill>
-                  <a:srgbClr val="202122"/>
-                </a:solidFill>
-                <a:latin typeface="Bradley Hand ITC" panose="03070402050302030203" pitchFamily="66" charset="0"/>
-              </a:rPr>
-              <a:t>Public key (n, e)</a:t>
-            </a:r>
-            <a:endParaRPr lang="zh-CN" altLang="en-US" sz="3200" dirty="0">
-              <a:solidFill>
-                <a:srgbClr val="202122"/>
-              </a:solidFill>
-              <a:latin typeface="Bradley Hand ITC" panose="03070402050302030203" pitchFamily="66" charset="0"/>
-            </a:endParaRPr>
-          </a:p>
-        </p:txBody>
-      </p:sp>
-      <p:sp>
-        <p:nvSpPr>
-          <p:cNvPr id="25" name="文本框 24">
-            <a:extLst>
-              <a:ext uri="{FF2B5EF4-FFF2-40B4-BE49-F238E27FC236}">
-                <a16:creationId xmlns:a16="http://schemas.microsoft.com/office/drawing/2014/main" id="{EFF8E210-FCFC-6293-8723-7E229D135727}"/>
-              </a:ext>
-            </a:extLst>
-          </p:cNvPr>
-          <p:cNvSpPr txBox="1"/>
-          <p:nvPr/>
-        </p:nvSpPr>
-        <p:spPr>
-          <a:xfrm>
-            <a:off x="8740239" y="4235152"/>
-            <a:ext cx="3230088" cy="584775"/>
-          </a:xfrm>
-          <a:prstGeom prst="rect">
-            <a:avLst/>
-          </a:prstGeom>
-          <a:noFill/>
-        </p:spPr>
-        <p:txBody>
-          <a:bodyPr wrap="square">
-            <a:spAutoFit/>
-          </a:bodyPr>
-          <a:lstStyle/>
-          <a:p>
-            <a:r>
-              <a:rPr lang="en-US" altLang="zh-CN" sz="3200" dirty="0">
-                <a:solidFill>
-                  <a:srgbClr val="202122"/>
-                </a:solidFill>
-                <a:latin typeface="Bradley Hand ITC" panose="03070402050302030203" pitchFamily="66" charset="0"/>
-              </a:rPr>
-              <a:t>Private key (n, d)</a:t>
-            </a:r>
-            <a:endParaRPr lang="zh-CN" altLang="en-US" sz="3200" dirty="0">
-              <a:solidFill>
-                <a:srgbClr val="202122"/>
-              </a:solidFill>
-              <a:latin typeface="Bradley Hand ITC" panose="03070402050302030203" pitchFamily="66" charset="0"/>
-            </a:endParaRPr>
-          </a:p>
-        </p:txBody>
-      </p:sp>
-      <p:pic>
-        <p:nvPicPr>
-          <p:cNvPr id="27" name="图片 26">
-            <a:extLst>
-              <a:ext uri="{FF2B5EF4-FFF2-40B4-BE49-F238E27FC236}">
-                <a16:creationId xmlns:a16="http://schemas.microsoft.com/office/drawing/2014/main" id="{CA95F914-1358-B8B8-146E-9F3B21BD159B}"/>
+                <a16:creationId xmlns:a16="http://schemas.microsoft.com/office/drawing/2014/main" id="{9B08A8FF-F6A0-A275-FFE5-C8DF338BBAC1}"/>
               </a:ext>
             </a:extLst>
           </p:cNvPr>
@@ -7464,6 +7951,867 @@
         </p:blipFill>
         <p:spPr>
           <a:xfrm>
+            <a:off x="1027215" y="1846835"/>
+            <a:ext cx="9773392" cy="2621585"/>
+          </a:xfrm>
+          <a:prstGeom prst="rect">
+            <a:avLst/>
+          </a:prstGeom>
+        </p:spPr>
+      </p:pic>
+    </p:spTree>
+    <p:extLst>
+      <p:ext uri="{BB962C8B-B14F-4D97-AF65-F5344CB8AC3E}">
+        <p14:creationId xmlns:p14="http://schemas.microsoft.com/office/powerpoint/2010/main" val="3677685340"/>
+      </p:ext>
+    </p:extLst>
+  </p:cSld>
+  <p:clrMapOvr>
+    <a:masterClrMapping/>
+  </p:clrMapOvr>
+  <p:timing>
+    <p:tnLst>
+      <p:par>
+        <p:cTn id="1" dur="indefinite" restart="never" nodeType="tmRoot"/>
+      </p:par>
+    </p:tnLst>
+  </p:timing>
+</p:sld>
+</file>
+
+<file path=ppt/slides/slide18.xml><?xml version="1.0" encoding="utf-8"?>
+<p:sld xmlns:a="http://schemas.openxmlformats.org/drawingml/2006/main" xmlns:r="http://schemas.openxmlformats.org/officeDocument/2006/relationships" xmlns:p="http://schemas.openxmlformats.org/presentationml/2006/main">
+  <p:cSld>
+    <p:spTree>
+      <p:nvGrpSpPr>
+        <p:cNvPr id="1" name=""/>
+        <p:cNvGrpSpPr/>
+        <p:nvPr/>
+      </p:nvGrpSpPr>
+      <p:grpSpPr>
+        <a:xfrm>
+          <a:off x="0" y="0"/>
+          <a:ext cx="0" cy="0"/>
+          <a:chOff x="0" y="0"/>
+          <a:chExt cx="0" cy="0"/>
+        </a:xfrm>
+      </p:grpSpPr>
+      <p:sp>
+        <p:nvSpPr>
+          <p:cNvPr id="4" name="文本框 3"/>
+          <p:cNvSpPr txBox="1"/>
+          <p:nvPr/>
+        </p:nvSpPr>
+        <p:spPr>
+          <a:xfrm>
+            <a:off x="434283" y="657846"/>
+            <a:ext cx="2456698" cy="461665"/>
+          </a:xfrm>
+          <a:prstGeom prst="rect">
+            <a:avLst/>
+          </a:prstGeom>
+          <a:noFill/>
+        </p:spPr>
+        <p:txBody>
+          <a:bodyPr wrap="none" rtlCol="0">
+            <a:spAutoFit/>
+          </a:bodyPr>
+          <a:lstStyle/>
+          <a:p>
+            <a:r>
+              <a:rPr lang="en-US" altLang="zh-CN" sz="2400" dirty="0">
+                <a:latin typeface="微软雅黑" panose="020B0503020204020204" pitchFamily="34" charset="-122"/>
+                <a:ea typeface="微软雅黑" panose="020B0503020204020204" pitchFamily="34" charset="-122"/>
+              </a:rPr>
+              <a:t>RSA Encryption</a:t>
+            </a:r>
+            <a:endParaRPr lang="zh-CN" altLang="en-US" sz="2400" dirty="0">
+              <a:latin typeface="微软雅黑" panose="020B0503020204020204" pitchFamily="34" charset="-122"/>
+              <a:ea typeface="微软雅黑" panose="020B0503020204020204" pitchFamily="34" charset="-122"/>
+            </a:endParaRPr>
+          </a:p>
+        </p:txBody>
+      </p:sp>
+      <p:sp>
+        <p:nvSpPr>
+          <p:cNvPr id="2" name="文本框 1">
+            <a:extLst>
+              <a:ext uri="{FF2B5EF4-FFF2-40B4-BE49-F238E27FC236}">
+                <a16:creationId xmlns:a16="http://schemas.microsoft.com/office/drawing/2014/main" id="{717FB783-73FB-9579-78E8-B546CCC63ACD}"/>
+              </a:ext>
+            </a:extLst>
+          </p:cNvPr>
+          <p:cNvSpPr txBox="1"/>
+          <p:nvPr/>
+        </p:nvSpPr>
+        <p:spPr>
+          <a:xfrm>
+            <a:off x="1484416" y="1620982"/>
+            <a:ext cx="1917865" cy="646331"/>
+          </a:xfrm>
+          <a:prstGeom prst="rect">
+            <a:avLst/>
+          </a:prstGeom>
+          <a:noFill/>
+        </p:spPr>
+        <p:txBody>
+          <a:bodyPr wrap="square" rtlCol="0">
+            <a:spAutoFit/>
+          </a:bodyPr>
+          <a:lstStyle/>
+          <a:p>
+            <a:r>
+              <a:rPr lang="en-US" altLang="zh-CN" b="1" i="0" dirty="0">
+                <a:solidFill>
+                  <a:srgbClr val="000000"/>
+                </a:solidFill>
+                <a:effectLst/>
+                <a:latin typeface="Arial" panose="020B0604020202020204" pitchFamily="34" charset="0"/>
+              </a:rPr>
+              <a:t>Key generation</a:t>
+            </a:r>
+          </a:p>
+          <a:p>
+            <a:endParaRPr lang="zh-CN" altLang="en-US" dirty="0"/>
+          </a:p>
+        </p:txBody>
+      </p:sp>
+      <p:sp>
+        <p:nvSpPr>
+          <p:cNvPr id="3" name="文本框 2">
+            <a:extLst>
+              <a:ext uri="{FF2B5EF4-FFF2-40B4-BE49-F238E27FC236}">
+                <a16:creationId xmlns:a16="http://schemas.microsoft.com/office/drawing/2014/main" id="{8793B062-9093-7E22-0BCB-5C8594B7AA53}"/>
+              </a:ext>
+            </a:extLst>
+          </p:cNvPr>
+          <p:cNvSpPr txBox="1"/>
+          <p:nvPr/>
+        </p:nvSpPr>
+        <p:spPr>
+          <a:xfrm>
+            <a:off x="1484415" y="2647150"/>
+            <a:ext cx="2090057" cy="646331"/>
+          </a:xfrm>
+          <a:prstGeom prst="rect">
+            <a:avLst/>
+          </a:prstGeom>
+          <a:noFill/>
+        </p:spPr>
+        <p:txBody>
+          <a:bodyPr wrap="square" rtlCol="0">
+            <a:spAutoFit/>
+          </a:bodyPr>
+          <a:lstStyle/>
+          <a:p>
+            <a:pPr algn="l"/>
+            <a:r>
+              <a:rPr lang="en-US" altLang="zh-CN" b="1" i="0" dirty="0">
+                <a:solidFill>
+                  <a:srgbClr val="000000"/>
+                </a:solidFill>
+                <a:effectLst/>
+                <a:latin typeface="Arial" panose="020B0604020202020204" pitchFamily="34" charset="0"/>
+              </a:rPr>
+              <a:t>Key distribution</a:t>
+            </a:r>
+          </a:p>
+          <a:p>
+            <a:endParaRPr lang="zh-CN" altLang="en-US" dirty="0"/>
+          </a:p>
+        </p:txBody>
+      </p:sp>
+      <p:sp>
+        <p:nvSpPr>
+          <p:cNvPr id="7" name="文本框 6">
+            <a:extLst>
+              <a:ext uri="{FF2B5EF4-FFF2-40B4-BE49-F238E27FC236}">
+                <a16:creationId xmlns:a16="http://schemas.microsoft.com/office/drawing/2014/main" id="{C870E956-316A-3703-8B48-77834DD37A93}"/>
+              </a:ext>
+            </a:extLst>
+          </p:cNvPr>
+          <p:cNvSpPr txBox="1"/>
+          <p:nvPr/>
+        </p:nvSpPr>
+        <p:spPr>
+          <a:xfrm>
+            <a:off x="1484416" y="3673318"/>
+            <a:ext cx="2090057" cy="646331"/>
+          </a:xfrm>
+          <a:prstGeom prst="rect">
+            <a:avLst/>
+          </a:prstGeom>
+          <a:noFill/>
+        </p:spPr>
+        <p:txBody>
+          <a:bodyPr wrap="square" rtlCol="0">
+            <a:spAutoFit/>
+          </a:bodyPr>
+          <a:lstStyle/>
+          <a:p>
+            <a:pPr algn="l"/>
+            <a:r>
+              <a:rPr lang="en-US" altLang="zh-CN" b="1" i="0" dirty="0">
+                <a:solidFill>
+                  <a:srgbClr val="000000"/>
+                </a:solidFill>
+                <a:effectLst/>
+                <a:latin typeface="Arial" panose="020B0604020202020204" pitchFamily="34" charset="0"/>
+              </a:rPr>
+              <a:t>Encryption</a:t>
+            </a:r>
+          </a:p>
+          <a:p>
+            <a:endParaRPr lang="zh-CN" altLang="en-US" dirty="0"/>
+          </a:p>
+        </p:txBody>
+      </p:sp>
+      <p:sp>
+        <p:nvSpPr>
+          <p:cNvPr id="9" name="文本框 8">
+            <a:extLst>
+              <a:ext uri="{FF2B5EF4-FFF2-40B4-BE49-F238E27FC236}">
+                <a16:creationId xmlns:a16="http://schemas.microsoft.com/office/drawing/2014/main" id="{5D9691AF-A82C-7D52-634D-8F464C42FDE1}"/>
+              </a:ext>
+            </a:extLst>
+          </p:cNvPr>
+          <p:cNvSpPr txBox="1"/>
+          <p:nvPr/>
+        </p:nvSpPr>
+        <p:spPr>
+          <a:xfrm>
+            <a:off x="1484415" y="4699486"/>
+            <a:ext cx="1530433" cy="369332"/>
+          </a:xfrm>
+          <a:prstGeom prst="rect">
+            <a:avLst/>
+          </a:prstGeom>
+          <a:noFill/>
+        </p:spPr>
+        <p:txBody>
+          <a:bodyPr wrap="square">
+            <a:spAutoFit/>
+          </a:bodyPr>
+          <a:lstStyle/>
+          <a:p>
+            <a:pPr algn="l"/>
+            <a:r>
+              <a:rPr lang="en-US" altLang="zh-CN" b="1" dirty="0">
+                <a:solidFill>
+                  <a:srgbClr val="000000"/>
+                </a:solidFill>
+                <a:latin typeface="Arial" panose="020B0604020202020204" pitchFamily="34" charset="0"/>
+              </a:rPr>
+              <a:t>De</a:t>
+            </a:r>
+            <a:r>
+              <a:rPr lang="en-US" altLang="zh-CN" b="1" i="0" dirty="0">
+                <a:solidFill>
+                  <a:srgbClr val="000000"/>
+                </a:solidFill>
+                <a:effectLst/>
+                <a:latin typeface="Arial" panose="020B0604020202020204" pitchFamily="34" charset="0"/>
+              </a:rPr>
+              <a:t>cryption</a:t>
+            </a:r>
+          </a:p>
+        </p:txBody>
+      </p:sp>
+      <p:sp>
+        <p:nvSpPr>
+          <p:cNvPr id="10" name="文本框 9">
+            <a:extLst>
+              <a:ext uri="{FF2B5EF4-FFF2-40B4-BE49-F238E27FC236}">
+                <a16:creationId xmlns:a16="http://schemas.microsoft.com/office/drawing/2014/main" id="{FE6C1BC4-4629-1F61-8B4F-82A398C8C7A5}"/>
+              </a:ext>
+            </a:extLst>
+          </p:cNvPr>
+          <p:cNvSpPr txBox="1"/>
+          <p:nvPr/>
+        </p:nvSpPr>
+        <p:spPr>
+          <a:xfrm>
+            <a:off x="7861466" y="444526"/>
+            <a:ext cx="694707" cy="584775"/>
+          </a:xfrm>
+          <a:prstGeom prst="rect">
+            <a:avLst/>
+          </a:prstGeom>
+          <a:noFill/>
+        </p:spPr>
+        <p:txBody>
+          <a:bodyPr wrap="square" rtlCol="0">
+            <a:spAutoFit/>
+          </a:bodyPr>
+          <a:lstStyle/>
+          <a:p>
+            <a:r>
+              <a:rPr lang="en-US" altLang="zh-CN" sz="3200" dirty="0">
+                <a:latin typeface="Bradley Hand ITC" panose="03070402050302030203" pitchFamily="66" charset="0"/>
+              </a:rPr>
+              <a:t>p</a:t>
+            </a:r>
+            <a:endParaRPr lang="zh-CN" altLang="en-US" sz="3200" dirty="0">
+              <a:latin typeface="Bradley Hand ITC" panose="03070402050302030203" pitchFamily="66" charset="0"/>
+            </a:endParaRPr>
+          </a:p>
+        </p:txBody>
+      </p:sp>
+      <p:sp>
+        <p:nvSpPr>
+          <p:cNvPr id="13" name="文本框 12">
+            <a:extLst>
+              <a:ext uri="{FF2B5EF4-FFF2-40B4-BE49-F238E27FC236}">
+                <a16:creationId xmlns:a16="http://schemas.microsoft.com/office/drawing/2014/main" id="{B5C25512-B810-9FFB-0E69-32F00A11F503}"/>
+              </a:ext>
+            </a:extLst>
+          </p:cNvPr>
+          <p:cNvSpPr txBox="1"/>
+          <p:nvPr/>
+        </p:nvSpPr>
+        <p:spPr>
+          <a:xfrm>
+            <a:off x="9206342" y="444526"/>
+            <a:ext cx="694707" cy="584775"/>
+          </a:xfrm>
+          <a:prstGeom prst="rect">
+            <a:avLst/>
+          </a:prstGeom>
+          <a:noFill/>
+        </p:spPr>
+        <p:txBody>
+          <a:bodyPr wrap="square" rtlCol="0">
+            <a:spAutoFit/>
+          </a:bodyPr>
+          <a:lstStyle/>
+          <a:p>
+            <a:r>
+              <a:rPr lang="en-US" altLang="zh-CN" sz="3200" dirty="0">
+                <a:latin typeface="Bradley Hand ITC" panose="03070402050302030203" pitchFamily="66" charset="0"/>
+              </a:rPr>
+              <a:t>q</a:t>
+            </a:r>
+            <a:endParaRPr lang="zh-CN" altLang="en-US" sz="3200" dirty="0">
+              <a:latin typeface="Bradley Hand ITC" panose="03070402050302030203" pitchFamily="66" charset="0"/>
+            </a:endParaRPr>
+          </a:p>
+        </p:txBody>
+      </p:sp>
+      <p:sp>
+        <p:nvSpPr>
+          <p:cNvPr id="15" name="文本框 14">
+            <a:extLst>
+              <a:ext uri="{FF2B5EF4-FFF2-40B4-BE49-F238E27FC236}">
+                <a16:creationId xmlns:a16="http://schemas.microsoft.com/office/drawing/2014/main" id="{8AF8A565-5B10-3696-5FD6-5E37A4EFE264}"/>
+              </a:ext>
+            </a:extLst>
+          </p:cNvPr>
+          <p:cNvSpPr txBox="1"/>
+          <p:nvPr/>
+        </p:nvSpPr>
+        <p:spPr>
+          <a:xfrm>
+            <a:off x="7983184" y="1164361"/>
+            <a:ext cx="1917865" cy="584775"/>
+          </a:xfrm>
+          <a:prstGeom prst="rect">
+            <a:avLst/>
+          </a:prstGeom>
+          <a:noFill/>
+        </p:spPr>
+        <p:txBody>
+          <a:bodyPr wrap="square">
+            <a:spAutoFit/>
+          </a:bodyPr>
+          <a:lstStyle/>
+          <a:p>
+            <a:r>
+              <a:rPr lang="en-US" altLang="zh-CN" sz="3200" i="1" dirty="0">
+                <a:solidFill>
+                  <a:srgbClr val="374151"/>
+                </a:solidFill>
+                <a:latin typeface="Bradley Hand ITC" panose="03070402050302030203" pitchFamily="66" charset="0"/>
+              </a:rPr>
+              <a:t>n</a:t>
+            </a:r>
+            <a:r>
+              <a:rPr lang="en-US" altLang="zh-CN" sz="3200" b="0" i="1" dirty="0">
+                <a:solidFill>
+                  <a:srgbClr val="374151"/>
+                </a:solidFill>
+                <a:effectLst/>
+                <a:latin typeface="Bradley Hand ITC" panose="03070402050302030203" pitchFamily="66" charset="0"/>
+              </a:rPr>
+              <a:t> </a:t>
+            </a:r>
+            <a:r>
+              <a:rPr lang="en-US" altLang="zh-CN" sz="3200" b="0" i="0" dirty="0">
+                <a:solidFill>
+                  <a:srgbClr val="374151"/>
+                </a:solidFill>
+                <a:effectLst/>
+                <a:latin typeface="Bradley Hand ITC" panose="03070402050302030203" pitchFamily="66" charset="0"/>
+              </a:rPr>
+              <a:t>= </a:t>
+            </a:r>
+            <a:r>
+              <a:rPr lang="en-US" altLang="zh-CN" sz="3200" b="0" i="1" dirty="0" err="1">
+                <a:solidFill>
+                  <a:srgbClr val="374151"/>
+                </a:solidFill>
+                <a:effectLst/>
+                <a:latin typeface="Bradley Hand ITC" panose="03070402050302030203" pitchFamily="66" charset="0"/>
+              </a:rPr>
+              <a:t>pq</a:t>
+            </a:r>
+            <a:endParaRPr lang="zh-CN" altLang="en-US" sz="3200" dirty="0">
+              <a:latin typeface="Bradley Hand ITC" panose="03070402050302030203" pitchFamily="66" charset="0"/>
+            </a:endParaRPr>
+          </a:p>
+        </p:txBody>
+      </p:sp>
+      <p:sp>
+        <p:nvSpPr>
+          <p:cNvPr id="17" name="文本框 16">
+            <a:extLst>
+              <a:ext uri="{FF2B5EF4-FFF2-40B4-BE49-F238E27FC236}">
+                <a16:creationId xmlns:a16="http://schemas.microsoft.com/office/drawing/2014/main" id="{F66CB8C8-4CF0-5BCB-989B-A23193D42DFF}"/>
+              </a:ext>
+            </a:extLst>
+          </p:cNvPr>
+          <p:cNvSpPr txBox="1"/>
+          <p:nvPr/>
+        </p:nvSpPr>
+        <p:spPr>
+          <a:xfrm>
+            <a:off x="7008403" y="1716949"/>
+            <a:ext cx="3562636" cy="584775"/>
+          </a:xfrm>
+          <a:prstGeom prst="rect">
+            <a:avLst/>
+          </a:prstGeom>
+          <a:noFill/>
+        </p:spPr>
+        <p:txBody>
+          <a:bodyPr wrap="square">
+            <a:spAutoFit/>
+          </a:bodyPr>
+          <a:lstStyle/>
+          <a:p>
+            <a:r>
+              <a:rPr lang="pt-BR" altLang="zh-CN" sz="3200" b="0" i="1" dirty="0">
+                <a:solidFill>
+                  <a:srgbClr val="374151"/>
+                </a:solidFill>
+                <a:effectLst/>
+                <a:latin typeface="Bradley Hand ITC" panose="03070402050302030203" pitchFamily="66" charset="0"/>
+              </a:rPr>
+              <a:t>φ</a:t>
+            </a:r>
+            <a:r>
+              <a:rPr lang="pt-BR" altLang="zh-CN" sz="3200" b="0" i="0" dirty="0">
+                <a:solidFill>
+                  <a:srgbClr val="374151"/>
+                </a:solidFill>
+                <a:effectLst/>
+                <a:latin typeface="Bradley Hand ITC" panose="03070402050302030203" pitchFamily="66" charset="0"/>
+              </a:rPr>
+              <a:t>(</a:t>
+            </a:r>
+            <a:r>
+              <a:rPr lang="pt-BR" altLang="zh-CN" sz="3200" b="0" i="1" dirty="0">
+                <a:solidFill>
+                  <a:srgbClr val="374151"/>
+                </a:solidFill>
+                <a:effectLst/>
+                <a:latin typeface="Bradley Hand ITC" panose="03070402050302030203" pitchFamily="66" charset="0"/>
+              </a:rPr>
+              <a:t>n</a:t>
+            </a:r>
+            <a:r>
+              <a:rPr lang="pt-BR" altLang="zh-CN" sz="3200" b="0" i="0" dirty="0">
+                <a:solidFill>
+                  <a:srgbClr val="374151"/>
+                </a:solidFill>
+                <a:effectLst/>
+                <a:latin typeface="Bradley Hand ITC" panose="03070402050302030203" pitchFamily="66" charset="0"/>
+              </a:rPr>
+              <a:t>)=(</a:t>
+            </a:r>
+            <a:r>
+              <a:rPr lang="pt-BR" altLang="zh-CN" sz="3200" b="0" i="1" dirty="0">
+                <a:solidFill>
+                  <a:srgbClr val="374151"/>
+                </a:solidFill>
+                <a:effectLst/>
+                <a:latin typeface="Bradley Hand ITC" panose="03070402050302030203" pitchFamily="66" charset="0"/>
+              </a:rPr>
+              <a:t>p</a:t>
+            </a:r>
+            <a:r>
+              <a:rPr lang="pt-BR" altLang="zh-CN" sz="3200" b="0" i="0" dirty="0">
+                <a:solidFill>
+                  <a:srgbClr val="374151"/>
+                </a:solidFill>
+                <a:effectLst/>
+                <a:latin typeface="Bradley Hand ITC" panose="03070402050302030203" pitchFamily="66" charset="0"/>
+              </a:rPr>
+              <a:t>−1)(</a:t>
+            </a:r>
+            <a:r>
+              <a:rPr lang="pt-BR" altLang="zh-CN" sz="3200" b="0" i="1" dirty="0">
+                <a:solidFill>
+                  <a:srgbClr val="374151"/>
+                </a:solidFill>
+                <a:effectLst/>
+                <a:latin typeface="Bradley Hand ITC" panose="03070402050302030203" pitchFamily="66" charset="0"/>
+              </a:rPr>
+              <a:t>q</a:t>
+            </a:r>
+            <a:r>
+              <a:rPr lang="pt-BR" altLang="zh-CN" sz="3200" b="0" i="0" dirty="0">
+                <a:solidFill>
+                  <a:srgbClr val="374151"/>
+                </a:solidFill>
+                <a:effectLst/>
+                <a:latin typeface="Bradley Hand ITC" panose="03070402050302030203" pitchFamily="66" charset="0"/>
+              </a:rPr>
+              <a:t>−1)</a:t>
+            </a:r>
+            <a:endParaRPr lang="zh-CN" altLang="en-US" sz="3200" dirty="0">
+              <a:latin typeface="Bradley Hand ITC" panose="03070402050302030203" pitchFamily="66" charset="0"/>
+            </a:endParaRPr>
+          </a:p>
+        </p:txBody>
+      </p:sp>
+      <p:sp>
+        <p:nvSpPr>
+          <p:cNvPr id="19" name="文本框 18">
+            <a:extLst>
+              <a:ext uri="{FF2B5EF4-FFF2-40B4-BE49-F238E27FC236}">
+                <a16:creationId xmlns:a16="http://schemas.microsoft.com/office/drawing/2014/main" id="{AADC323B-E2CE-341F-87C0-B6FC4743D1E0}"/>
+              </a:ext>
+            </a:extLst>
+          </p:cNvPr>
+          <p:cNvSpPr txBox="1"/>
+          <p:nvPr/>
+        </p:nvSpPr>
+        <p:spPr>
+          <a:xfrm>
+            <a:off x="5986649" y="2283422"/>
+            <a:ext cx="6095010" cy="1077218"/>
+          </a:xfrm>
+          <a:prstGeom prst="rect">
+            <a:avLst/>
+          </a:prstGeom>
+          <a:noFill/>
+        </p:spPr>
+        <p:txBody>
+          <a:bodyPr wrap="square">
+            <a:spAutoFit/>
+          </a:bodyPr>
+          <a:lstStyle/>
+          <a:p>
+            <a:r>
+              <a:rPr lang="en-US" altLang="zh-CN" sz="3200" b="0" i="0" dirty="0">
+                <a:solidFill>
+                  <a:srgbClr val="202122"/>
+                </a:solidFill>
+                <a:effectLst/>
+                <a:latin typeface="Bradley Hand ITC" panose="03070402050302030203" pitchFamily="66" charset="0"/>
+              </a:rPr>
+              <a:t>integer </a:t>
+            </a:r>
+            <a:r>
+              <a:rPr lang="en-US" altLang="zh-CN" sz="3200" b="0" i="1" dirty="0">
+                <a:solidFill>
+                  <a:srgbClr val="202122"/>
+                </a:solidFill>
+                <a:effectLst/>
+                <a:latin typeface="Bradley Hand ITC" panose="03070402050302030203" pitchFamily="66" charset="0"/>
+              </a:rPr>
+              <a:t>e</a:t>
+            </a:r>
+            <a:r>
+              <a:rPr lang="en-US" altLang="zh-CN" sz="3200" b="0" i="0" dirty="0">
+                <a:solidFill>
+                  <a:srgbClr val="202122"/>
+                </a:solidFill>
+                <a:effectLst/>
+                <a:latin typeface="Bradley Hand ITC" panose="03070402050302030203" pitchFamily="66" charset="0"/>
+              </a:rPr>
+              <a:t> such that 1 &lt; </a:t>
+            </a:r>
+            <a:r>
+              <a:rPr lang="en-US" altLang="zh-CN" sz="3200" b="0" i="1" dirty="0">
+                <a:solidFill>
+                  <a:srgbClr val="202122"/>
+                </a:solidFill>
+                <a:effectLst/>
+                <a:latin typeface="Bradley Hand ITC" panose="03070402050302030203" pitchFamily="66" charset="0"/>
+              </a:rPr>
+              <a:t>e</a:t>
+            </a:r>
+            <a:r>
+              <a:rPr lang="en-US" altLang="zh-CN" sz="3200" b="0" i="0" dirty="0">
+                <a:solidFill>
+                  <a:srgbClr val="202122"/>
+                </a:solidFill>
+                <a:effectLst/>
+                <a:latin typeface="Bradley Hand ITC" panose="03070402050302030203" pitchFamily="66" charset="0"/>
+              </a:rPr>
+              <a:t> &lt; </a:t>
+            </a:r>
+            <a:r>
+              <a:rPr lang="pt-BR" altLang="zh-CN" sz="3200" b="0" i="1" dirty="0">
+                <a:solidFill>
+                  <a:srgbClr val="374151"/>
+                </a:solidFill>
+                <a:effectLst/>
+                <a:latin typeface="Bradley Hand ITC" panose="03070402050302030203" pitchFamily="66" charset="0"/>
+              </a:rPr>
+              <a:t>φ(</a:t>
+            </a:r>
+            <a:r>
+              <a:rPr lang="en-US" altLang="zh-CN" sz="3200" b="0" i="1" dirty="0">
+                <a:solidFill>
+                  <a:srgbClr val="202122"/>
+                </a:solidFill>
+                <a:effectLst/>
+                <a:latin typeface="Bradley Hand ITC" panose="03070402050302030203" pitchFamily="66" charset="0"/>
+              </a:rPr>
+              <a:t>n</a:t>
+            </a:r>
+            <a:r>
+              <a:rPr lang="en-US" altLang="zh-CN" sz="3200" b="0" i="0" dirty="0">
+                <a:solidFill>
+                  <a:srgbClr val="202122"/>
+                </a:solidFill>
+                <a:effectLst/>
+                <a:latin typeface="Bradley Hand ITC" panose="03070402050302030203" pitchFamily="66" charset="0"/>
+              </a:rPr>
+              <a:t>) </a:t>
+            </a:r>
+            <a:r>
+              <a:rPr lang="pt-BR" altLang="zh-CN" sz="3200" dirty="0">
+                <a:solidFill>
+                  <a:srgbClr val="202122"/>
+                </a:solidFill>
+                <a:latin typeface="Bradley Hand ITC" panose="03070402050302030203" pitchFamily="66" charset="0"/>
+              </a:rPr>
+              <a:t>and gcd(e, </a:t>
+            </a:r>
+            <a:r>
+              <a:rPr lang="pt-BR" altLang="zh-CN" sz="3200" b="0" i="1" dirty="0">
+                <a:solidFill>
+                  <a:srgbClr val="374151"/>
+                </a:solidFill>
+                <a:effectLst/>
+                <a:latin typeface="Bradley Hand ITC" panose="03070402050302030203" pitchFamily="66" charset="0"/>
+              </a:rPr>
+              <a:t> φ</a:t>
+            </a:r>
+            <a:r>
+              <a:rPr lang="pt-BR" altLang="zh-CN" sz="3200" dirty="0">
+                <a:solidFill>
+                  <a:srgbClr val="202122"/>
+                </a:solidFill>
+                <a:latin typeface="Bradley Hand ITC" panose="03070402050302030203" pitchFamily="66" charset="0"/>
+              </a:rPr>
+              <a:t>(n)) = 1</a:t>
+            </a:r>
+            <a:endParaRPr lang="zh-CN" altLang="en-US" sz="3200" dirty="0">
+              <a:solidFill>
+                <a:srgbClr val="202122"/>
+              </a:solidFill>
+              <a:latin typeface="Bradley Hand ITC" panose="03070402050302030203" pitchFamily="66" charset="0"/>
+            </a:endParaRPr>
+          </a:p>
+        </p:txBody>
+      </p:sp>
+      <p:sp>
+        <p:nvSpPr>
+          <p:cNvPr id="21" name="文本框 20">
+            <a:extLst>
+              <a:ext uri="{FF2B5EF4-FFF2-40B4-BE49-F238E27FC236}">
+                <a16:creationId xmlns:a16="http://schemas.microsoft.com/office/drawing/2014/main" id="{03112AA6-49C3-0F0B-4852-1A598FA6BB1D}"/>
+              </a:ext>
+            </a:extLst>
+          </p:cNvPr>
+          <p:cNvSpPr txBox="1"/>
+          <p:nvPr/>
+        </p:nvSpPr>
+        <p:spPr>
+          <a:xfrm>
+            <a:off x="7125195" y="3429000"/>
+            <a:ext cx="3230088" cy="584775"/>
+          </a:xfrm>
+          <a:prstGeom prst="rect">
+            <a:avLst/>
+          </a:prstGeom>
+          <a:noFill/>
+        </p:spPr>
+        <p:txBody>
+          <a:bodyPr wrap="square">
+            <a:spAutoFit/>
+          </a:bodyPr>
+          <a:lstStyle/>
+          <a:p>
+            <a:r>
+              <a:rPr lang="en-US" altLang="zh-CN" sz="3200" dirty="0">
+                <a:solidFill>
+                  <a:srgbClr val="202122"/>
+                </a:solidFill>
+                <a:latin typeface="Bradley Hand ITC" panose="03070402050302030203" pitchFamily="66" charset="0"/>
+              </a:rPr>
+              <a:t>de ≡ 1 mod </a:t>
+            </a:r>
+            <a:r>
+              <a:rPr lang="el-GR" altLang="zh-CN" sz="3200" dirty="0">
+                <a:solidFill>
+                  <a:srgbClr val="202122"/>
+                </a:solidFill>
+              </a:rPr>
+              <a:t>φ(</a:t>
+            </a:r>
+            <a:r>
+              <a:rPr lang="en-US" altLang="zh-CN" sz="3200" dirty="0">
+                <a:solidFill>
+                  <a:srgbClr val="202122"/>
+                </a:solidFill>
+                <a:latin typeface="Bradley Hand ITC" panose="03070402050302030203" pitchFamily="66" charset="0"/>
+              </a:rPr>
+              <a:t>n)</a:t>
+            </a:r>
+            <a:endParaRPr lang="zh-CN" altLang="en-US" sz="3200" dirty="0">
+              <a:solidFill>
+                <a:srgbClr val="202122"/>
+              </a:solidFill>
+              <a:latin typeface="Bradley Hand ITC" panose="03070402050302030203" pitchFamily="66" charset="0"/>
+            </a:endParaRPr>
+          </a:p>
+        </p:txBody>
+      </p:sp>
+      <p:sp>
+        <p:nvSpPr>
+          <p:cNvPr id="23" name="文本框 22">
+            <a:extLst>
+              <a:ext uri="{FF2B5EF4-FFF2-40B4-BE49-F238E27FC236}">
+                <a16:creationId xmlns:a16="http://schemas.microsoft.com/office/drawing/2014/main" id="{4B4B3DB3-155C-25BC-3AE2-6AA458121578}"/>
+              </a:ext>
+            </a:extLst>
+          </p:cNvPr>
+          <p:cNvSpPr txBox="1"/>
+          <p:nvPr/>
+        </p:nvSpPr>
+        <p:spPr>
+          <a:xfrm>
+            <a:off x="5073465" y="4235152"/>
+            <a:ext cx="3055193" cy="584775"/>
+          </a:xfrm>
+          <a:prstGeom prst="rect">
+            <a:avLst/>
+          </a:prstGeom>
+          <a:noFill/>
+        </p:spPr>
+        <p:txBody>
+          <a:bodyPr wrap="square">
+            <a:spAutoFit/>
+          </a:bodyPr>
+          <a:lstStyle/>
+          <a:p>
+            <a:r>
+              <a:rPr lang="en-US" altLang="zh-CN" sz="3200" dirty="0">
+                <a:solidFill>
+                  <a:srgbClr val="202122"/>
+                </a:solidFill>
+                <a:latin typeface="Bradley Hand ITC" panose="03070402050302030203" pitchFamily="66" charset="0"/>
+              </a:rPr>
+              <a:t>Public key (n, e)</a:t>
+            </a:r>
+            <a:endParaRPr lang="zh-CN" altLang="en-US" sz="3200" dirty="0">
+              <a:solidFill>
+                <a:srgbClr val="202122"/>
+              </a:solidFill>
+              <a:latin typeface="Bradley Hand ITC" panose="03070402050302030203" pitchFamily="66" charset="0"/>
+            </a:endParaRPr>
+          </a:p>
+        </p:txBody>
+      </p:sp>
+      <p:sp>
+        <p:nvSpPr>
+          <p:cNvPr id="25" name="文本框 24">
+            <a:extLst>
+              <a:ext uri="{FF2B5EF4-FFF2-40B4-BE49-F238E27FC236}">
+                <a16:creationId xmlns:a16="http://schemas.microsoft.com/office/drawing/2014/main" id="{EFF8E210-FCFC-6293-8723-7E229D135727}"/>
+              </a:ext>
+            </a:extLst>
+          </p:cNvPr>
+          <p:cNvSpPr txBox="1"/>
+          <p:nvPr/>
+        </p:nvSpPr>
+        <p:spPr>
+          <a:xfrm>
+            <a:off x="8740239" y="4235152"/>
+            <a:ext cx="3230088" cy="584775"/>
+          </a:xfrm>
+          <a:prstGeom prst="rect">
+            <a:avLst/>
+          </a:prstGeom>
+          <a:noFill/>
+        </p:spPr>
+        <p:txBody>
+          <a:bodyPr wrap="square">
+            <a:spAutoFit/>
+          </a:bodyPr>
+          <a:lstStyle/>
+          <a:p>
+            <a:r>
+              <a:rPr lang="en-US" altLang="zh-CN" sz="3200" dirty="0">
+                <a:solidFill>
+                  <a:srgbClr val="202122"/>
+                </a:solidFill>
+                <a:latin typeface="Bradley Hand ITC" panose="03070402050302030203" pitchFamily="66" charset="0"/>
+              </a:rPr>
+              <a:t>Private key (n, d)</a:t>
+            </a:r>
+            <a:endParaRPr lang="zh-CN" altLang="en-US" sz="3200" dirty="0">
+              <a:solidFill>
+                <a:srgbClr val="202122"/>
+              </a:solidFill>
+              <a:latin typeface="Bradley Hand ITC" panose="03070402050302030203" pitchFamily="66" charset="0"/>
+            </a:endParaRPr>
+          </a:p>
+        </p:txBody>
+      </p:sp>
+      <p:pic>
+        <p:nvPicPr>
+          <p:cNvPr id="27" name="图片 26">
+            <a:extLst>
+              <a:ext uri="{FF2B5EF4-FFF2-40B4-BE49-F238E27FC236}">
+                <a16:creationId xmlns:a16="http://schemas.microsoft.com/office/drawing/2014/main" id="{CA95F914-1358-B8B8-146E-9F3B21BD159B}"/>
+              </a:ext>
+            </a:extLst>
+          </p:cNvPr>
+          <p:cNvPicPr>
+            <a:picLocks noChangeAspect="1"/>
+          </p:cNvPicPr>
+          <p:nvPr/>
+        </p:nvPicPr>
+        <p:blipFill>
+          <a:blip r:embed="rId2">
+            <a:extLst>
+              <a:ext uri="{28A0092B-C50C-407E-A947-70E740481C1C}">
+                <a14:useLocalDpi xmlns:a14="http://schemas.microsoft.com/office/drawing/2010/main" val="0"/>
+              </a:ext>
+            </a:extLst>
+          </a:blip>
+          <a:stretch>
+            <a:fillRect/>
+          </a:stretch>
+        </p:blipFill>
+        <p:spPr>
+          <a:xfrm>
             <a:off x="5133934" y="5275629"/>
             <a:ext cx="2928601" cy="540228"/>
           </a:xfrm>
@@ -7509,6 +8857,11 @@
         </p:spPr>
       </p:pic>
     </p:spTree>
+    <p:extLst>
+      <p:ext uri="{BB962C8B-B14F-4D97-AF65-F5344CB8AC3E}">
+        <p14:creationId xmlns:p14="http://schemas.microsoft.com/office/powerpoint/2010/main" val="1609569066"/>
+      </p:ext>
+    </p:extLst>
   </p:cSld>
   <p:clrMapOvr>
     <a:masterClrMapping/>
@@ -7839,6 +9192,430 @@
                       </p:childTnLst>
                     </p:cTn>
                   </p:par>
+                  <p:par>
+                    <p:cTn id="33" fill="hold">
+                      <p:stCondLst>
+                        <p:cond delay="indefinite"/>
+                      </p:stCondLst>
+                      <p:childTnLst>
+                        <p:par>
+                          <p:cTn id="34" fill="hold">
+                            <p:stCondLst>
+                              <p:cond delay="0"/>
+                            </p:stCondLst>
+                            <p:childTnLst>
+                              <p:par>
+                                <p:cTn id="35" presetID="10" presetClass="entr" presetSubtype="0" fill="hold" grpId="0" nodeType="clickEffect">
+                                  <p:stCondLst>
+                                    <p:cond delay="0"/>
+                                  </p:stCondLst>
+                                  <p:childTnLst>
+                                    <p:set>
+                                      <p:cBhvr>
+                                        <p:cTn id="36" dur="1" fill="hold">
+                                          <p:stCondLst>
+                                            <p:cond delay="0"/>
+                                          </p:stCondLst>
+                                        </p:cTn>
+                                        <p:tgtEl>
+                                          <p:spTgt spid="15"/>
+                                        </p:tgtEl>
+                                        <p:attrNameLst>
+                                          <p:attrName>style.visibility</p:attrName>
+                                        </p:attrNameLst>
+                                      </p:cBhvr>
+                                      <p:to>
+                                        <p:strVal val="visible"/>
+                                      </p:to>
+                                    </p:set>
+                                    <p:animEffect transition="in" filter="fade">
+                                      <p:cBhvr>
+                                        <p:cTn id="37" dur="500"/>
+                                        <p:tgtEl>
+                                          <p:spTgt spid="15"/>
+                                        </p:tgtEl>
+                                      </p:cBhvr>
+                                    </p:animEffect>
+                                  </p:childTnLst>
+                                </p:cTn>
+                              </p:par>
+                            </p:childTnLst>
+                          </p:cTn>
+                        </p:par>
+                      </p:childTnLst>
+                    </p:cTn>
+                  </p:par>
+                  <p:par>
+                    <p:cTn id="38" fill="hold">
+                      <p:stCondLst>
+                        <p:cond delay="indefinite"/>
+                      </p:stCondLst>
+                      <p:childTnLst>
+                        <p:par>
+                          <p:cTn id="39" fill="hold">
+                            <p:stCondLst>
+                              <p:cond delay="0"/>
+                            </p:stCondLst>
+                            <p:childTnLst>
+                              <p:par>
+                                <p:cTn id="40" presetID="10" presetClass="entr" presetSubtype="0" fill="hold" grpId="0" nodeType="clickEffect">
+                                  <p:stCondLst>
+                                    <p:cond delay="0"/>
+                                  </p:stCondLst>
+                                  <p:childTnLst>
+                                    <p:set>
+                                      <p:cBhvr>
+                                        <p:cTn id="41" dur="1" fill="hold">
+                                          <p:stCondLst>
+                                            <p:cond delay="0"/>
+                                          </p:stCondLst>
+                                        </p:cTn>
+                                        <p:tgtEl>
+                                          <p:spTgt spid="17"/>
+                                        </p:tgtEl>
+                                        <p:attrNameLst>
+                                          <p:attrName>style.visibility</p:attrName>
+                                        </p:attrNameLst>
+                                      </p:cBhvr>
+                                      <p:to>
+                                        <p:strVal val="visible"/>
+                                      </p:to>
+                                    </p:set>
+                                    <p:animEffect transition="in" filter="fade">
+                                      <p:cBhvr>
+                                        <p:cTn id="42" dur="500"/>
+                                        <p:tgtEl>
+                                          <p:spTgt spid="17"/>
+                                        </p:tgtEl>
+                                      </p:cBhvr>
+                                    </p:animEffect>
+                                  </p:childTnLst>
+                                </p:cTn>
+                              </p:par>
+                            </p:childTnLst>
+                          </p:cTn>
+                        </p:par>
+                      </p:childTnLst>
+                    </p:cTn>
+                  </p:par>
+                  <p:par>
+                    <p:cTn id="43" fill="hold">
+                      <p:stCondLst>
+                        <p:cond delay="indefinite"/>
+                      </p:stCondLst>
+                      <p:childTnLst>
+                        <p:par>
+                          <p:cTn id="44" fill="hold">
+                            <p:stCondLst>
+                              <p:cond delay="0"/>
+                            </p:stCondLst>
+                            <p:childTnLst>
+                              <p:par>
+                                <p:cTn id="45" presetID="10" presetClass="entr" presetSubtype="0" fill="hold" grpId="0" nodeType="clickEffect">
+                                  <p:stCondLst>
+                                    <p:cond delay="0"/>
+                                  </p:stCondLst>
+                                  <p:childTnLst>
+                                    <p:set>
+                                      <p:cBhvr>
+                                        <p:cTn id="46" dur="1" fill="hold">
+                                          <p:stCondLst>
+                                            <p:cond delay="0"/>
+                                          </p:stCondLst>
+                                        </p:cTn>
+                                        <p:tgtEl>
+                                          <p:spTgt spid="19"/>
+                                        </p:tgtEl>
+                                        <p:attrNameLst>
+                                          <p:attrName>style.visibility</p:attrName>
+                                        </p:attrNameLst>
+                                      </p:cBhvr>
+                                      <p:to>
+                                        <p:strVal val="visible"/>
+                                      </p:to>
+                                    </p:set>
+                                    <p:animEffect transition="in" filter="fade">
+                                      <p:cBhvr>
+                                        <p:cTn id="47" dur="500"/>
+                                        <p:tgtEl>
+                                          <p:spTgt spid="19"/>
+                                        </p:tgtEl>
+                                      </p:cBhvr>
+                                    </p:animEffect>
+                                  </p:childTnLst>
+                                </p:cTn>
+                              </p:par>
+                            </p:childTnLst>
+                          </p:cTn>
+                        </p:par>
+                      </p:childTnLst>
+                    </p:cTn>
+                  </p:par>
+                  <p:par>
+                    <p:cTn id="48" fill="hold">
+                      <p:stCondLst>
+                        <p:cond delay="indefinite"/>
+                      </p:stCondLst>
+                      <p:childTnLst>
+                        <p:par>
+                          <p:cTn id="49" fill="hold">
+                            <p:stCondLst>
+                              <p:cond delay="0"/>
+                            </p:stCondLst>
+                            <p:childTnLst>
+                              <p:par>
+                                <p:cTn id="50" presetID="10" presetClass="entr" presetSubtype="0" fill="hold" grpId="0" nodeType="clickEffect">
+                                  <p:stCondLst>
+                                    <p:cond delay="0"/>
+                                  </p:stCondLst>
+                                  <p:childTnLst>
+                                    <p:set>
+                                      <p:cBhvr>
+                                        <p:cTn id="51" dur="1" fill="hold">
+                                          <p:stCondLst>
+                                            <p:cond delay="0"/>
+                                          </p:stCondLst>
+                                        </p:cTn>
+                                        <p:tgtEl>
+                                          <p:spTgt spid="21"/>
+                                        </p:tgtEl>
+                                        <p:attrNameLst>
+                                          <p:attrName>style.visibility</p:attrName>
+                                        </p:attrNameLst>
+                                      </p:cBhvr>
+                                      <p:to>
+                                        <p:strVal val="visible"/>
+                                      </p:to>
+                                    </p:set>
+                                    <p:animEffect transition="in" filter="fade">
+                                      <p:cBhvr>
+                                        <p:cTn id="52" dur="500"/>
+                                        <p:tgtEl>
+                                          <p:spTgt spid="21"/>
+                                        </p:tgtEl>
+                                      </p:cBhvr>
+                                    </p:animEffect>
+                                  </p:childTnLst>
+                                </p:cTn>
+                              </p:par>
+                            </p:childTnLst>
+                          </p:cTn>
+                        </p:par>
+                      </p:childTnLst>
+                    </p:cTn>
+                  </p:par>
+                  <p:par>
+                    <p:cTn id="53" fill="hold">
+                      <p:stCondLst>
+                        <p:cond delay="indefinite"/>
+                      </p:stCondLst>
+                      <p:childTnLst>
+                        <p:par>
+                          <p:cTn id="54" fill="hold">
+                            <p:stCondLst>
+                              <p:cond delay="0"/>
+                            </p:stCondLst>
+                            <p:childTnLst>
+                              <p:par>
+                                <p:cTn id="55" presetID="10" presetClass="entr" presetSubtype="0" fill="hold" grpId="0" nodeType="clickEffect">
+                                  <p:stCondLst>
+                                    <p:cond delay="0"/>
+                                  </p:stCondLst>
+                                  <p:childTnLst>
+                                    <p:set>
+                                      <p:cBhvr>
+                                        <p:cTn id="56" dur="1" fill="hold">
+                                          <p:stCondLst>
+                                            <p:cond delay="0"/>
+                                          </p:stCondLst>
+                                        </p:cTn>
+                                        <p:tgtEl>
+                                          <p:spTgt spid="23"/>
+                                        </p:tgtEl>
+                                        <p:attrNameLst>
+                                          <p:attrName>style.visibility</p:attrName>
+                                        </p:attrNameLst>
+                                      </p:cBhvr>
+                                      <p:to>
+                                        <p:strVal val="visible"/>
+                                      </p:to>
+                                    </p:set>
+                                    <p:animEffect transition="in" filter="fade">
+                                      <p:cBhvr>
+                                        <p:cTn id="57" dur="500"/>
+                                        <p:tgtEl>
+                                          <p:spTgt spid="23"/>
+                                        </p:tgtEl>
+                                      </p:cBhvr>
+                                    </p:animEffect>
+                                  </p:childTnLst>
+                                </p:cTn>
+                              </p:par>
+                            </p:childTnLst>
+                          </p:cTn>
+                        </p:par>
+                      </p:childTnLst>
+                    </p:cTn>
+                  </p:par>
+                  <p:par>
+                    <p:cTn id="58" fill="hold">
+                      <p:stCondLst>
+                        <p:cond delay="indefinite"/>
+                      </p:stCondLst>
+                      <p:childTnLst>
+                        <p:par>
+                          <p:cTn id="59" fill="hold">
+                            <p:stCondLst>
+                              <p:cond delay="0"/>
+                            </p:stCondLst>
+                            <p:childTnLst>
+                              <p:par>
+                                <p:cTn id="60" presetID="10" presetClass="entr" presetSubtype="0" fill="hold" grpId="0" nodeType="clickEffect">
+                                  <p:stCondLst>
+                                    <p:cond delay="0"/>
+                                  </p:stCondLst>
+                                  <p:childTnLst>
+                                    <p:set>
+                                      <p:cBhvr>
+                                        <p:cTn id="61" dur="1" fill="hold">
+                                          <p:stCondLst>
+                                            <p:cond delay="0"/>
+                                          </p:stCondLst>
+                                        </p:cTn>
+                                        <p:tgtEl>
+                                          <p:spTgt spid="25"/>
+                                        </p:tgtEl>
+                                        <p:attrNameLst>
+                                          <p:attrName>style.visibility</p:attrName>
+                                        </p:attrNameLst>
+                                      </p:cBhvr>
+                                      <p:to>
+                                        <p:strVal val="visible"/>
+                                      </p:to>
+                                    </p:set>
+                                    <p:animEffect transition="in" filter="fade">
+                                      <p:cBhvr>
+                                        <p:cTn id="62" dur="500"/>
+                                        <p:tgtEl>
+                                          <p:spTgt spid="25"/>
+                                        </p:tgtEl>
+                                      </p:cBhvr>
+                                    </p:animEffect>
+                                  </p:childTnLst>
+                                </p:cTn>
+                              </p:par>
+                            </p:childTnLst>
+                          </p:cTn>
+                        </p:par>
+                      </p:childTnLst>
+                    </p:cTn>
+                  </p:par>
+                  <p:par>
+                    <p:cTn id="63" fill="hold">
+                      <p:stCondLst>
+                        <p:cond delay="indefinite"/>
+                      </p:stCondLst>
+                      <p:childTnLst>
+                        <p:par>
+                          <p:cTn id="64" fill="hold">
+                            <p:stCondLst>
+                              <p:cond delay="0"/>
+                            </p:stCondLst>
+                            <p:childTnLst>
+                              <p:par>
+                                <p:cTn id="65" presetID="10" presetClass="entr" presetSubtype="0" fill="hold" nodeType="clickEffect">
+                                  <p:stCondLst>
+                                    <p:cond delay="0"/>
+                                  </p:stCondLst>
+                                  <p:childTnLst>
+                                    <p:set>
+                                      <p:cBhvr>
+                                        <p:cTn id="66" dur="1" fill="hold">
+                                          <p:stCondLst>
+                                            <p:cond delay="0"/>
+                                          </p:stCondLst>
+                                        </p:cTn>
+                                        <p:tgtEl>
+                                          <p:spTgt spid="27"/>
+                                        </p:tgtEl>
+                                        <p:attrNameLst>
+                                          <p:attrName>style.visibility</p:attrName>
+                                        </p:attrNameLst>
+                                      </p:cBhvr>
+                                      <p:to>
+                                        <p:strVal val="visible"/>
+                                      </p:to>
+                                    </p:set>
+                                    <p:animEffect transition="in" filter="fade">
+                                      <p:cBhvr>
+                                        <p:cTn id="67" dur="500"/>
+                                        <p:tgtEl>
+                                          <p:spTgt spid="27"/>
+                                        </p:tgtEl>
+                                      </p:cBhvr>
+                                    </p:animEffect>
+                                  </p:childTnLst>
+                                </p:cTn>
+                              </p:par>
+                            </p:childTnLst>
+                          </p:cTn>
+                        </p:par>
+                      </p:childTnLst>
+                    </p:cTn>
+                  </p:par>
+                  <p:par>
+                    <p:cTn id="68" fill="hold">
+                      <p:stCondLst>
+                        <p:cond delay="indefinite"/>
+                      </p:stCondLst>
+                      <p:childTnLst>
+                        <p:par>
+                          <p:cTn id="69" fill="hold">
+                            <p:stCondLst>
+                              <p:cond delay="0"/>
+                            </p:stCondLst>
+                            <p:childTnLst>
+                              <p:par>
+                                <p:cTn id="70" presetID="10" presetClass="entr" presetSubtype="0" fill="hold" nodeType="clickEffect">
+                                  <p:stCondLst>
+                                    <p:cond delay="0"/>
+                                  </p:stCondLst>
+                                  <p:childTnLst>
+                                    <p:set>
+                                      <p:cBhvr>
+                                        <p:cTn id="71" dur="1" fill="hold">
+                                          <p:stCondLst>
+                                            <p:cond delay="0"/>
+                                          </p:stCondLst>
+                                        </p:cTn>
+                                        <p:tgtEl>
+                                          <p:spTgt spid="29"/>
+                                        </p:tgtEl>
+                                        <p:attrNameLst>
+                                          <p:attrName>style.visibility</p:attrName>
+                                        </p:attrNameLst>
+                                      </p:cBhvr>
+                                      <p:to>
+                                        <p:strVal val="visible"/>
+                                      </p:to>
+                                    </p:set>
+                                    <p:animEffect transition="in" filter="fade">
+                                      <p:cBhvr>
+                                        <p:cTn id="72" dur="500"/>
+                                        <p:tgtEl>
+                                          <p:spTgt spid="29"/>
+                                        </p:tgtEl>
+                                      </p:cBhvr>
+                                    </p:animEffect>
+                                  </p:childTnLst>
+                                </p:cTn>
+                              </p:par>
+                            </p:childTnLst>
+                          </p:cTn>
+                        </p:par>
+                      </p:childTnLst>
+                    </p:cTn>
+                  </p:par>
                 </p:childTnLst>
               </p:cTn>
               <p:prevCondLst>
@@ -7867,93 +9644,14 @@
       <p:bldP spid="9" grpId="0"/>
       <p:bldP spid="10" grpId="0"/>
       <p:bldP spid="13" grpId="0"/>
+      <p:bldP spid="15" grpId="0"/>
+      <p:bldP spid="17" grpId="0"/>
+      <p:bldP spid="19" grpId="0"/>
+      <p:bldP spid="21" grpId="0"/>
+      <p:bldP spid="23" grpId="0"/>
+      <p:bldP spid="25" grpId="0"/>
     </p:bldLst>
   </p:timing>
-</p:sld>
-</file>
-
-<file path=ppt/slides/slide18.xml><?xml version="1.0" encoding="utf-8"?>
-<p:sld xmlns:a="http://schemas.openxmlformats.org/drawingml/2006/main" xmlns:r="http://schemas.openxmlformats.org/officeDocument/2006/relationships" xmlns:p="http://schemas.openxmlformats.org/presentationml/2006/main">
-  <p:cSld>
-    <p:spTree>
-      <p:nvGrpSpPr>
-        <p:cNvPr id="1" name=""/>
-        <p:cNvGrpSpPr/>
-        <p:nvPr/>
-      </p:nvGrpSpPr>
-      <p:grpSpPr>
-        <a:xfrm>
-          <a:off x="0" y="0"/>
-          <a:ext cx="0" cy="0"/>
-          <a:chOff x="0" y="0"/>
-          <a:chExt cx="0" cy="0"/>
-        </a:xfrm>
-      </p:grpSpPr>
-      <p:sp>
-        <p:nvSpPr>
-          <p:cNvPr id="4" name="文本框 3"/>
-          <p:cNvSpPr txBox="1"/>
-          <p:nvPr/>
-        </p:nvSpPr>
-        <p:spPr>
-          <a:xfrm>
-            <a:off x="434283" y="657846"/>
-            <a:ext cx="3646126" cy="461665"/>
-          </a:xfrm>
-          <a:prstGeom prst="rect">
-            <a:avLst/>
-          </a:prstGeom>
-          <a:noFill/>
-        </p:spPr>
-        <p:txBody>
-          <a:bodyPr wrap="none" rtlCol="0">
-            <a:spAutoFit/>
-          </a:bodyPr>
-          <a:lstStyle/>
-          <a:p>
-            <a:r>
-              <a:rPr lang="en-US" altLang="zh-CN" sz="2400" dirty="0">
-                <a:latin typeface="微软雅黑" panose="020B0503020204020204" pitchFamily="34" charset="-122"/>
-                <a:ea typeface="微软雅黑" panose="020B0503020204020204" pitchFamily="34" charset="-122"/>
-              </a:rPr>
-              <a:t>RSA Encryption (Demo)</a:t>
-            </a:r>
-            <a:endParaRPr lang="zh-CN" altLang="en-US" sz="2400" dirty="0">
-              <a:latin typeface="微软雅黑" panose="020B0503020204020204" pitchFamily="34" charset="-122"/>
-              <a:ea typeface="微软雅黑" panose="020B0503020204020204" pitchFamily="34" charset="-122"/>
-            </a:endParaRPr>
-          </a:p>
-        </p:txBody>
-      </p:sp>
-      <p:pic>
-        <p:nvPicPr>
-          <p:cNvPr id="3" name="图片 2"/>
-          <p:cNvPicPr>
-            <a:picLocks noChangeAspect="1"/>
-          </p:cNvPicPr>
-          <p:nvPr/>
-        </p:nvPicPr>
-        <p:blipFill>
-          <a:blip r:embed="rId3"/>
-          <a:stretch>
-            <a:fillRect/>
-          </a:stretch>
-        </p:blipFill>
-        <p:spPr>
-          <a:xfrm>
-            <a:off x="3500846" y="1309823"/>
-            <a:ext cx="5432107" cy="4963230"/>
-          </a:xfrm>
-          <a:prstGeom prst="rect">
-            <a:avLst/>
-          </a:prstGeom>
-        </p:spPr>
-      </p:pic>
-    </p:spTree>
-  </p:cSld>
-  <p:clrMapOvr>
-    <a:masterClrMapping/>
-  </p:clrMapOvr>
 </p:sld>
 </file>
 
@@ -8012,45 +9710,22 @@
       </p:sp>
       <p:pic>
         <p:nvPicPr>
-          <p:cNvPr id="5" name="图片 4"/>
+          <p:cNvPr id="3" name="图片 2"/>
           <p:cNvPicPr>
             <a:picLocks noChangeAspect="1"/>
           </p:cNvPicPr>
           <p:nvPr/>
         </p:nvPicPr>
-        <p:blipFill rotWithShape="1">
+        <p:blipFill>
           <a:blip r:embed="rId3"/>
-          <a:srcRect r="36708"/>
-          <a:stretch/>
-        </p:blipFill>
-        <p:spPr>
-          <a:xfrm>
-            <a:off x="332157" y="1508301"/>
-            <a:ext cx="4719564" cy="4406297"/>
-          </a:xfrm>
-          <a:prstGeom prst="rect">
-            <a:avLst/>
-          </a:prstGeom>
-        </p:spPr>
-      </p:pic>
-      <p:pic>
-        <p:nvPicPr>
-          <p:cNvPr id="6" name="图片 5"/>
-          <p:cNvPicPr>
-            <a:picLocks noChangeAspect="1"/>
-          </p:cNvPicPr>
-          <p:nvPr/>
-        </p:nvPicPr>
-        <p:blipFill>
-          <a:blip r:embed="rId4"/>
           <a:stretch>
             <a:fillRect/>
           </a:stretch>
         </p:blipFill>
         <p:spPr>
           <a:xfrm>
-            <a:off x="5522494" y="1508301"/>
-            <a:ext cx="6324557" cy="4406297"/>
+            <a:off x="3500846" y="1309823"/>
+            <a:ext cx="5432107" cy="4963230"/>
           </a:xfrm>
           <a:prstGeom prst="rect">
             <a:avLst/>
@@ -8205,6 +9880,114 @@
           </a:p>
         </p:txBody>
       </p:sp>
+      <p:pic>
+        <p:nvPicPr>
+          <p:cNvPr id="5" name="图片 4"/>
+          <p:cNvPicPr>
+            <a:picLocks noChangeAspect="1"/>
+          </p:cNvPicPr>
+          <p:nvPr/>
+        </p:nvPicPr>
+        <p:blipFill rotWithShape="1">
+          <a:blip r:embed="rId3"/>
+          <a:srcRect r="36708"/>
+          <a:stretch/>
+        </p:blipFill>
+        <p:spPr>
+          <a:xfrm>
+            <a:off x="332157" y="1508301"/>
+            <a:ext cx="4719564" cy="4406297"/>
+          </a:xfrm>
+          <a:prstGeom prst="rect">
+            <a:avLst/>
+          </a:prstGeom>
+        </p:spPr>
+      </p:pic>
+      <p:pic>
+        <p:nvPicPr>
+          <p:cNvPr id="6" name="图片 5"/>
+          <p:cNvPicPr>
+            <a:picLocks noChangeAspect="1"/>
+          </p:cNvPicPr>
+          <p:nvPr/>
+        </p:nvPicPr>
+        <p:blipFill>
+          <a:blip r:embed="rId4"/>
+          <a:stretch>
+            <a:fillRect/>
+          </a:stretch>
+        </p:blipFill>
+        <p:spPr>
+          <a:xfrm>
+            <a:off x="5522494" y="1508301"/>
+            <a:ext cx="6324557" cy="4406297"/>
+          </a:xfrm>
+          <a:prstGeom prst="rect">
+            <a:avLst/>
+          </a:prstGeom>
+        </p:spPr>
+      </p:pic>
+    </p:spTree>
+  </p:cSld>
+  <p:clrMapOvr>
+    <a:masterClrMapping/>
+  </p:clrMapOvr>
+</p:sld>
+</file>
+
+<file path=ppt/slides/slide21.xml><?xml version="1.0" encoding="utf-8"?>
+<p:sld xmlns:a="http://schemas.openxmlformats.org/drawingml/2006/main" xmlns:r="http://schemas.openxmlformats.org/officeDocument/2006/relationships" xmlns:p="http://schemas.openxmlformats.org/presentationml/2006/main">
+  <p:cSld>
+    <p:spTree>
+      <p:nvGrpSpPr>
+        <p:cNvPr id="1" name=""/>
+        <p:cNvGrpSpPr/>
+        <p:nvPr/>
+      </p:nvGrpSpPr>
+      <p:grpSpPr>
+        <a:xfrm>
+          <a:off x="0" y="0"/>
+          <a:ext cx="0" cy="0"/>
+          <a:chOff x="0" y="0"/>
+          <a:chExt cx="0" cy="0"/>
+        </a:xfrm>
+      </p:grpSpPr>
+      <p:sp>
+        <p:nvSpPr>
+          <p:cNvPr id="4" name="文本框 3"/>
+          <p:cNvSpPr txBox="1"/>
+          <p:nvPr/>
+        </p:nvSpPr>
+        <p:spPr>
+          <a:xfrm>
+            <a:off x="434283" y="657846"/>
+            <a:ext cx="3646126" cy="461665"/>
+          </a:xfrm>
+          <a:prstGeom prst="rect">
+            <a:avLst/>
+          </a:prstGeom>
+          <a:noFill/>
+        </p:spPr>
+        <p:txBody>
+          <a:bodyPr wrap="none" rtlCol="0">
+            <a:spAutoFit/>
+          </a:bodyPr>
+          <a:lstStyle/>
+          <a:p>
+            <a:r>
+              <a:rPr lang="en-US" altLang="zh-CN" sz="2400" dirty="0">
+                <a:latin typeface="微软雅黑" panose="020B0503020204020204" pitchFamily="34" charset="-122"/>
+                <a:ea typeface="微软雅黑" panose="020B0503020204020204" pitchFamily="34" charset="-122"/>
+              </a:rPr>
+              <a:t>RSA Encryption (Demo)</a:t>
+            </a:r>
+            <a:endParaRPr lang="zh-CN" altLang="en-US" sz="2400" dirty="0">
+              <a:latin typeface="微软雅黑" panose="020B0503020204020204" pitchFamily="34" charset="-122"/>
+              <a:ea typeface="微软雅黑" panose="020B0503020204020204" pitchFamily="34" charset="-122"/>
+            </a:endParaRPr>
+          </a:p>
+        </p:txBody>
+      </p:sp>
       <p:sp>
         <p:nvSpPr>
           <p:cNvPr id="5" name="文本框 4"/>
@@ -8363,7 +10146,7 @@
 </p:sld>
 </file>
 
-<file path=ppt/slides/slide21.xml><?xml version="1.0" encoding="utf-8"?>
+<file path=ppt/slides/slide22.xml><?xml version="1.0" encoding="utf-8"?>
 <p:sld xmlns:a="http://schemas.openxmlformats.org/drawingml/2006/main" xmlns:r="http://schemas.openxmlformats.org/officeDocument/2006/relationships" xmlns:p="http://schemas.openxmlformats.org/presentationml/2006/main">
   <p:cSld>
     <p:spTree>
@@ -8522,7 +10305,7 @@
 </p:sld>
 </file>
 
-<file path=ppt/slides/slide22.xml><?xml version="1.0" encoding="utf-8"?>
+<file path=ppt/slides/slide23.xml><?xml version="1.0" encoding="utf-8"?>
 <p:sld xmlns:a="http://schemas.openxmlformats.org/drawingml/2006/main" xmlns:r="http://schemas.openxmlformats.org/officeDocument/2006/relationships" xmlns:p="http://schemas.openxmlformats.org/presentationml/2006/main">
   <p:cSld>
     <p:spTree>
@@ -8681,7 +10464,7 @@
 </p:sld>
 </file>
 
-<file path=ppt/slides/slide23.xml><?xml version="1.0" encoding="utf-8"?>
+<file path=ppt/slides/slide24.xml><?xml version="1.0" encoding="utf-8"?>
 <p:sld xmlns:a="http://schemas.openxmlformats.org/drawingml/2006/main" xmlns:r="http://schemas.openxmlformats.org/officeDocument/2006/relationships" xmlns:p="http://schemas.openxmlformats.org/presentationml/2006/main">
   <p:cSld>
     <p:spTree>
@@ -8838,7 +10621,7 @@
 </p:sld>
 </file>
 
-<file path=ppt/slides/slide24.xml><?xml version="1.0" encoding="utf-8"?>
+<file path=ppt/slides/slide25.xml><?xml version="1.0" encoding="utf-8"?>
 <p:sld xmlns:a="http://schemas.openxmlformats.org/drawingml/2006/main" xmlns:r="http://schemas.openxmlformats.org/officeDocument/2006/relationships" xmlns:p="http://schemas.openxmlformats.org/presentationml/2006/main">
   <p:cSld>
     <p:spTree>
@@ -8955,7 +10738,7 @@
 </p:sld>
 </file>
 
-<file path=ppt/slides/slide25.xml><?xml version="1.0" encoding="utf-8"?>
+<file path=ppt/slides/slide26.xml><?xml version="1.0" encoding="utf-8"?>
 <p:sld xmlns:a="http://schemas.openxmlformats.org/drawingml/2006/main" xmlns:r="http://schemas.openxmlformats.org/officeDocument/2006/relationships" xmlns:p="http://schemas.openxmlformats.org/presentationml/2006/main">
   <p:cSld>
     <p:spTree>
@@ -9114,7 +10897,7 @@
 </p:sld>
 </file>
 
-<file path=ppt/slides/slide26.xml><?xml version="1.0" encoding="utf-8"?>
+<file path=ppt/slides/slide27.xml><?xml version="1.0" encoding="utf-8"?>
 <p:sld xmlns:a="http://schemas.openxmlformats.org/drawingml/2006/main" xmlns:r="http://schemas.openxmlformats.org/officeDocument/2006/relationships" xmlns:p="http://schemas.openxmlformats.org/presentationml/2006/main">
   <p:cSld>
     <p:spTree>
@@ -9273,91 +11056,6 @@
 </p:sld>
 </file>
 
-<file path=ppt/slides/slide27.xml><?xml version="1.0" encoding="utf-8"?>
-<p:sld xmlns:a="http://schemas.openxmlformats.org/drawingml/2006/main" xmlns:r="http://schemas.openxmlformats.org/officeDocument/2006/relationships" xmlns:p="http://schemas.openxmlformats.org/presentationml/2006/main">
-  <p:cSld>
-    <p:spTree>
-      <p:nvGrpSpPr>
-        <p:cNvPr id="1" name=""/>
-        <p:cNvGrpSpPr/>
-        <p:nvPr/>
-      </p:nvGrpSpPr>
-      <p:grpSpPr>
-        <a:xfrm>
-          <a:off x="0" y="0"/>
-          <a:ext cx="0" cy="0"/>
-          <a:chOff x="0" y="0"/>
-          <a:chExt cx="0" cy="0"/>
-        </a:xfrm>
-      </p:grpSpPr>
-      <p:sp>
-        <p:nvSpPr>
-          <p:cNvPr id="4" name="文本框 3"/>
-          <p:cNvSpPr txBox="1"/>
-          <p:nvPr/>
-        </p:nvSpPr>
-        <p:spPr>
-          <a:xfrm>
-            <a:off x="434283" y="657846"/>
-            <a:ext cx="2426242" cy="461665"/>
-          </a:xfrm>
-          <a:prstGeom prst="rect">
-            <a:avLst/>
-          </a:prstGeom>
-          <a:noFill/>
-        </p:spPr>
-        <p:txBody>
-          <a:bodyPr wrap="none" rtlCol="0">
-            <a:spAutoFit/>
-          </a:bodyPr>
-          <a:lstStyle/>
-          <a:p>
-            <a:r>
-              <a:rPr lang="en-US" altLang="zh-CN" sz="2400" dirty="0">
-                <a:latin typeface="微软雅黑" panose="020B0503020204020204" pitchFamily="34" charset="-122"/>
-                <a:ea typeface="微软雅黑" panose="020B0503020204020204" pitchFamily="34" charset="-122"/>
-              </a:rPr>
-              <a:t>AES Encryption</a:t>
-            </a:r>
-            <a:endParaRPr lang="zh-CN" altLang="en-US" sz="2400" dirty="0">
-              <a:latin typeface="微软雅黑" panose="020B0503020204020204" pitchFamily="34" charset="-122"/>
-              <a:ea typeface="微软雅黑" panose="020B0503020204020204" pitchFamily="34" charset="-122"/>
-            </a:endParaRPr>
-          </a:p>
-        </p:txBody>
-      </p:sp>
-      <p:pic>
-        <p:nvPicPr>
-          <p:cNvPr id="5" name="图片 4"/>
-          <p:cNvPicPr>
-            <a:picLocks noChangeAspect="1"/>
-          </p:cNvPicPr>
-          <p:nvPr/>
-        </p:nvPicPr>
-        <p:blipFill>
-          <a:blip r:embed="rId2"/>
-          <a:stretch>
-            <a:fillRect/>
-          </a:stretch>
-        </p:blipFill>
-        <p:spPr>
-          <a:xfrm>
-            <a:off x="2665758" y="2654367"/>
-            <a:ext cx="7258050" cy="1628775"/>
-          </a:xfrm>
-          <a:prstGeom prst="rect">
-            <a:avLst/>
-          </a:prstGeom>
-        </p:spPr>
-      </p:pic>
-    </p:spTree>
-  </p:cSld>
-  <p:clrMapOvr>
-    <a:masterClrMapping/>
-  </p:clrMapOvr>
-</p:sld>
-</file>
-
 <file path=ppt/slides/slide28.xml><?xml version="1.0" encoding="utf-8"?>
 <p:sld xmlns:a="http://schemas.openxmlformats.org/drawingml/2006/main" xmlns:r="http://schemas.openxmlformats.org/officeDocument/2006/relationships" xmlns:p="http://schemas.openxmlformats.org/presentationml/2006/main">
   <p:cSld>
@@ -9413,43 +11111,26 @@
       </p:sp>
       <p:pic>
         <p:nvPicPr>
-          <p:cNvPr id="2050" name="Picture 2" descr="Lightbox"/>
+          <p:cNvPr id="5" name="图片 4"/>
           <p:cNvPicPr>
-            <a:picLocks noChangeAspect="1" noChangeArrowheads="1"/>
+            <a:picLocks noChangeAspect="1"/>
           </p:cNvPicPr>
           <p:nvPr/>
         </p:nvPicPr>
         <p:blipFill>
-          <a:blip r:embed="rId2">
-            <a:extLst>
-              <a:ext uri="{28A0092B-C50C-407E-A947-70E740481C1C}">
-                <a14:useLocalDpi xmlns:a14="http://schemas.microsoft.com/office/drawing/2010/main" val="0"/>
-              </a:ext>
-            </a:extLst>
-          </a:blip>
-          <a:srcRect/>
+          <a:blip r:embed="rId2"/>
           <a:stretch>
             <a:fillRect/>
           </a:stretch>
         </p:blipFill>
-        <p:spPr bwMode="auto">
-          <a:xfrm>
-            <a:off x="2860525" y="1119511"/>
-            <a:ext cx="7041323" cy="4945052"/>
-          </a:xfrm>
-          <a:prstGeom prst="rect">
-            <a:avLst/>
-          </a:prstGeom>
-          <a:noFill/>
-          <a:extLst>
-            <a:ext uri="{909E8E84-426E-40DD-AFC4-6F175D3DCCD1}">
-              <a14:hiddenFill xmlns:a14="http://schemas.microsoft.com/office/drawing/2010/main">
-                <a:solidFill>
-                  <a:srgbClr val="FFFFFF"/>
-                </a:solidFill>
-              </a14:hiddenFill>
-            </a:ext>
-          </a:extLst>
+        <p:spPr>
+          <a:xfrm>
+            <a:off x="2665758" y="2654367"/>
+            <a:ext cx="7258050" cy="1628775"/>
+          </a:xfrm>
+          <a:prstGeom prst="rect">
+            <a:avLst/>
+          </a:prstGeom>
         </p:spPr>
       </p:pic>
     </p:spTree>
@@ -9457,13 +11138,6 @@
   <p:clrMapOvr>
     <a:masterClrMapping/>
   </p:clrMapOvr>
-  <p:timing>
-    <p:tnLst>
-      <p:par>
-        <p:cTn id="1" dur="indefinite" restart="never" nodeType="tmRoot"/>
-      </p:par>
-    </p:tnLst>
-  </p:timing>
 </p:sld>
 </file>
 
@@ -9522,58 +11196,43 @@
       </p:sp>
       <p:pic>
         <p:nvPicPr>
-          <p:cNvPr id="3" name="图片 2"/>
+          <p:cNvPr id="2050" name="Picture 2" descr="Lightbox"/>
           <p:cNvPicPr>
-            <a:picLocks noChangeAspect="1"/>
+            <a:picLocks noChangeAspect="1" noChangeArrowheads="1"/>
           </p:cNvPicPr>
           <p:nvPr/>
         </p:nvPicPr>
         <p:blipFill>
-          <a:blip r:embed="rId2"/>
+          <a:blip r:embed="rId2">
+            <a:extLst>
+              <a:ext uri="{28A0092B-C50C-407E-A947-70E740481C1C}">
+                <a14:useLocalDpi xmlns:a14="http://schemas.microsoft.com/office/drawing/2010/main" val="0"/>
+              </a:ext>
+            </a:extLst>
+          </a:blip>
+          <a:srcRect/>
           <a:stretch>
             <a:fillRect/>
           </a:stretch>
         </p:blipFill>
-        <p:spPr>
-          <a:xfrm>
-            <a:off x="2653948" y="1855621"/>
-            <a:ext cx="7250297" cy="3594685"/>
-          </a:xfrm>
-          <a:prstGeom prst="rect">
-            <a:avLst/>
-          </a:prstGeom>
-          <a:solidFill>
-            <a:srgbClr val="FFFFFF">
-              <a:shade val="85000"/>
-            </a:srgbClr>
-          </a:solidFill>
-          <a:ln w="88900" cap="sq">
-            <a:solidFill>
-              <a:srgbClr val="FFFFFF"/>
-            </a:solidFill>
-            <a:miter lim="800000"/>
-            <a:headEnd/>
-            <a:tailEnd/>
-          </a:ln>
-          <a:effectLst>
-            <a:outerShdw blurRad="55000" dist="18000" dir="5400000" algn="tl" rotWithShape="0">
-              <a:srgbClr val="000000">
-                <a:alpha val="40000"/>
-              </a:srgbClr>
-            </a:outerShdw>
-          </a:effectLst>
-          <a:scene3d>
-            <a:camera prst="orthographicFront"/>
-            <a:lightRig rig="twoPt" dir="t">
-              <a:rot lat="0" lon="0" rev="7200000"/>
-            </a:lightRig>
-          </a:scene3d>
-          <a:sp3d>
-            <a:bevelT w="25400" h="19050"/>
-            <a:contourClr>
-              <a:srgbClr val="FFFFFF"/>
-            </a:contourClr>
-          </a:sp3d>
+        <p:spPr bwMode="auto">
+          <a:xfrm>
+            <a:off x="2860525" y="1119511"/>
+            <a:ext cx="7041323" cy="4945052"/>
+          </a:xfrm>
+          <a:prstGeom prst="rect">
+            <a:avLst/>
+          </a:prstGeom>
+          <a:noFill/>
+          <a:extLst>
+            <a:ext uri="{909E8E84-426E-40DD-AFC4-6F175D3DCCD1}">
+              <a14:hiddenFill xmlns:a14="http://schemas.microsoft.com/office/drawing/2010/main">
+                <a:solidFill>
+                  <a:srgbClr val="FFFFFF"/>
+                </a:solidFill>
+              </a14:hiddenFill>
+            </a:ext>
+          </a:extLst>
         </p:spPr>
       </p:pic>
     </p:spTree>
@@ -9683,7 +11342,7 @@
       </p:grpSpPr>
       <p:sp>
         <p:nvSpPr>
-          <p:cNvPr id="5" name="文本框 4"/>
+          <p:cNvPr id="4" name="文本框 3"/>
           <p:cNvSpPr txBox="1"/>
           <p:nvPr/>
         </p:nvSpPr>
@@ -9726,15 +11385,15 @@
           <p:nvPr/>
         </p:nvPicPr>
         <p:blipFill>
-          <a:blip r:embed="rId3"/>
+          <a:blip r:embed="rId2"/>
           <a:stretch>
             <a:fillRect/>
           </a:stretch>
         </p:blipFill>
         <p:spPr>
           <a:xfrm>
-            <a:off x="1780675" y="1521994"/>
-            <a:ext cx="8646444" cy="4293407"/>
+            <a:off x="2653948" y="1855621"/>
+            <a:ext cx="7250297" cy="3594685"/>
           </a:xfrm>
           <a:prstGeom prst="rect">
             <a:avLst/>
@@ -9807,594 +11466,96 @@
       </p:grpSpPr>
       <p:sp>
         <p:nvSpPr>
-          <p:cNvPr id="2" name="矩形 1"/>
-          <p:cNvSpPr/>
-          <p:nvPr/>
-        </p:nvSpPr>
-        <p:spPr>
-          <a:xfrm>
-            <a:off x="1612231" y="2941719"/>
-            <a:ext cx="1624263" cy="1648327"/>
-          </a:xfrm>
-          <a:prstGeom prst="rect">
-            <a:avLst/>
-          </a:prstGeom>
-          <a:solidFill>
-            <a:schemeClr val="bg1"/>
-          </a:solidFill>
-          <a:ln>
-            <a:solidFill>
-              <a:schemeClr val="tx1">
-                <a:lumMod val="95000"/>
-                <a:lumOff val="5000"/>
-              </a:schemeClr>
-            </a:solidFill>
-          </a:ln>
-        </p:spPr>
-        <p:style>
-          <a:lnRef idx="2">
-            <a:schemeClr val="accent6"/>
-          </a:lnRef>
-          <a:fillRef idx="1">
-            <a:schemeClr val="lt1"/>
-          </a:fillRef>
-          <a:effectRef idx="0">
-            <a:schemeClr val="accent6"/>
-          </a:effectRef>
-          <a:fontRef idx="minor">
-            <a:schemeClr val="dk1"/>
-          </a:fontRef>
-        </p:style>
-        <p:txBody>
-          <a:bodyPr rtlCol="0" anchor="ctr"/>
-          <a:lstStyle/>
-          <a:p>
-            <a:pPr algn="ctr"/>
-            <a:r>
-              <a:rPr lang="en-US" altLang="zh-CN" sz="2800" dirty="0">
-                <a:latin typeface="黑体" panose="02010609060101010101" pitchFamily="49" charset="-122"/>
-                <a:ea typeface="黑体" panose="02010609060101010101" pitchFamily="49" charset="-122"/>
-              </a:rPr>
-              <a:t>MANAGER</a:t>
-            </a:r>
-            <a:endParaRPr lang="zh-CN" altLang="en-US" sz="2800" dirty="0">
-              <a:latin typeface="黑体" panose="02010609060101010101" pitchFamily="49" charset="-122"/>
-              <a:ea typeface="黑体" panose="02010609060101010101" pitchFamily="49" charset="-122"/>
-            </a:endParaRPr>
-          </a:p>
-        </p:txBody>
-      </p:sp>
-      <p:sp>
-        <p:nvSpPr>
-          <p:cNvPr id="4" name="矩形 3"/>
-          <p:cNvSpPr/>
-          <p:nvPr/>
-        </p:nvSpPr>
-        <p:spPr>
-          <a:xfrm>
-            <a:off x="8758986" y="1991228"/>
-            <a:ext cx="1624263" cy="673769"/>
-          </a:xfrm>
-          <a:prstGeom prst="rect">
-            <a:avLst/>
-          </a:prstGeom>
-          <a:solidFill>
-            <a:schemeClr val="bg1"/>
-          </a:solidFill>
-          <a:ln>
-            <a:solidFill>
-              <a:schemeClr val="tx1">
-                <a:lumMod val="95000"/>
-                <a:lumOff val="5000"/>
-              </a:schemeClr>
-            </a:solidFill>
-          </a:ln>
-        </p:spPr>
-        <p:style>
-          <a:lnRef idx="2">
-            <a:schemeClr val="accent6"/>
-          </a:lnRef>
-          <a:fillRef idx="1">
-            <a:schemeClr val="lt1"/>
-          </a:fillRef>
-          <a:effectRef idx="0">
-            <a:schemeClr val="accent6"/>
-          </a:effectRef>
-          <a:fontRef idx="minor">
-            <a:schemeClr val="dk1"/>
-          </a:fontRef>
-        </p:style>
-        <p:txBody>
-          <a:bodyPr rtlCol="0" anchor="ctr"/>
-          <a:lstStyle/>
-          <a:p>
-            <a:pPr algn="ctr"/>
-            <a:r>
-              <a:rPr lang="en-US" altLang="zh-CN" sz="2800" dirty="0">
-                <a:latin typeface="黑体" panose="02010609060101010101" pitchFamily="49" charset="-122"/>
-                <a:ea typeface="黑体" panose="02010609060101010101" pitchFamily="49" charset="-122"/>
-              </a:rPr>
-              <a:t>ADD</a:t>
-            </a:r>
-            <a:endParaRPr lang="zh-CN" altLang="en-US" sz="2800" dirty="0">
-              <a:latin typeface="黑体" panose="02010609060101010101" pitchFamily="49" charset="-122"/>
-              <a:ea typeface="黑体" panose="02010609060101010101" pitchFamily="49" charset="-122"/>
-            </a:endParaRPr>
-          </a:p>
-        </p:txBody>
-      </p:sp>
-      <p:sp>
-        <p:nvSpPr>
-          <p:cNvPr id="5" name="矩形 4"/>
-          <p:cNvSpPr/>
-          <p:nvPr/>
-        </p:nvSpPr>
-        <p:spPr>
-          <a:xfrm>
-            <a:off x="8758986" y="3413962"/>
-            <a:ext cx="1624263" cy="673769"/>
-          </a:xfrm>
-          <a:prstGeom prst="rect">
-            <a:avLst/>
-          </a:prstGeom>
-          <a:solidFill>
-            <a:schemeClr val="bg1"/>
-          </a:solidFill>
-          <a:ln>
-            <a:solidFill>
-              <a:schemeClr val="tx1">
-                <a:lumMod val="95000"/>
-                <a:lumOff val="5000"/>
-              </a:schemeClr>
-            </a:solidFill>
-          </a:ln>
-        </p:spPr>
-        <p:style>
-          <a:lnRef idx="2">
-            <a:schemeClr val="accent6"/>
-          </a:lnRef>
-          <a:fillRef idx="1">
-            <a:schemeClr val="lt1"/>
-          </a:fillRef>
-          <a:effectRef idx="0">
-            <a:schemeClr val="accent6"/>
-          </a:effectRef>
-          <a:fontRef idx="minor">
-            <a:schemeClr val="dk1"/>
-          </a:fontRef>
-        </p:style>
-        <p:txBody>
-          <a:bodyPr rtlCol="0" anchor="ctr"/>
-          <a:lstStyle/>
-          <a:p>
-            <a:pPr algn="ctr"/>
-            <a:r>
-              <a:rPr lang="en-US" altLang="zh-CN" sz="2800" dirty="0">
-                <a:latin typeface="黑体" panose="02010609060101010101" pitchFamily="49" charset="-122"/>
-                <a:ea typeface="黑体" panose="02010609060101010101" pitchFamily="49" charset="-122"/>
-              </a:rPr>
-              <a:t>LIST</a:t>
-            </a:r>
-            <a:endParaRPr lang="zh-CN" altLang="en-US" sz="2800" dirty="0">
-              <a:latin typeface="黑体" panose="02010609060101010101" pitchFamily="49" charset="-122"/>
-              <a:ea typeface="黑体" panose="02010609060101010101" pitchFamily="49" charset="-122"/>
-            </a:endParaRPr>
-          </a:p>
-        </p:txBody>
-      </p:sp>
-      <p:sp>
-        <p:nvSpPr>
-          <p:cNvPr id="6" name="矩形 5"/>
-          <p:cNvSpPr/>
-          <p:nvPr/>
-        </p:nvSpPr>
-        <p:spPr>
-          <a:xfrm>
-            <a:off x="4860757" y="3510209"/>
-            <a:ext cx="1624263" cy="463218"/>
-          </a:xfrm>
-          <a:prstGeom prst="rect">
-            <a:avLst/>
-          </a:prstGeom>
-          <a:solidFill>
-            <a:schemeClr val="bg1"/>
-          </a:solidFill>
-          <a:ln>
-            <a:solidFill>
-              <a:schemeClr val="bg1">
-                <a:lumMod val="75000"/>
-              </a:schemeClr>
-            </a:solidFill>
-          </a:ln>
-        </p:spPr>
-        <p:style>
-          <a:lnRef idx="2">
-            <a:schemeClr val="accent6"/>
-          </a:lnRef>
-          <a:fillRef idx="1">
-            <a:schemeClr val="lt1"/>
-          </a:fillRef>
-          <a:effectRef idx="0">
-            <a:schemeClr val="accent6"/>
-          </a:effectRef>
-          <a:fontRef idx="minor">
-            <a:schemeClr val="dk1"/>
-          </a:fontRef>
-        </p:style>
-        <p:txBody>
-          <a:bodyPr rtlCol="0" anchor="ctr"/>
-          <a:lstStyle/>
-          <a:p>
-            <a:pPr algn="ctr"/>
-            <a:r>
-              <a:rPr lang="en-US" altLang="zh-CN" sz="2800" dirty="0">
-                <a:solidFill>
-                  <a:schemeClr val="bg1">
-                    <a:lumMod val="75000"/>
-                  </a:schemeClr>
-                </a:solidFill>
-                <a:latin typeface="黑体" panose="02010609060101010101" pitchFamily="49" charset="-122"/>
-                <a:ea typeface="黑体" panose="02010609060101010101" pitchFamily="49" charset="-122"/>
-              </a:rPr>
-              <a:t>ENCRYPT</a:t>
-            </a:r>
-            <a:endParaRPr lang="zh-CN" altLang="en-US" sz="2800" dirty="0">
-              <a:solidFill>
-                <a:schemeClr val="bg1">
-                  <a:lumMod val="75000"/>
-                </a:schemeClr>
-              </a:solidFill>
-              <a:latin typeface="黑体" panose="02010609060101010101" pitchFamily="49" charset="-122"/>
-              <a:ea typeface="黑体" panose="02010609060101010101" pitchFamily="49" charset="-122"/>
-            </a:endParaRPr>
-          </a:p>
-        </p:txBody>
-      </p:sp>
-      <p:sp>
-        <p:nvSpPr>
-          <p:cNvPr id="7" name="矩形 6"/>
-          <p:cNvSpPr/>
-          <p:nvPr/>
-        </p:nvSpPr>
-        <p:spPr>
-          <a:xfrm>
-            <a:off x="8758987" y="4836695"/>
-            <a:ext cx="1624263" cy="673769"/>
-          </a:xfrm>
-          <a:prstGeom prst="rect">
-            <a:avLst/>
-          </a:prstGeom>
-          <a:solidFill>
-            <a:schemeClr val="bg1"/>
-          </a:solidFill>
-          <a:ln>
-            <a:solidFill>
-              <a:schemeClr val="tx1">
-                <a:lumMod val="95000"/>
-                <a:lumOff val="5000"/>
-              </a:schemeClr>
-            </a:solidFill>
-          </a:ln>
-        </p:spPr>
-        <p:style>
-          <a:lnRef idx="2">
-            <a:schemeClr val="accent6"/>
-          </a:lnRef>
-          <a:fillRef idx="1">
-            <a:schemeClr val="lt1"/>
-          </a:fillRef>
-          <a:effectRef idx="0">
-            <a:schemeClr val="accent6"/>
-          </a:effectRef>
-          <a:fontRef idx="minor">
-            <a:schemeClr val="dk1"/>
-          </a:fontRef>
-        </p:style>
-        <p:txBody>
-          <a:bodyPr rtlCol="0" anchor="ctr"/>
-          <a:lstStyle/>
-          <a:p>
-            <a:pPr algn="ctr"/>
-            <a:r>
-              <a:rPr lang="en-US" altLang="zh-CN" sz="2800" dirty="0">
-                <a:latin typeface="黑体" panose="02010609060101010101" pitchFamily="49" charset="-122"/>
-                <a:ea typeface="黑体" panose="02010609060101010101" pitchFamily="49" charset="-122"/>
-              </a:rPr>
-              <a:t>SEARCH</a:t>
-            </a:r>
-            <a:endParaRPr lang="zh-CN" altLang="en-US" sz="2800" dirty="0">
-              <a:latin typeface="黑体" panose="02010609060101010101" pitchFamily="49" charset="-122"/>
-              <a:ea typeface="黑体" panose="02010609060101010101" pitchFamily="49" charset="-122"/>
-            </a:endParaRPr>
-          </a:p>
-        </p:txBody>
-      </p:sp>
-      <p:cxnSp>
-        <p:nvCxnSpPr>
-          <p:cNvPr id="11" name="直接箭头连接符 10"/>
-          <p:cNvCxnSpPr/>
-          <p:nvPr/>
-        </p:nvCxnSpPr>
-        <p:spPr>
-          <a:xfrm>
-            <a:off x="3236494" y="3750847"/>
-            <a:ext cx="1431758" cy="0"/>
-          </a:xfrm>
-          <a:prstGeom prst="straightConnector1">
-            <a:avLst/>
-          </a:prstGeom>
-          <a:ln>
-            <a:solidFill>
-              <a:schemeClr val="tx1">
-                <a:lumMod val="95000"/>
-                <a:lumOff val="5000"/>
-              </a:schemeClr>
-            </a:solidFill>
-            <a:tailEnd type="triangle"/>
-          </a:ln>
-        </p:spPr>
-        <p:style>
-          <a:lnRef idx="1">
-            <a:schemeClr val="accent1"/>
-          </a:lnRef>
-          <a:fillRef idx="0">
-            <a:schemeClr val="accent1"/>
-          </a:fillRef>
-          <a:effectRef idx="0">
-            <a:schemeClr val="accent1"/>
-          </a:effectRef>
-          <a:fontRef idx="minor">
-            <a:schemeClr val="tx1"/>
-          </a:fontRef>
-        </p:style>
-      </p:cxnSp>
-      <p:sp>
-        <p:nvSpPr>
-          <p:cNvPr id="13" name="矩形 12"/>
-          <p:cNvSpPr/>
-          <p:nvPr/>
-        </p:nvSpPr>
-        <p:spPr>
-          <a:xfrm>
-            <a:off x="4668252" y="2917655"/>
-            <a:ext cx="2045367" cy="1648327"/>
+          <p:cNvPr id="5" name="文本框 4"/>
+          <p:cNvSpPr txBox="1"/>
+          <p:nvPr/>
+        </p:nvSpPr>
+        <p:spPr>
+          <a:xfrm>
+            <a:off x="434283" y="657846"/>
+            <a:ext cx="2426242" cy="461665"/>
           </a:xfrm>
           <a:prstGeom prst="rect">
             <a:avLst/>
           </a:prstGeom>
           <a:noFill/>
-          <a:ln w="28575">
-            <a:solidFill>
-              <a:schemeClr val="bg1">
-                <a:lumMod val="75000"/>
-              </a:schemeClr>
-            </a:solidFill>
-            <a:prstDash val="dash"/>
-          </a:ln>
-        </p:spPr>
-        <p:style>
-          <a:lnRef idx="2">
-            <a:schemeClr val="accent1">
-              <a:shade val="50000"/>
-            </a:schemeClr>
-          </a:lnRef>
-          <a:fillRef idx="1">
-            <a:schemeClr val="accent1"/>
-          </a:fillRef>
-          <a:effectRef idx="0">
-            <a:schemeClr val="accent1"/>
-          </a:effectRef>
-          <a:fontRef idx="minor">
-            <a:schemeClr val="lt1"/>
-          </a:fontRef>
-        </p:style>
-        <p:txBody>
-          <a:bodyPr rtlCol="0" anchor="ctr"/>
-          <a:lstStyle/>
-          <a:p>
-            <a:pPr algn="ctr"/>
-            <a:endParaRPr lang="zh-CN" altLang="en-US">
-              <a:solidFill>
-                <a:schemeClr val="bg1">
-                  <a:lumMod val="75000"/>
-                </a:schemeClr>
-              </a:solidFill>
-            </a:endParaRPr>
-          </a:p>
-        </p:txBody>
-      </p:sp>
-      <p:cxnSp>
-        <p:nvCxnSpPr>
-          <p:cNvPr id="14" name="直接箭头连接符 13"/>
-          <p:cNvCxnSpPr>
-            <a:endCxn id="5" idx="1"/>
-          </p:cNvCxnSpPr>
-          <p:nvPr/>
-        </p:nvCxnSpPr>
-        <p:spPr>
-          <a:xfrm>
-            <a:off x="6713619" y="3750847"/>
-            <a:ext cx="2045367" cy="0"/>
-          </a:xfrm>
-          <a:prstGeom prst="straightConnector1">
-            <a:avLst/>
-          </a:prstGeom>
-          <a:ln>
-            <a:solidFill>
-              <a:schemeClr val="tx1">
-                <a:lumMod val="95000"/>
-                <a:lumOff val="5000"/>
-              </a:schemeClr>
-            </a:solidFill>
-            <a:tailEnd type="triangle"/>
-          </a:ln>
-        </p:spPr>
-        <p:style>
-          <a:lnRef idx="1">
-            <a:schemeClr val="accent1"/>
-          </a:lnRef>
-          <a:fillRef idx="0">
-            <a:schemeClr val="accent1"/>
-          </a:fillRef>
-          <a:effectRef idx="0">
-            <a:schemeClr val="accent1"/>
-          </a:effectRef>
-          <a:fontRef idx="minor">
-            <a:schemeClr val="tx1"/>
-          </a:fontRef>
-        </p:style>
-      </p:cxnSp>
-      <p:cxnSp>
-        <p:nvCxnSpPr>
-          <p:cNvPr id="17" name="直接箭头连接符 16"/>
-          <p:cNvCxnSpPr/>
-          <p:nvPr/>
-        </p:nvCxnSpPr>
-        <p:spPr>
-          <a:xfrm>
-            <a:off x="8073189" y="2343153"/>
-            <a:ext cx="685797" cy="0"/>
-          </a:xfrm>
-          <a:prstGeom prst="straightConnector1">
-            <a:avLst/>
-          </a:prstGeom>
-          <a:ln>
-            <a:solidFill>
-              <a:schemeClr val="tx1">
-                <a:lumMod val="95000"/>
-                <a:lumOff val="5000"/>
-              </a:schemeClr>
-            </a:solidFill>
-            <a:tailEnd type="triangle"/>
-          </a:ln>
-        </p:spPr>
-        <p:style>
-          <a:lnRef idx="1">
-            <a:schemeClr val="accent1"/>
-          </a:lnRef>
-          <a:fillRef idx="0">
-            <a:schemeClr val="accent1"/>
-          </a:fillRef>
-          <a:effectRef idx="0">
-            <a:schemeClr val="accent1"/>
-          </a:effectRef>
-          <a:fontRef idx="minor">
-            <a:schemeClr val="tx1"/>
-          </a:fontRef>
-        </p:style>
-      </p:cxnSp>
-      <p:cxnSp>
-        <p:nvCxnSpPr>
-          <p:cNvPr id="19" name="直接箭头连接符 18"/>
-          <p:cNvCxnSpPr/>
-          <p:nvPr/>
-        </p:nvCxnSpPr>
-        <p:spPr>
-          <a:xfrm>
-            <a:off x="8073189" y="5170574"/>
-            <a:ext cx="685797" cy="0"/>
-          </a:xfrm>
-          <a:prstGeom prst="straightConnector1">
-            <a:avLst/>
-          </a:prstGeom>
-          <a:ln>
-            <a:solidFill>
-              <a:schemeClr val="tx1">
-                <a:lumMod val="95000"/>
-                <a:lumOff val="5000"/>
-              </a:schemeClr>
-            </a:solidFill>
-            <a:tailEnd type="triangle"/>
-          </a:ln>
-        </p:spPr>
-        <p:style>
-          <a:lnRef idx="1">
-            <a:schemeClr val="accent1"/>
-          </a:lnRef>
-          <a:fillRef idx="0">
-            <a:schemeClr val="accent1"/>
-          </a:fillRef>
-          <a:effectRef idx="0">
-            <a:schemeClr val="accent1"/>
-          </a:effectRef>
-          <a:fontRef idx="minor">
-            <a:schemeClr val="tx1"/>
-          </a:fontRef>
-        </p:style>
-      </p:cxnSp>
-      <p:cxnSp>
-        <p:nvCxnSpPr>
-          <p:cNvPr id="21" name="直接连接符 20"/>
-          <p:cNvCxnSpPr/>
-          <p:nvPr/>
-        </p:nvCxnSpPr>
-        <p:spPr>
-          <a:xfrm>
-            <a:off x="8073189" y="2343153"/>
-            <a:ext cx="0" cy="2842458"/>
-          </a:xfrm>
-          <a:prstGeom prst="line">
-            <a:avLst/>
-          </a:prstGeom>
-          <a:ln>
-            <a:solidFill>
-              <a:schemeClr val="tx1">
-                <a:lumMod val="95000"/>
-                <a:lumOff val="5000"/>
-              </a:schemeClr>
-            </a:solidFill>
-          </a:ln>
-        </p:spPr>
-        <p:style>
-          <a:lnRef idx="1">
-            <a:schemeClr val="accent1"/>
-          </a:lnRef>
-          <a:fillRef idx="0">
-            <a:schemeClr val="accent1"/>
-          </a:fillRef>
-          <a:effectRef idx="0">
-            <a:schemeClr val="accent1"/>
-          </a:effectRef>
-          <a:fontRef idx="minor">
-            <a:schemeClr val="tx1"/>
-          </a:fontRef>
-        </p:style>
-      </p:cxnSp>
-      <p:sp>
-        <p:nvSpPr>
-          <p:cNvPr id="15" name="矩形 14"/>
-          <p:cNvSpPr/>
-          <p:nvPr/>
-        </p:nvSpPr>
-        <p:spPr>
-          <a:xfrm>
-            <a:off x="4357878" y="708617"/>
-            <a:ext cx="2666114" cy="584775"/>
-          </a:xfrm>
-          <a:prstGeom prst="rect">
-            <a:avLst/>
-          </a:prstGeom>
-        </p:spPr>
-        <p:txBody>
-          <a:bodyPr wrap="none">
+        </p:spPr>
+        <p:txBody>
+          <a:bodyPr wrap="none" rtlCol="0">
             <a:spAutoFit/>
           </a:bodyPr>
           <a:lstStyle/>
           <a:p>
             <a:r>
-              <a:rPr lang="en-US" altLang="zh-CN" sz="3200" b="1" dirty="0">
+              <a:rPr lang="en-US" altLang="zh-CN" sz="2400" dirty="0">
                 <a:latin typeface="微软雅黑" panose="020B0503020204020204" pitchFamily="34" charset="-122"/>
                 <a:ea typeface="微软雅黑" panose="020B0503020204020204" pitchFamily="34" charset="-122"/>
               </a:rPr>
-              <a:t>STRUCTURE</a:t>
-            </a:r>
-            <a:endParaRPr lang="zh-CN" altLang="en-US" sz="3200" b="1" dirty="0">
+              <a:t>AES Encryption</a:t>
+            </a:r>
+            <a:endParaRPr lang="zh-CN" altLang="en-US" sz="2400" dirty="0">
               <a:latin typeface="微软雅黑" panose="020B0503020204020204" pitchFamily="34" charset="-122"/>
               <a:ea typeface="微软雅黑" panose="020B0503020204020204" pitchFamily="34" charset="-122"/>
             </a:endParaRPr>
           </a:p>
         </p:txBody>
       </p:sp>
+      <p:pic>
+        <p:nvPicPr>
+          <p:cNvPr id="3" name="图片 2"/>
+          <p:cNvPicPr>
+            <a:picLocks noChangeAspect="1"/>
+          </p:cNvPicPr>
+          <p:nvPr/>
+        </p:nvPicPr>
+        <p:blipFill>
+          <a:blip r:embed="rId3"/>
+          <a:stretch>
+            <a:fillRect/>
+          </a:stretch>
+        </p:blipFill>
+        <p:spPr>
+          <a:xfrm>
+            <a:off x="1780675" y="1521994"/>
+            <a:ext cx="8646444" cy="4293407"/>
+          </a:xfrm>
+          <a:prstGeom prst="rect">
+            <a:avLst/>
+          </a:prstGeom>
+          <a:solidFill>
+            <a:srgbClr val="FFFFFF">
+              <a:shade val="85000"/>
+            </a:srgbClr>
+          </a:solidFill>
+          <a:ln w="88900" cap="sq">
+            <a:solidFill>
+              <a:srgbClr val="FFFFFF"/>
+            </a:solidFill>
+            <a:miter lim="800000"/>
+            <a:headEnd/>
+            <a:tailEnd/>
+          </a:ln>
+          <a:effectLst>
+            <a:outerShdw blurRad="55000" dist="18000" dir="5400000" algn="tl" rotWithShape="0">
+              <a:srgbClr val="000000">
+                <a:alpha val="40000"/>
+              </a:srgbClr>
+            </a:outerShdw>
+          </a:effectLst>
+          <a:scene3d>
+            <a:camera prst="orthographicFront"/>
+            <a:lightRig rig="twoPt" dir="t">
+              <a:rot lat="0" lon="0" rev="7200000"/>
+            </a:lightRig>
+          </a:scene3d>
+          <a:sp3d>
+            <a:bevelT w="25400" h="19050"/>
+            <a:contourClr>
+              <a:srgbClr val="FFFFFF"/>
+            </a:contourClr>
+          </a:sp3d>
+        </p:spPr>
+      </p:pic>
     </p:spTree>
   </p:cSld>
   <p:clrMapOvr>
@@ -10429,6 +11590,264 @@
       </p:grpSpPr>
       <p:sp>
         <p:nvSpPr>
+          <p:cNvPr id="5" name="矩形 4"/>
+          <p:cNvSpPr/>
+          <p:nvPr/>
+        </p:nvSpPr>
+        <p:spPr>
+          <a:xfrm>
+            <a:off x="8461964" y="2032271"/>
+            <a:ext cx="2220686" cy="2232562"/>
+          </a:xfrm>
+          <a:prstGeom prst="rect">
+            <a:avLst/>
+          </a:prstGeom>
+          <a:noFill/>
+          <a:ln w="19050">
+            <a:solidFill>
+              <a:schemeClr val="tx1"/>
+            </a:solidFill>
+          </a:ln>
+        </p:spPr>
+        <p:style>
+          <a:lnRef idx="2">
+            <a:schemeClr val="accent1">
+              <a:shade val="50000"/>
+            </a:schemeClr>
+          </a:lnRef>
+          <a:fillRef idx="1">
+            <a:schemeClr val="accent1"/>
+          </a:fillRef>
+          <a:effectRef idx="0">
+            <a:schemeClr val="accent1"/>
+          </a:effectRef>
+          <a:fontRef idx="minor">
+            <a:schemeClr val="lt1"/>
+          </a:fontRef>
+        </p:style>
+        <p:txBody>
+          <a:bodyPr rtlCol="0" anchor="ctr"/>
+          <a:lstStyle/>
+          <a:p>
+            <a:pPr algn="ctr"/>
+            <a:endParaRPr lang="en-US" altLang="zh-CN" dirty="0" smtClean="0">
+              <a:solidFill>
+                <a:schemeClr val="tx1"/>
+              </a:solidFill>
+              <a:latin typeface="微软雅黑" panose="020B0503020204020204" pitchFamily="34" charset="-122"/>
+              <a:ea typeface="微软雅黑" panose="020B0503020204020204" pitchFamily="34" charset="-122"/>
+            </a:endParaRPr>
+          </a:p>
+          <a:p>
+            <a:pPr algn="ctr"/>
+            <a:r>
+              <a:rPr lang="en-US" altLang="zh-CN" dirty="0" smtClean="0">
+                <a:solidFill>
+                  <a:schemeClr val="tx1"/>
+                </a:solidFill>
+                <a:latin typeface="微软雅黑" panose="020B0503020204020204" pitchFamily="34" charset="-122"/>
+                <a:ea typeface="微软雅黑" panose="020B0503020204020204" pitchFamily="34" charset="-122"/>
+              </a:rPr>
+              <a:t>AES </a:t>
+            </a:r>
+            <a:r>
+              <a:rPr lang="en-US" altLang="zh-CN" dirty="0">
+                <a:solidFill>
+                  <a:schemeClr val="tx1"/>
+                </a:solidFill>
+                <a:latin typeface="微软雅黑" panose="020B0503020204020204" pitchFamily="34" charset="-122"/>
+                <a:ea typeface="微软雅黑" panose="020B0503020204020204" pitchFamily="34" charset="-122"/>
+              </a:rPr>
+              <a:t>Encryption</a:t>
+            </a:r>
+            <a:endParaRPr lang="zh-CN" altLang="en-US" dirty="0">
+              <a:solidFill>
+                <a:schemeClr val="tx1"/>
+              </a:solidFill>
+              <a:latin typeface="微软雅黑" panose="020B0503020204020204" pitchFamily="34" charset="-122"/>
+              <a:ea typeface="微软雅黑" panose="020B0503020204020204" pitchFamily="34" charset="-122"/>
+            </a:endParaRPr>
+          </a:p>
+          <a:p>
+            <a:pPr algn="ctr"/>
+            <a:endParaRPr lang="zh-CN" altLang="en-US" dirty="0"/>
+          </a:p>
+        </p:txBody>
+      </p:sp>
+      <p:sp>
+        <p:nvSpPr>
+          <p:cNvPr id="6" name="矩形 5"/>
+          <p:cNvSpPr/>
+          <p:nvPr/>
+        </p:nvSpPr>
+        <p:spPr>
+          <a:xfrm>
+            <a:off x="4983474" y="2032271"/>
+            <a:ext cx="2220686" cy="2232562"/>
+          </a:xfrm>
+          <a:prstGeom prst="rect">
+            <a:avLst/>
+          </a:prstGeom>
+          <a:noFill/>
+          <a:ln w="57150">
+            <a:solidFill>
+              <a:srgbClr val="FF0000"/>
+            </a:solidFill>
+          </a:ln>
+        </p:spPr>
+        <p:style>
+          <a:lnRef idx="2">
+            <a:schemeClr val="accent1">
+              <a:shade val="50000"/>
+            </a:schemeClr>
+          </a:lnRef>
+          <a:fillRef idx="1">
+            <a:schemeClr val="accent1"/>
+          </a:fillRef>
+          <a:effectRef idx="0">
+            <a:schemeClr val="accent1"/>
+          </a:effectRef>
+          <a:fontRef idx="minor">
+            <a:schemeClr val="lt1"/>
+          </a:fontRef>
+        </p:style>
+        <p:txBody>
+          <a:bodyPr rtlCol="0" anchor="ctr"/>
+          <a:lstStyle/>
+          <a:p>
+            <a:pPr algn="ctr"/>
+            <a:endParaRPr lang="en-US" altLang="zh-CN" dirty="0" smtClean="0">
+              <a:solidFill>
+                <a:schemeClr val="tx1"/>
+              </a:solidFill>
+              <a:latin typeface="微软雅黑" panose="020B0503020204020204" pitchFamily="34" charset="-122"/>
+              <a:ea typeface="微软雅黑" panose="020B0503020204020204" pitchFamily="34" charset="-122"/>
+            </a:endParaRPr>
+          </a:p>
+          <a:p>
+            <a:pPr algn="ctr"/>
+            <a:r>
+              <a:rPr lang="en-US" altLang="zh-CN" dirty="0" smtClean="0">
+                <a:solidFill>
+                  <a:schemeClr val="tx1"/>
+                </a:solidFill>
+                <a:latin typeface="微软雅黑" panose="020B0503020204020204" pitchFamily="34" charset="-122"/>
+                <a:ea typeface="微软雅黑" panose="020B0503020204020204" pitchFamily="34" charset="-122"/>
+              </a:rPr>
+              <a:t>RSA </a:t>
+            </a:r>
+            <a:r>
+              <a:rPr lang="en-US" altLang="zh-CN" dirty="0">
+                <a:solidFill>
+                  <a:schemeClr val="tx1"/>
+                </a:solidFill>
+                <a:latin typeface="微软雅黑" panose="020B0503020204020204" pitchFamily="34" charset="-122"/>
+                <a:ea typeface="微软雅黑" panose="020B0503020204020204" pitchFamily="34" charset="-122"/>
+              </a:rPr>
+              <a:t>Encryption</a:t>
+            </a:r>
+            <a:endParaRPr lang="zh-CN" altLang="en-US" dirty="0">
+              <a:solidFill>
+                <a:schemeClr val="tx1"/>
+              </a:solidFill>
+              <a:latin typeface="微软雅黑" panose="020B0503020204020204" pitchFamily="34" charset="-122"/>
+              <a:ea typeface="微软雅黑" panose="020B0503020204020204" pitchFamily="34" charset="-122"/>
+            </a:endParaRPr>
+          </a:p>
+          <a:p>
+            <a:pPr algn="ctr"/>
+            <a:endParaRPr lang="zh-CN" altLang="en-US" dirty="0"/>
+          </a:p>
+        </p:txBody>
+      </p:sp>
+      <p:sp>
+        <p:nvSpPr>
+          <p:cNvPr id="7" name="矩形 6"/>
+          <p:cNvSpPr/>
+          <p:nvPr/>
+        </p:nvSpPr>
+        <p:spPr>
+          <a:xfrm>
+            <a:off x="1504984" y="2032271"/>
+            <a:ext cx="2220686" cy="2232562"/>
+          </a:xfrm>
+          <a:prstGeom prst="rect">
+            <a:avLst/>
+          </a:prstGeom>
+          <a:noFill/>
+          <a:ln w="19050">
+            <a:solidFill>
+              <a:schemeClr val="tx1"/>
+            </a:solidFill>
+          </a:ln>
+        </p:spPr>
+        <p:style>
+          <a:lnRef idx="2">
+            <a:schemeClr val="accent1">
+              <a:shade val="50000"/>
+            </a:schemeClr>
+          </a:lnRef>
+          <a:fillRef idx="1">
+            <a:schemeClr val="accent1"/>
+          </a:fillRef>
+          <a:effectRef idx="0">
+            <a:schemeClr val="accent1"/>
+          </a:effectRef>
+          <a:fontRef idx="minor">
+            <a:schemeClr val="lt1"/>
+          </a:fontRef>
+        </p:style>
+        <p:txBody>
+          <a:bodyPr rtlCol="0" anchor="ctr"/>
+          <a:lstStyle/>
+          <a:p>
+            <a:pPr algn="ctr"/>
+            <a:r>
+              <a:rPr lang="en-US" altLang="zh-CN" dirty="0">
+                <a:solidFill>
+                  <a:schemeClr val="tx1"/>
+                </a:solidFill>
+                <a:latin typeface="微软雅黑" panose="020B0503020204020204" pitchFamily="34" charset="-122"/>
+                <a:ea typeface="微软雅黑" panose="020B0503020204020204" pitchFamily="34" charset="-122"/>
+              </a:rPr>
+              <a:t>Vigenere cipher </a:t>
+            </a:r>
+            <a:endParaRPr lang="zh-CN" altLang="en-US" dirty="0"/>
+          </a:p>
+        </p:txBody>
+      </p:sp>
+    </p:spTree>
+    <p:extLst>
+      <p:ext uri="{BB962C8B-B14F-4D97-AF65-F5344CB8AC3E}">
+        <p14:creationId xmlns:p14="http://schemas.microsoft.com/office/powerpoint/2010/main" val="1818695186"/>
+      </p:ext>
+    </p:extLst>
+  </p:cSld>
+  <p:clrMapOvr>
+    <a:masterClrMapping/>
+  </p:clrMapOvr>
+</p:sld>
+</file>
+
+<file path=ppt/slides/slide33.xml><?xml version="1.0" encoding="utf-8"?>
+<p:sld xmlns:a="http://schemas.openxmlformats.org/drawingml/2006/main" xmlns:r="http://schemas.openxmlformats.org/officeDocument/2006/relationships" xmlns:p="http://schemas.openxmlformats.org/presentationml/2006/main">
+  <p:cSld>
+    <p:spTree>
+      <p:nvGrpSpPr>
+        <p:cNvPr id="1" name=""/>
+        <p:cNvGrpSpPr/>
+        <p:nvPr/>
+      </p:nvGrpSpPr>
+      <p:grpSpPr>
+        <a:xfrm>
+          <a:off x="0" y="0"/>
+          <a:ext cx="0" cy="0"/>
+          <a:chOff x="0" y="0"/>
+          <a:chExt cx="0" cy="0"/>
+        </a:xfrm>
+      </p:grpSpPr>
+      <p:sp>
+        <p:nvSpPr>
           <p:cNvPr id="2" name="矩形 1"/>
           <p:cNvSpPr/>
           <p:nvPr/>
@@ -11017,6 +12436,628 @@
           </a:p>
         </p:txBody>
       </p:sp>
+    </p:spTree>
+  </p:cSld>
+  <p:clrMapOvr>
+    <a:masterClrMapping/>
+  </p:clrMapOvr>
+  <p:timing>
+    <p:tnLst>
+      <p:par>
+        <p:cTn id="1" dur="indefinite" restart="never" nodeType="tmRoot"/>
+      </p:par>
+    </p:tnLst>
+  </p:timing>
+</p:sld>
+</file>
+
+<file path=ppt/slides/slide34.xml><?xml version="1.0" encoding="utf-8"?>
+<p:sld xmlns:a="http://schemas.openxmlformats.org/drawingml/2006/main" xmlns:r="http://schemas.openxmlformats.org/officeDocument/2006/relationships" xmlns:p="http://schemas.openxmlformats.org/presentationml/2006/main">
+  <p:cSld>
+    <p:spTree>
+      <p:nvGrpSpPr>
+        <p:cNvPr id="1" name=""/>
+        <p:cNvGrpSpPr/>
+        <p:nvPr/>
+      </p:nvGrpSpPr>
+      <p:grpSpPr>
+        <a:xfrm>
+          <a:off x="0" y="0"/>
+          <a:ext cx="0" cy="0"/>
+          <a:chOff x="0" y="0"/>
+          <a:chExt cx="0" cy="0"/>
+        </a:xfrm>
+      </p:grpSpPr>
+      <p:sp>
+        <p:nvSpPr>
+          <p:cNvPr id="2" name="矩形 1"/>
+          <p:cNvSpPr/>
+          <p:nvPr/>
+        </p:nvSpPr>
+        <p:spPr>
+          <a:xfrm>
+            <a:off x="1612231" y="2941719"/>
+            <a:ext cx="1624263" cy="1648327"/>
+          </a:xfrm>
+          <a:prstGeom prst="rect">
+            <a:avLst/>
+          </a:prstGeom>
+          <a:solidFill>
+            <a:schemeClr val="bg1"/>
+          </a:solidFill>
+          <a:ln>
+            <a:solidFill>
+              <a:schemeClr val="tx1">
+                <a:lumMod val="95000"/>
+                <a:lumOff val="5000"/>
+              </a:schemeClr>
+            </a:solidFill>
+          </a:ln>
+        </p:spPr>
+        <p:style>
+          <a:lnRef idx="2">
+            <a:schemeClr val="accent6"/>
+          </a:lnRef>
+          <a:fillRef idx="1">
+            <a:schemeClr val="lt1"/>
+          </a:fillRef>
+          <a:effectRef idx="0">
+            <a:schemeClr val="accent6"/>
+          </a:effectRef>
+          <a:fontRef idx="minor">
+            <a:schemeClr val="dk1"/>
+          </a:fontRef>
+        </p:style>
+        <p:txBody>
+          <a:bodyPr rtlCol="0" anchor="ctr"/>
+          <a:lstStyle/>
+          <a:p>
+            <a:pPr algn="ctr"/>
+            <a:r>
+              <a:rPr lang="en-US" altLang="zh-CN" sz="2800" dirty="0">
+                <a:latin typeface="黑体" panose="02010609060101010101" pitchFamily="49" charset="-122"/>
+                <a:ea typeface="黑体" panose="02010609060101010101" pitchFamily="49" charset="-122"/>
+              </a:rPr>
+              <a:t>MANAGER</a:t>
+            </a:r>
+            <a:endParaRPr lang="zh-CN" altLang="en-US" sz="2800" dirty="0">
+              <a:latin typeface="黑体" panose="02010609060101010101" pitchFamily="49" charset="-122"/>
+              <a:ea typeface="黑体" panose="02010609060101010101" pitchFamily="49" charset="-122"/>
+            </a:endParaRPr>
+          </a:p>
+        </p:txBody>
+      </p:sp>
+      <p:sp>
+        <p:nvSpPr>
+          <p:cNvPr id="4" name="矩形 3"/>
+          <p:cNvSpPr/>
+          <p:nvPr/>
+        </p:nvSpPr>
+        <p:spPr>
+          <a:xfrm>
+            <a:off x="8758986" y="1991228"/>
+            <a:ext cx="1624263" cy="673769"/>
+          </a:xfrm>
+          <a:prstGeom prst="rect">
+            <a:avLst/>
+          </a:prstGeom>
+          <a:solidFill>
+            <a:schemeClr val="bg1"/>
+          </a:solidFill>
+          <a:ln>
+            <a:solidFill>
+              <a:schemeClr val="tx1">
+                <a:lumMod val="95000"/>
+                <a:lumOff val="5000"/>
+              </a:schemeClr>
+            </a:solidFill>
+          </a:ln>
+        </p:spPr>
+        <p:style>
+          <a:lnRef idx="2">
+            <a:schemeClr val="accent6"/>
+          </a:lnRef>
+          <a:fillRef idx="1">
+            <a:schemeClr val="lt1"/>
+          </a:fillRef>
+          <a:effectRef idx="0">
+            <a:schemeClr val="accent6"/>
+          </a:effectRef>
+          <a:fontRef idx="minor">
+            <a:schemeClr val="dk1"/>
+          </a:fontRef>
+        </p:style>
+        <p:txBody>
+          <a:bodyPr rtlCol="0" anchor="ctr"/>
+          <a:lstStyle/>
+          <a:p>
+            <a:pPr algn="ctr"/>
+            <a:r>
+              <a:rPr lang="en-US" altLang="zh-CN" sz="2800" dirty="0">
+                <a:latin typeface="黑体" panose="02010609060101010101" pitchFamily="49" charset="-122"/>
+                <a:ea typeface="黑体" panose="02010609060101010101" pitchFamily="49" charset="-122"/>
+              </a:rPr>
+              <a:t>ADD</a:t>
+            </a:r>
+            <a:endParaRPr lang="zh-CN" altLang="en-US" sz="2800" dirty="0">
+              <a:latin typeface="黑体" panose="02010609060101010101" pitchFamily="49" charset="-122"/>
+              <a:ea typeface="黑体" panose="02010609060101010101" pitchFamily="49" charset="-122"/>
+            </a:endParaRPr>
+          </a:p>
+        </p:txBody>
+      </p:sp>
+      <p:sp>
+        <p:nvSpPr>
+          <p:cNvPr id="5" name="矩形 4"/>
+          <p:cNvSpPr/>
+          <p:nvPr/>
+        </p:nvSpPr>
+        <p:spPr>
+          <a:xfrm>
+            <a:off x="8758986" y="3413962"/>
+            <a:ext cx="1624263" cy="673769"/>
+          </a:xfrm>
+          <a:prstGeom prst="rect">
+            <a:avLst/>
+          </a:prstGeom>
+          <a:solidFill>
+            <a:schemeClr val="bg1"/>
+          </a:solidFill>
+          <a:ln>
+            <a:solidFill>
+              <a:schemeClr val="tx1">
+                <a:lumMod val="95000"/>
+                <a:lumOff val="5000"/>
+              </a:schemeClr>
+            </a:solidFill>
+          </a:ln>
+        </p:spPr>
+        <p:style>
+          <a:lnRef idx="2">
+            <a:schemeClr val="accent6"/>
+          </a:lnRef>
+          <a:fillRef idx="1">
+            <a:schemeClr val="lt1"/>
+          </a:fillRef>
+          <a:effectRef idx="0">
+            <a:schemeClr val="accent6"/>
+          </a:effectRef>
+          <a:fontRef idx="minor">
+            <a:schemeClr val="dk1"/>
+          </a:fontRef>
+        </p:style>
+        <p:txBody>
+          <a:bodyPr rtlCol="0" anchor="ctr"/>
+          <a:lstStyle/>
+          <a:p>
+            <a:pPr algn="ctr"/>
+            <a:r>
+              <a:rPr lang="en-US" altLang="zh-CN" sz="2800" dirty="0">
+                <a:latin typeface="黑体" panose="02010609060101010101" pitchFamily="49" charset="-122"/>
+                <a:ea typeface="黑体" panose="02010609060101010101" pitchFamily="49" charset="-122"/>
+              </a:rPr>
+              <a:t>LIST</a:t>
+            </a:r>
+            <a:endParaRPr lang="zh-CN" altLang="en-US" sz="2800" dirty="0">
+              <a:latin typeface="黑体" panose="02010609060101010101" pitchFamily="49" charset="-122"/>
+              <a:ea typeface="黑体" panose="02010609060101010101" pitchFamily="49" charset="-122"/>
+            </a:endParaRPr>
+          </a:p>
+        </p:txBody>
+      </p:sp>
+      <p:sp>
+        <p:nvSpPr>
+          <p:cNvPr id="6" name="矩形 5"/>
+          <p:cNvSpPr/>
+          <p:nvPr/>
+        </p:nvSpPr>
+        <p:spPr>
+          <a:xfrm>
+            <a:off x="4860757" y="3510209"/>
+            <a:ext cx="1624263" cy="463218"/>
+          </a:xfrm>
+          <a:prstGeom prst="rect">
+            <a:avLst/>
+          </a:prstGeom>
+          <a:solidFill>
+            <a:schemeClr val="bg1"/>
+          </a:solidFill>
+          <a:ln>
+            <a:solidFill>
+              <a:schemeClr val="bg1">
+                <a:lumMod val="75000"/>
+              </a:schemeClr>
+            </a:solidFill>
+          </a:ln>
+        </p:spPr>
+        <p:style>
+          <a:lnRef idx="2">
+            <a:schemeClr val="accent6"/>
+          </a:lnRef>
+          <a:fillRef idx="1">
+            <a:schemeClr val="lt1"/>
+          </a:fillRef>
+          <a:effectRef idx="0">
+            <a:schemeClr val="accent6"/>
+          </a:effectRef>
+          <a:fontRef idx="minor">
+            <a:schemeClr val="dk1"/>
+          </a:fontRef>
+        </p:style>
+        <p:txBody>
+          <a:bodyPr rtlCol="0" anchor="ctr"/>
+          <a:lstStyle/>
+          <a:p>
+            <a:pPr algn="ctr"/>
+            <a:r>
+              <a:rPr lang="en-US" altLang="zh-CN" sz="2800" dirty="0">
+                <a:solidFill>
+                  <a:schemeClr val="bg1">
+                    <a:lumMod val="75000"/>
+                  </a:schemeClr>
+                </a:solidFill>
+                <a:latin typeface="黑体" panose="02010609060101010101" pitchFamily="49" charset="-122"/>
+                <a:ea typeface="黑体" panose="02010609060101010101" pitchFamily="49" charset="-122"/>
+              </a:rPr>
+              <a:t>ENCRYPT</a:t>
+            </a:r>
+            <a:endParaRPr lang="zh-CN" altLang="en-US" sz="2800" dirty="0">
+              <a:solidFill>
+                <a:schemeClr val="bg1">
+                  <a:lumMod val="75000"/>
+                </a:schemeClr>
+              </a:solidFill>
+              <a:latin typeface="黑体" panose="02010609060101010101" pitchFamily="49" charset="-122"/>
+              <a:ea typeface="黑体" panose="02010609060101010101" pitchFamily="49" charset="-122"/>
+            </a:endParaRPr>
+          </a:p>
+        </p:txBody>
+      </p:sp>
+      <p:sp>
+        <p:nvSpPr>
+          <p:cNvPr id="7" name="矩形 6"/>
+          <p:cNvSpPr/>
+          <p:nvPr/>
+        </p:nvSpPr>
+        <p:spPr>
+          <a:xfrm>
+            <a:off x="8758987" y="4836695"/>
+            <a:ext cx="1624263" cy="673769"/>
+          </a:xfrm>
+          <a:prstGeom prst="rect">
+            <a:avLst/>
+          </a:prstGeom>
+          <a:solidFill>
+            <a:schemeClr val="bg1"/>
+          </a:solidFill>
+          <a:ln>
+            <a:solidFill>
+              <a:schemeClr val="tx1">
+                <a:lumMod val="95000"/>
+                <a:lumOff val="5000"/>
+              </a:schemeClr>
+            </a:solidFill>
+          </a:ln>
+        </p:spPr>
+        <p:style>
+          <a:lnRef idx="2">
+            <a:schemeClr val="accent6"/>
+          </a:lnRef>
+          <a:fillRef idx="1">
+            <a:schemeClr val="lt1"/>
+          </a:fillRef>
+          <a:effectRef idx="0">
+            <a:schemeClr val="accent6"/>
+          </a:effectRef>
+          <a:fontRef idx="minor">
+            <a:schemeClr val="dk1"/>
+          </a:fontRef>
+        </p:style>
+        <p:txBody>
+          <a:bodyPr rtlCol="0" anchor="ctr"/>
+          <a:lstStyle/>
+          <a:p>
+            <a:pPr algn="ctr"/>
+            <a:r>
+              <a:rPr lang="en-US" altLang="zh-CN" sz="2800" dirty="0">
+                <a:latin typeface="黑体" panose="02010609060101010101" pitchFamily="49" charset="-122"/>
+                <a:ea typeface="黑体" panose="02010609060101010101" pitchFamily="49" charset="-122"/>
+              </a:rPr>
+              <a:t>SEARCH</a:t>
+            </a:r>
+            <a:endParaRPr lang="zh-CN" altLang="en-US" sz="2800" dirty="0">
+              <a:latin typeface="黑体" panose="02010609060101010101" pitchFamily="49" charset="-122"/>
+              <a:ea typeface="黑体" panose="02010609060101010101" pitchFamily="49" charset="-122"/>
+            </a:endParaRPr>
+          </a:p>
+        </p:txBody>
+      </p:sp>
+      <p:cxnSp>
+        <p:nvCxnSpPr>
+          <p:cNvPr id="11" name="直接箭头连接符 10"/>
+          <p:cNvCxnSpPr/>
+          <p:nvPr/>
+        </p:nvCxnSpPr>
+        <p:spPr>
+          <a:xfrm>
+            <a:off x="3236494" y="3750847"/>
+            <a:ext cx="1431758" cy="0"/>
+          </a:xfrm>
+          <a:prstGeom prst="straightConnector1">
+            <a:avLst/>
+          </a:prstGeom>
+          <a:ln>
+            <a:solidFill>
+              <a:schemeClr val="tx1">
+                <a:lumMod val="95000"/>
+                <a:lumOff val="5000"/>
+              </a:schemeClr>
+            </a:solidFill>
+            <a:tailEnd type="triangle"/>
+          </a:ln>
+        </p:spPr>
+        <p:style>
+          <a:lnRef idx="1">
+            <a:schemeClr val="accent1"/>
+          </a:lnRef>
+          <a:fillRef idx="0">
+            <a:schemeClr val="accent1"/>
+          </a:fillRef>
+          <a:effectRef idx="0">
+            <a:schemeClr val="accent1"/>
+          </a:effectRef>
+          <a:fontRef idx="minor">
+            <a:schemeClr val="tx1"/>
+          </a:fontRef>
+        </p:style>
+      </p:cxnSp>
+      <p:sp>
+        <p:nvSpPr>
+          <p:cNvPr id="13" name="矩形 12"/>
+          <p:cNvSpPr/>
+          <p:nvPr/>
+        </p:nvSpPr>
+        <p:spPr>
+          <a:xfrm>
+            <a:off x="4668252" y="2917655"/>
+            <a:ext cx="2045367" cy="1648327"/>
+          </a:xfrm>
+          <a:prstGeom prst="rect">
+            <a:avLst/>
+          </a:prstGeom>
+          <a:noFill/>
+          <a:ln w="28575">
+            <a:solidFill>
+              <a:schemeClr val="bg1">
+                <a:lumMod val="75000"/>
+              </a:schemeClr>
+            </a:solidFill>
+            <a:prstDash val="dash"/>
+          </a:ln>
+        </p:spPr>
+        <p:style>
+          <a:lnRef idx="2">
+            <a:schemeClr val="accent1">
+              <a:shade val="50000"/>
+            </a:schemeClr>
+          </a:lnRef>
+          <a:fillRef idx="1">
+            <a:schemeClr val="accent1"/>
+          </a:fillRef>
+          <a:effectRef idx="0">
+            <a:schemeClr val="accent1"/>
+          </a:effectRef>
+          <a:fontRef idx="minor">
+            <a:schemeClr val="lt1"/>
+          </a:fontRef>
+        </p:style>
+        <p:txBody>
+          <a:bodyPr rtlCol="0" anchor="ctr"/>
+          <a:lstStyle/>
+          <a:p>
+            <a:pPr algn="ctr"/>
+            <a:endParaRPr lang="zh-CN" altLang="en-US">
+              <a:solidFill>
+                <a:schemeClr val="bg1">
+                  <a:lumMod val="75000"/>
+                </a:schemeClr>
+              </a:solidFill>
+            </a:endParaRPr>
+          </a:p>
+        </p:txBody>
+      </p:sp>
+      <p:cxnSp>
+        <p:nvCxnSpPr>
+          <p:cNvPr id="14" name="直接箭头连接符 13"/>
+          <p:cNvCxnSpPr>
+            <a:endCxn id="5" idx="1"/>
+          </p:cNvCxnSpPr>
+          <p:nvPr/>
+        </p:nvCxnSpPr>
+        <p:spPr>
+          <a:xfrm>
+            <a:off x="6713619" y="3750847"/>
+            <a:ext cx="2045367" cy="0"/>
+          </a:xfrm>
+          <a:prstGeom prst="straightConnector1">
+            <a:avLst/>
+          </a:prstGeom>
+          <a:ln>
+            <a:solidFill>
+              <a:schemeClr val="tx1">
+                <a:lumMod val="95000"/>
+                <a:lumOff val="5000"/>
+              </a:schemeClr>
+            </a:solidFill>
+            <a:tailEnd type="triangle"/>
+          </a:ln>
+        </p:spPr>
+        <p:style>
+          <a:lnRef idx="1">
+            <a:schemeClr val="accent1"/>
+          </a:lnRef>
+          <a:fillRef idx="0">
+            <a:schemeClr val="accent1"/>
+          </a:fillRef>
+          <a:effectRef idx="0">
+            <a:schemeClr val="accent1"/>
+          </a:effectRef>
+          <a:fontRef idx="minor">
+            <a:schemeClr val="tx1"/>
+          </a:fontRef>
+        </p:style>
+      </p:cxnSp>
+      <p:cxnSp>
+        <p:nvCxnSpPr>
+          <p:cNvPr id="17" name="直接箭头连接符 16"/>
+          <p:cNvCxnSpPr/>
+          <p:nvPr/>
+        </p:nvCxnSpPr>
+        <p:spPr>
+          <a:xfrm>
+            <a:off x="8073189" y="2343153"/>
+            <a:ext cx="685797" cy="0"/>
+          </a:xfrm>
+          <a:prstGeom prst="straightConnector1">
+            <a:avLst/>
+          </a:prstGeom>
+          <a:ln>
+            <a:solidFill>
+              <a:schemeClr val="tx1">
+                <a:lumMod val="95000"/>
+                <a:lumOff val="5000"/>
+              </a:schemeClr>
+            </a:solidFill>
+            <a:tailEnd type="triangle"/>
+          </a:ln>
+        </p:spPr>
+        <p:style>
+          <a:lnRef idx="1">
+            <a:schemeClr val="accent1"/>
+          </a:lnRef>
+          <a:fillRef idx="0">
+            <a:schemeClr val="accent1"/>
+          </a:fillRef>
+          <a:effectRef idx="0">
+            <a:schemeClr val="accent1"/>
+          </a:effectRef>
+          <a:fontRef idx="minor">
+            <a:schemeClr val="tx1"/>
+          </a:fontRef>
+        </p:style>
+      </p:cxnSp>
+      <p:cxnSp>
+        <p:nvCxnSpPr>
+          <p:cNvPr id="19" name="直接箭头连接符 18"/>
+          <p:cNvCxnSpPr/>
+          <p:nvPr/>
+        </p:nvCxnSpPr>
+        <p:spPr>
+          <a:xfrm>
+            <a:off x="8073189" y="5170574"/>
+            <a:ext cx="685797" cy="0"/>
+          </a:xfrm>
+          <a:prstGeom prst="straightConnector1">
+            <a:avLst/>
+          </a:prstGeom>
+          <a:ln>
+            <a:solidFill>
+              <a:schemeClr val="tx1">
+                <a:lumMod val="95000"/>
+                <a:lumOff val="5000"/>
+              </a:schemeClr>
+            </a:solidFill>
+            <a:tailEnd type="triangle"/>
+          </a:ln>
+        </p:spPr>
+        <p:style>
+          <a:lnRef idx="1">
+            <a:schemeClr val="accent1"/>
+          </a:lnRef>
+          <a:fillRef idx="0">
+            <a:schemeClr val="accent1"/>
+          </a:fillRef>
+          <a:effectRef idx="0">
+            <a:schemeClr val="accent1"/>
+          </a:effectRef>
+          <a:fontRef idx="minor">
+            <a:schemeClr val="tx1"/>
+          </a:fontRef>
+        </p:style>
+      </p:cxnSp>
+      <p:cxnSp>
+        <p:nvCxnSpPr>
+          <p:cNvPr id="21" name="直接连接符 20"/>
+          <p:cNvCxnSpPr/>
+          <p:nvPr/>
+        </p:nvCxnSpPr>
+        <p:spPr>
+          <a:xfrm>
+            <a:off x="8073189" y="2343153"/>
+            <a:ext cx="0" cy="2842458"/>
+          </a:xfrm>
+          <a:prstGeom prst="line">
+            <a:avLst/>
+          </a:prstGeom>
+          <a:ln>
+            <a:solidFill>
+              <a:schemeClr val="tx1">
+                <a:lumMod val="95000"/>
+                <a:lumOff val="5000"/>
+              </a:schemeClr>
+            </a:solidFill>
+          </a:ln>
+        </p:spPr>
+        <p:style>
+          <a:lnRef idx="1">
+            <a:schemeClr val="accent1"/>
+          </a:lnRef>
+          <a:fillRef idx="0">
+            <a:schemeClr val="accent1"/>
+          </a:fillRef>
+          <a:effectRef idx="0">
+            <a:schemeClr val="accent1"/>
+          </a:effectRef>
+          <a:fontRef idx="minor">
+            <a:schemeClr val="tx1"/>
+          </a:fontRef>
+        </p:style>
+      </p:cxnSp>
+      <p:sp>
+        <p:nvSpPr>
+          <p:cNvPr id="15" name="矩形 14"/>
+          <p:cNvSpPr/>
+          <p:nvPr/>
+        </p:nvSpPr>
+        <p:spPr>
+          <a:xfrm>
+            <a:off x="4357878" y="708617"/>
+            <a:ext cx="2666114" cy="584775"/>
+          </a:xfrm>
+          <a:prstGeom prst="rect">
+            <a:avLst/>
+          </a:prstGeom>
+        </p:spPr>
+        <p:txBody>
+          <a:bodyPr wrap="none">
+            <a:spAutoFit/>
+          </a:bodyPr>
+          <a:lstStyle/>
+          <a:p>
+            <a:r>
+              <a:rPr lang="en-US" altLang="zh-CN" sz="3200" b="1" dirty="0">
+                <a:latin typeface="微软雅黑" panose="020B0503020204020204" pitchFamily="34" charset="-122"/>
+                <a:ea typeface="微软雅黑" panose="020B0503020204020204" pitchFamily="34" charset="-122"/>
+              </a:rPr>
+              <a:t>STRUCTURE</a:t>
+            </a:r>
+            <a:endParaRPr lang="zh-CN" altLang="en-US" sz="3200" b="1" dirty="0">
+              <a:latin typeface="微软雅黑" panose="020B0503020204020204" pitchFamily="34" charset="-122"/>
+              <a:ea typeface="微软雅黑" panose="020B0503020204020204" pitchFamily="34" charset="-122"/>
+            </a:endParaRPr>
+          </a:p>
+        </p:txBody>
+      </p:sp>
       <p:pic>
         <p:nvPicPr>
           <p:cNvPr id="3" name="图片 2"/>
@@ -11049,7 +13090,7 @@
 </p:sld>
 </file>
 
-<file path=ppt/slides/slide33.xml><?xml version="1.0" encoding="utf-8"?>
+<file path=ppt/slides/slide35.xml><?xml version="1.0" encoding="utf-8"?>
 <p:sld xmlns:a="http://schemas.openxmlformats.org/drawingml/2006/main" xmlns:r="http://schemas.openxmlformats.org/officeDocument/2006/relationships" xmlns:p="http://schemas.openxmlformats.org/presentationml/2006/main">
   <p:cSld>
     <p:spTree>
@@ -11402,7 +13443,7 @@
 </p:sld>
 </file>
 
-<file path=ppt/slides/slide34.xml><?xml version="1.0" encoding="utf-8"?>
+<file path=ppt/slides/slide36.xml><?xml version="1.0" encoding="utf-8"?>
 <p:sld xmlns:a="http://schemas.openxmlformats.org/drawingml/2006/main" xmlns:r="http://schemas.openxmlformats.org/officeDocument/2006/relationships" xmlns:p="http://schemas.openxmlformats.org/presentationml/2006/main">
   <p:cSld>
     <p:spTree>
@@ -11428,7 +13469,7 @@
           <p:nvPr/>
         </p:nvPicPr>
         <p:blipFill rotWithShape="1">
-          <a:blip r:embed="rId2"/>
+          <a:blip r:embed="rId3"/>
           <a:srcRect r="22633"/>
           <a:stretch>
             <a:fillRect/>
@@ -11453,7 +13494,7 @@
           <p:nvPr/>
         </p:nvPicPr>
         <p:blipFill rotWithShape="1">
-          <a:blip r:embed="rId3"/>
+          <a:blip r:embed="rId4"/>
           <a:srcRect r="18512"/>
           <a:stretch>
             <a:fillRect/>
@@ -11478,7 +13519,7 @@
           <p:nvPr/>
         </p:nvPicPr>
         <p:blipFill rotWithShape="1">
-          <a:blip r:embed="rId4"/>
+          <a:blip r:embed="rId5"/>
           <a:srcRect r="21106"/>
           <a:stretch>
             <a:fillRect/>
@@ -11488,225 +13529,6 @@
           <a:xfrm>
             <a:off x="8047270" y="0"/>
             <a:ext cx="3466531" cy="6858000"/>
-          </a:xfrm>
-          <a:prstGeom prst="rect">
-            <a:avLst/>
-          </a:prstGeom>
-        </p:spPr>
-      </p:pic>
-    </p:spTree>
-  </p:cSld>
-  <p:clrMapOvr>
-    <a:masterClrMapping/>
-  </p:clrMapOvr>
-</p:sld>
-</file>
-
-<file path=ppt/slides/slide35.xml><?xml version="1.0" encoding="utf-8"?>
-<p:sld xmlns:a="http://schemas.openxmlformats.org/drawingml/2006/main" xmlns:r="http://schemas.openxmlformats.org/officeDocument/2006/relationships" xmlns:p="http://schemas.openxmlformats.org/presentationml/2006/main">
-  <p:cSld>
-    <p:spTree>
-      <p:nvGrpSpPr>
-        <p:cNvPr id="1" name=""/>
-        <p:cNvGrpSpPr/>
-        <p:nvPr/>
-      </p:nvGrpSpPr>
-      <p:grpSpPr>
-        <a:xfrm>
-          <a:off x="0" y="0"/>
-          <a:ext cx="0" cy="0"/>
-          <a:chOff x="0" y="0"/>
-          <a:chExt cx="0" cy="0"/>
-        </a:xfrm>
-      </p:grpSpPr>
-      <p:pic>
-        <p:nvPicPr>
-          <p:cNvPr id="2" name="图片 1"/>
-          <p:cNvPicPr>
-            <a:picLocks noChangeAspect="1"/>
-          </p:cNvPicPr>
-          <p:nvPr/>
-        </p:nvPicPr>
-        <p:blipFill>
-          <a:blip r:embed="rId2"/>
-          <a:stretch>
-            <a:fillRect/>
-          </a:stretch>
-        </p:blipFill>
-        <p:spPr>
-          <a:xfrm>
-            <a:off x="232012" y="1"/>
-            <a:ext cx="5040767" cy="6858000"/>
-          </a:xfrm>
-          <a:prstGeom prst="rect">
-            <a:avLst/>
-          </a:prstGeom>
-        </p:spPr>
-      </p:pic>
-      <p:pic>
-        <p:nvPicPr>
-          <p:cNvPr id="3" name="图片 2"/>
-          <p:cNvPicPr>
-            <a:picLocks noChangeAspect="1"/>
-          </p:cNvPicPr>
-          <p:nvPr/>
-        </p:nvPicPr>
-        <p:blipFill>
-          <a:blip r:embed="rId3"/>
-          <a:stretch>
-            <a:fillRect/>
-          </a:stretch>
-        </p:blipFill>
-        <p:spPr>
-          <a:xfrm>
-            <a:off x="5272779" y="0"/>
-            <a:ext cx="3184072" cy="6858000"/>
-          </a:xfrm>
-          <a:prstGeom prst="rect">
-            <a:avLst/>
-          </a:prstGeom>
-        </p:spPr>
-      </p:pic>
-      <p:pic>
-        <p:nvPicPr>
-          <p:cNvPr id="5" name="图片 4"/>
-          <p:cNvPicPr>
-            <a:picLocks noChangeAspect="1"/>
-          </p:cNvPicPr>
-          <p:nvPr/>
-        </p:nvPicPr>
-        <p:blipFill>
-          <a:blip r:embed="rId4"/>
-          <a:stretch>
-            <a:fillRect/>
-          </a:stretch>
-        </p:blipFill>
-        <p:spPr>
-          <a:xfrm>
-            <a:off x="8456851" y="0"/>
-            <a:ext cx="3482578" cy="6858000"/>
-          </a:xfrm>
-          <a:prstGeom prst="rect">
-            <a:avLst/>
-          </a:prstGeom>
-        </p:spPr>
-      </p:pic>
-    </p:spTree>
-  </p:cSld>
-  <p:clrMapOvr>
-    <a:masterClrMapping/>
-  </p:clrMapOvr>
-</p:sld>
-</file>
-
-<file path=ppt/slides/slide36.xml><?xml version="1.0" encoding="utf-8"?>
-<p:sld xmlns:a="http://schemas.openxmlformats.org/drawingml/2006/main" xmlns:r="http://schemas.openxmlformats.org/officeDocument/2006/relationships" xmlns:p="http://schemas.openxmlformats.org/presentationml/2006/main">
-  <p:cSld>
-    <p:spTree>
-      <p:nvGrpSpPr>
-        <p:cNvPr id="1" name=""/>
-        <p:cNvGrpSpPr/>
-        <p:nvPr/>
-      </p:nvGrpSpPr>
-      <p:grpSpPr>
-        <a:xfrm>
-          <a:off x="0" y="0"/>
-          <a:ext cx="0" cy="0"/>
-          <a:chOff x="0" y="0"/>
-          <a:chExt cx="0" cy="0"/>
-        </a:xfrm>
-      </p:grpSpPr>
-      <p:pic>
-        <p:nvPicPr>
-          <p:cNvPr id="2" name="图片 1"/>
-          <p:cNvPicPr>
-            <a:picLocks noChangeAspect="1"/>
-          </p:cNvPicPr>
-          <p:nvPr/>
-        </p:nvPicPr>
-        <p:blipFill rotWithShape="1">
-          <a:blip r:embed="rId2"/>
-          <a:srcRect r="23456"/>
-          <a:stretch>
-            <a:fillRect/>
-          </a:stretch>
-        </p:blipFill>
-        <p:spPr>
-          <a:xfrm>
-            <a:off x="0" y="0"/>
-            <a:ext cx="3476386" cy="6858000"/>
-          </a:xfrm>
-          <a:prstGeom prst="rect">
-            <a:avLst/>
-          </a:prstGeom>
-        </p:spPr>
-      </p:pic>
-      <p:pic>
-        <p:nvPicPr>
-          <p:cNvPr id="3" name="图片 2"/>
-          <p:cNvPicPr>
-            <a:picLocks noChangeAspect="1"/>
-          </p:cNvPicPr>
-          <p:nvPr/>
-        </p:nvPicPr>
-        <p:blipFill>
-          <a:blip r:embed="rId3"/>
-          <a:stretch>
-            <a:fillRect/>
-          </a:stretch>
-        </p:blipFill>
-        <p:spPr>
-          <a:xfrm>
-            <a:off x="3423572" y="1"/>
-            <a:ext cx="3373762" cy="6858000"/>
-          </a:xfrm>
-          <a:prstGeom prst="rect">
-            <a:avLst/>
-          </a:prstGeom>
-        </p:spPr>
-      </p:pic>
-      <p:pic>
-        <p:nvPicPr>
-          <p:cNvPr id="4" name="图片 3"/>
-          <p:cNvPicPr>
-            <a:picLocks noChangeAspect="1"/>
-          </p:cNvPicPr>
-          <p:nvPr/>
-        </p:nvPicPr>
-        <p:blipFill>
-          <a:blip r:embed="rId4"/>
-          <a:stretch>
-            <a:fillRect/>
-          </a:stretch>
-        </p:blipFill>
-        <p:spPr>
-          <a:xfrm>
-            <a:off x="6797334" y="-1"/>
-            <a:ext cx="2953446" cy="6858001"/>
-          </a:xfrm>
-          <a:prstGeom prst="rect">
-            <a:avLst/>
-          </a:prstGeom>
-        </p:spPr>
-      </p:pic>
-      <p:pic>
-        <p:nvPicPr>
-          <p:cNvPr id="5" name="图片 4"/>
-          <p:cNvPicPr>
-            <a:picLocks noChangeAspect="1"/>
-          </p:cNvPicPr>
-          <p:nvPr/>
-        </p:nvPicPr>
-        <p:blipFill>
-          <a:blip r:embed="rId5"/>
-          <a:stretch>
-            <a:fillRect/>
-          </a:stretch>
-        </p:blipFill>
-        <p:spPr>
-          <a:xfrm>
-            <a:off x="9750780" y="-2"/>
-            <a:ext cx="2441220" cy="3680513"/>
           </a:xfrm>
           <a:prstGeom prst="rect">
             <a:avLst/>
@@ -11738,42 +13560,152 @@
           <a:chExt cx="0" cy="0"/>
         </a:xfrm>
       </p:grpSpPr>
-      <p:sp>
-        <p:nvSpPr>
-          <p:cNvPr id="3" name="文本框 2"/>
-          <p:cNvSpPr txBox="1"/>
-          <p:nvPr/>
-        </p:nvSpPr>
-        <p:spPr>
-          <a:xfrm>
-            <a:off x="434283" y="657846"/>
-            <a:ext cx="1746055" cy="461665"/>
-          </a:xfrm>
-          <a:prstGeom prst="rect">
-            <a:avLst/>
-          </a:prstGeom>
-          <a:noFill/>
-        </p:spPr>
-        <p:txBody>
-          <a:bodyPr wrap="none" rtlCol="0">
-            <a:spAutoFit/>
-          </a:bodyPr>
-          <a:lstStyle/>
-          <a:p>
-            <a:r>
-              <a:rPr lang="en-US" altLang="zh-CN" sz="2400" dirty="0">
-                <a:latin typeface="微软雅黑" panose="020B0503020204020204" pitchFamily="34" charset="-122"/>
-                <a:ea typeface="微软雅黑" panose="020B0503020204020204" pitchFamily="34" charset="-122"/>
-              </a:rPr>
-              <a:t>Work Flow</a:t>
-            </a:r>
-            <a:endParaRPr lang="zh-CN" altLang="en-US" sz="2400" dirty="0">
-              <a:latin typeface="微软雅黑" panose="020B0503020204020204" pitchFamily="34" charset="-122"/>
-              <a:ea typeface="微软雅黑" panose="020B0503020204020204" pitchFamily="34" charset="-122"/>
-            </a:endParaRPr>
-          </a:p>
-        </p:txBody>
-      </p:sp>
+      <p:pic>
+        <p:nvPicPr>
+          <p:cNvPr id="2" name="图片 1"/>
+          <p:cNvPicPr>
+            <a:picLocks noChangeAspect="1"/>
+          </p:cNvPicPr>
+          <p:nvPr/>
+        </p:nvPicPr>
+        <p:blipFill>
+          <a:blip r:embed="rId3"/>
+          <a:stretch>
+            <a:fillRect/>
+          </a:stretch>
+        </p:blipFill>
+        <p:spPr>
+          <a:xfrm>
+            <a:off x="232012" y="1"/>
+            <a:ext cx="5040767" cy="6858000"/>
+          </a:xfrm>
+          <a:prstGeom prst="rect">
+            <a:avLst/>
+          </a:prstGeom>
+        </p:spPr>
+      </p:pic>
+      <p:pic>
+        <p:nvPicPr>
+          <p:cNvPr id="3" name="图片 2"/>
+          <p:cNvPicPr>
+            <a:picLocks noChangeAspect="1"/>
+          </p:cNvPicPr>
+          <p:nvPr/>
+        </p:nvPicPr>
+        <p:blipFill>
+          <a:blip r:embed="rId4"/>
+          <a:stretch>
+            <a:fillRect/>
+          </a:stretch>
+        </p:blipFill>
+        <p:spPr>
+          <a:xfrm>
+            <a:off x="5272779" y="0"/>
+            <a:ext cx="3184072" cy="6858000"/>
+          </a:xfrm>
+          <a:prstGeom prst="rect">
+            <a:avLst/>
+          </a:prstGeom>
+        </p:spPr>
+      </p:pic>
+      <p:pic>
+        <p:nvPicPr>
+          <p:cNvPr id="5" name="图片 4"/>
+          <p:cNvPicPr>
+            <a:picLocks noChangeAspect="1"/>
+          </p:cNvPicPr>
+          <p:nvPr/>
+        </p:nvPicPr>
+        <p:blipFill>
+          <a:blip r:embed="rId5"/>
+          <a:stretch>
+            <a:fillRect/>
+          </a:stretch>
+        </p:blipFill>
+        <p:spPr>
+          <a:xfrm>
+            <a:off x="8456851" y="0"/>
+            <a:ext cx="3482578" cy="6858000"/>
+          </a:xfrm>
+          <a:prstGeom prst="rect">
+            <a:avLst/>
+          </a:prstGeom>
+        </p:spPr>
+      </p:pic>
+    </p:spTree>
+  </p:cSld>
+  <p:clrMapOvr>
+    <a:masterClrMapping/>
+  </p:clrMapOvr>
+</p:sld>
+</file>
+
+<file path=ppt/slides/slide38.xml><?xml version="1.0" encoding="utf-8"?>
+<p:sld xmlns:a="http://schemas.openxmlformats.org/drawingml/2006/main" xmlns:r="http://schemas.openxmlformats.org/officeDocument/2006/relationships" xmlns:p="http://schemas.openxmlformats.org/presentationml/2006/main">
+  <p:cSld>
+    <p:spTree>
+      <p:nvGrpSpPr>
+        <p:cNvPr id="1" name=""/>
+        <p:cNvGrpSpPr/>
+        <p:nvPr/>
+      </p:nvGrpSpPr>
+      <p:grpSpPr>
+        <a:xfrm>
+          <a:off x="0" y="0"/>
+          <a:ext cx="0" cy="0"/>
+          <a:chOff x="0" y="0"/>
+          <a:chExt cx="0" cy="0"/>
+        </a:xfrm>
+      </p:grpSpPr>
+      <p:pic>
+        <p:nvPicPr>
+          <p:cNvPr id="2" name="图片 1"/>
+          <p:cNvPicPr>
+            <a:picLocks noChangeAspect="1"/>
+          </p:cNvPicPr>
+          <p:nvPr/>
+        </p:nvPicPr>
+        <p:blipFill rotWithShape="1">
+          <a:blip r:embed="rId3"/>
+          <a:srcRect r="23456"/>
+          <a:stretch>
+            <a:fillRect/>
+          </a:stretch>
+        </p:blipFill>
+        <p:spPr>
+          <a:xfrm>
+            <a:off x="0" y="0"/>
+            <a:ext cx="3476386" cy="6858000"/>
+          </a:xfrm>
+          <a:prstGeom prst="rect">
+            <a:avLst/>
+          </a:prstGeom>
+        </p:spPr>
+      </p:pic>
+      <p:pic>
+        <p:nvPicPr>
+          <p:cNvPr id="3" name="图片 2"/>
+          <p:cNvPicPr>
+            <a:picLocks noChangeAspect="1"/>
+          </p:cNvPicPr>
+          <p:nvPr/>
+        </p:nvPicPr>
+        <p:blipFill>
+          <a:blip r:embed="rId4"/>
+          <a:stretch>
+            <a:fillRect/>
+          </a:stretch>
+        </p:blipFill>
+        <p:spPr>
+          <a:xfrm>
+            <a:off x="3423572" y="1"/>
+            <a:ext cx="3373762" cy="6858000"/>
+          </a:xfrm>
+          <a:prstGeom prst="rect">
+            <a:avLst/>
+          </a:prstGeom>
+        </p:spPr>
+      </p:pic>
       <p:pic>
         <p:nvPicPr>
           <p:cNvPr id="4" name="图片 3"/>
@@ -11783,7 +13715,116 @@
           <p:nvPr/>
         </p:nvPicPr>
         <p:blipFill>
-          <a:blip r:embed="rId2"/>
+          <a:blip r:embed="rId5"/>
+          <a:stretch>
+            <a:fillRect/>
+          </a:stretch>
+        </p:blipFill>
+        <p:spPr>
+          <a:xfrm>
+            <a:off x="6797334" y="-1"/>
+            <a:ext cx="2953446" cy="6858001"/>
+          </a:xfrm>
+          <a:prstGeom prst="rect">
+            <a:avLst/>
+          </a:prstGeom>
+        </p:spPr>
+      </p:pic>
+      <p:pic>
+        <p:nvPicPr>
+          <p:cNvPr id="5" name="图片 4"/>
+          <p:cNvPicPr>
+            <a:picLocks noChangeAspect="1"/>
+          </p:cNvPicPr>
+          <p:nvPr/>
+        </p:nvPicPr>
+        <p:blipFill>
+          <a:blip r:embed="rId6"/>
+          <a:stretch>
+            <a:fillRect/>
+          </a:stretch>
+        </p:blipFill>
+        <p:spPr>
+          <a:xfrm>
+            <a:off x="9750780" y="-2"/>
+            <a:ext cx="2441220" cy="3680513"/>
+          </a:xfrm>
+          <a:prstGeom prst="rect">
+            <a:avLst/>
+          </a:prstGeom>
+        </p:spPr>
+      </p:pic>
+    </p:spTree>
+  </p:cSld>
+  <p:clrMapOvr>
+    <a:masterClrMapping/>
+  </p:clrMapOvr>
+</p:sld>
+</file>
+
+<file path=ppt/slides/slide39.xml><?xml version="1.0" encoding="utf-8"?>
+<p:sld xmlns:a="http://schemas.openxmlformats.org/drawingml/2006/main" xmlns:r="http://schemas.openxmlformats.org/officeDocument/2006/relationships" xmlns:p="http://schemas.openxmlformats.org/presentationml/2006/main">
+  <p:cSld>
+    <p:spTree>
+      <p:nvGrpSpPr>
+        <p:cNvPr id="1" name=""/>
+        <p:cNvGrpSpPr/>
+        <p:nvPr/>
+      </p:nvGrpSpPr>
+      <p:grpSpPr>
+        <a:xfrm>
+          <a:off x="0" y="0"/>
+          <a:ext cx="0" cy="0"/>
+          <a:chOff x="0" y="0"/>
+          <a:chExt cx="0" cy="0"/>
+        </a:xfrm>
+      </p:grpSpPr>
+      <p:sp>
+        <p:nvSpPr>
+          <p:cNvPr id="3" name="文本框 2"/>
+          <p:cNvSpPr txBox="1"/>
+          <p:nvPr/>
+        </p:nvSpPr>
+        <p:spPr>
+          <a:xfrm>
+            <a:off x="434283" y="657846"/>
+            <a:ext cx="1746055" cy="461665"/>
+          </a:xfrm>
+          <a:prstGeom prst="rect">
+            <a:avLst/>
+          </a:prstGeom>
+          <a:noFill/>
+        </p:spPr>
+        <p:txBody>
+          <a:bodyPr wrap="none" rtlCol="0">
+            <a:spAutoFit/>
+          </a:bodyPr>
+          <a:lstStyle/>
+          <a:p>
+            <a:r>
+              <a:rPr lang="en-US" altLang="zh-CN" sz="2400" dirty="0">
+                <a:latin typeface="微软雅黑" panose="020B0503020204020204" pitchFamily="34" charset="-122"/>
+                <a:ea typeface="微软雅黑" panose="020B0503020204020204" pitchFamily="34" charset="-122"/>
+              </a:rPr>
+              <a:t>Work Flow</a:t>
+            </a:r>
+            <a:endParaRPr lang="zh-CN" altLang="en-US" sz="2400" dirty="0">
+              <a:latin typeface="微软雅黑" panose="020B0503020204020204" pitchFamily="34" charset="-122"/>
+              <a:ea typeface="微软雅黑" panose="020B0503020204020204" pitchFamily="34" charset="-122"/>
+            </a:endParaRPr>
+          </a:p>
+        </p:txBody>
+      </p:sp>
+      <p:pic>
+        <p:nvPicPr>
+          <p:cNvPr id="4" name="图片 3"/>
+          <p:cNvPicPr>
+            <a:picLocks noChangeAspect="1"/>
+          </p:cNvPicPr>
+          <p:nvPr/>
+        </p:nvPicPr>
+        <p:blipFill>
+          <a:blip r:embed="rId3"/>
           <a:stretch>
             <a:fillRect/>
           </a:stretch>
@@ -11838,7 +13879,73 @@
 </p:sld>
 </file>
 
-<file path=ppt/slides/slide38.xml><?xml version="1.0" encoding="utf-8"?>
+<file path=ppt/slides/slide4.xml><?xml version="1.0" encoding="utf-8"?>
+<p:sld xmlns:a="http://schemas.openxmlformats.org/drawingml/2006/main" xmlns:r="http://schemas.openxmlformats.org/officeDocument/2006/relationships" xmlns:p="http://schemas.openxmlformats.org/presentationml/2006/main">
+  <p:cSld>
+    <p:spTree>
+      <p:nvGrpSpPr>
+        <p:cNvPr id="1" name=""/>
+        <p:cNvGrpSpPr/>
+        <p:nvPr/>
+      </p:nvGrpSpPr>
+      <p:grpSpPr>
+        <a:xfrm>
+          <a:off x="0" y="0"/>
+          <a:ext cx="0" cy="0"/>
+          <a:chOff x="0" y="0"/>
+          <a:chExt cx="0" cy="0"/>
+        </a:xfrm>
+      </p:grpSpPr>
+      <p:pic>
+        <p:nvPicPr>
+          <p:cNvPr id="1026" name="Picture 2" descr="https://blog.passwork.pro/content/images/2022/02/recover_google_account-4.png"/>
+          <p:cNvPicPr>
+            <a:picLocks noChangeAspect="1" noChangeArrowheads="1"/>
+          </p:cNvPicPr>
+          <p:nvPr/>
+        </p:nvPicPr>
+        <p:blipFill>
+          <a:blip r:embed="rId2" cstate="print">
+            <a:extLst>
+              <a:ext uri="{28A0092B-C50C-407E-A947-70E740481C1C}">
+                <a14:useLocalDpi xmlns:a14="http://schemas.microsoft.com/office/drawing/2010/main" val="0"/>
+              </a:ext>
+            </a:extLst>
+          </a:blip>
+          <a:srcRect/>
+          <a:stretch>
+            <a:fillRect/>
+          </a:stretch>
+        </p:blipFill>
+        <p:spPr bwMode="auto">
+          <a:xfrm>
+            <a:off x="799269" y="1143001"/>
+            <a:ext cx="10436888" cy="4565399"/>
+          </a:xfrm>
+          <a:prstGeom prst="rect">
+            <a:avLst/>
+          </a:prstGeom>
+          <a:noFill/>
+          <a:extLst>
+            <a:ext uri="{909E8E84-426E-40DD-AFC4-6F175D3DCCD1}">
+              <a14:hiddenFill xmlns:a14="http://schemas.microsoft.com/office/drawing/2010/main">
+                <a:solidFill>
+                  <a:srgbClr val="FFFFFF"/>
+                </a:solidFill>
+              </a14:hiddenFill>
+            </a:ext>
+          </a:extLst>
+        </p:spPr>
+      </p:pic>
+    </p:spTree>
+  </p:cSld>
+  <p:clrMapOvr>
+    <a:masterClrMapping/>
+  </p:clrMapOvr>
+</p:sld>
+</file>
+
+<file path=ppt/slides/slide40.xml><?xml version="1.0" encoding="utf-8"?>
 <p:sld xmlns:a="http://schemas.openxmlformats.org/drawingml/2006/main" xmlns:r="http://schemas.openxmlformats.org/officeDocument/2006/relationships" xmlns:p="http://schemas.openxmlformats.org/presentationml/2006/main">
   <p:cSld>
     <p:spTree>
@@ -11955,7 +14062,7 @@
 </p:sld>
 </file>
 
-<file path=ppt/slides/slide39.xml><?xml version="1.0" encoding="utf-8"?>
+<file path=ppt/slides/slide41.xml><?xml version="1.0" encoding="utf-8"?>
 <p:sld xmlns:a="http://schemas.openxmlformats.org/drawingml/2006/main" xmlns:r="http://schemas.openxmlformats.org/officeDocument/2006/relationships" xmlns:p="http://schemas.openxmlformats.org/presentationml/2006/main">
   <p:cSld>
     <p:spTree>
@@ -12072,73 +14179,7 @@
 </p:sld>
 </file>
 
-<file path=ppt/slides/slide4.xml><?xml version="1.0" encoding="utf-8"?>
-<p:sld xmlns:a="http://schemas.openxmlformats.org/drawingml/2006/main" xmlns:r="http://schemas.openxmlformats.org/officeDocument/2006/relationships" xmlns:p="http://schemas.openxmlformats.org/presentationml/2006/main">
-  <p:cSld>
-    <p:spTree>
-      <p:nvGrpSpPr>
-        <p:cNvPr id="1" name=""/>
-        <p:cNvGrpSpPr/>
-        <p:nvPr/>
-      </p:nvGrpSpPr>
-      <p:grpSpPr>
-        <a:xfrm>
-          <a:off x="0" y="0"/>
-          <a:ext cx="0" cy="0"/>
-          <a:chOff x="0" y="0"/>
-          <a:chExt cx="0" cy="0"/>
-        </a:xfrm>
-      </p:grpSpPr>
-      <p:pic>
-        <p:nvPicPr>
-          <p:cNvPr id="1026" name="Picture 2" descr="https://blog.passwork.pro/content/images/2022/02/recover_google_account-4.png"/>
-          <p:cNvPicPr>
-            <a:picLocks noChangeAspect="1" noChangeArrowheads="1"/>
-          </p:cNvPicPr>
-          <p:nvPr/>
-        </p:nvPicPr>
-        <p:blipFill>
-          <a:blip r:embed="rId2" cstate="print">
-            <a:extLst>
-              <a:ext uri="{28A0092B-C50C-407E-A947-70E740481C1C}">
-                <a14:useLocalDpi xmlns:a14="http://schemas.microsoft.com/office/drawing/2010/main" val="0"/>
-              </a:ext>
-            </a:extLst>
-          </a:blip>
-          <a:srcRect/>
-          <a:stretch>
-            <a:fillRect/>
-          </a:stretch>
-        </p:blipFill>
-        <p:spPr bwMode="auto">
-          <a:xfrm>
-            <a:off x="799269" y="1143001"/>
-            <a:ext cx="10436888" cy="4565399"/>
-          </a:xfrm>
-          <a:prstGeom prst="rect">
-            <a:avLst/>
-          </a:prstGeom>
-          <a:noFill/>
-          <a:extLst>
-            <a:ext uri="{909E8E84-426E-40DD-AFC4-6F175D3DCCD1}">
-              <a14:hiddenFill xmlns:a14="http://schemas.microsoft.com/office/drawing/2010/main">
-                <a:solidFill>
-                  <a:srgbClr val="FFFFFF"/>
-                </a:solidFill>
-              </a14:hiddenFill>
-            </a:ext>
-          </a:extLst>
-        </p:spPr>
-      </p:pic>
-    </p:spTree>
-  </p:cSld>
-  <p:clrMapOvr>
-    <a:masterClrMapping/>
-  </p:clrMapOvr>
-</p:sld>
-</file>
-
-<file path=ppt/slides/slide40.xml><?xml version="1.0" encoding="utf-8"?>
+<file path=ppt/slides/slide42.xml><?xml version="1.0" encoding="utf-8"?>
 <p:sld xmlns:a="http://schemas.openxmlformats.org/drawingml/2006/main" xmlns:r="http://schemas.openxmlformats.org/officeDocument/2006/relationships" xmlns:p="http://schemas.openxmlformats.org/presentationml/2006/main">
   <p:cSld>
     <p:spTree>
@@ -12255,7 +14296,7 @@
 </p:sld>
 </file>
 
-<file path=ppt/slides/slide41.xml><?xml version="1.0" encoding="utf-8"?>
+<file path=ppt/slides/slide43.xml><?xml version="1.0" encoding="utf-8"?>
 <p:sld xmlns:a="http://schemas.openxmlformats.org/drawingml/2006/main" xmlns:r="http://schemas.openxmlformats.org/officeDocument/2006/relationships" xmlns:p="http://schemas.openxmlformats.org/presentationml/2006/main">
   <p:cSld>
     <p:spTree>
@@ -12372,7 +14413,7 @@
 </p:sld>
 </file>
 
-<file path=ppt/slides/slide42.xml><?xml version="1.0" encoding="utf-8"?>
+<file path=ppt/slides/slide44.xml><?xml version="1.0" encoding="utf-8"?>
 <p:sld xmlns:a="http://schemas.openxmlformats.org/drawingml/2006/main" xmlns:r="http://schemas.openxmlformats.org/officeDocument/2006/relationships" xmlns:p="http://schemas.openxmlformats.org/presentationml/2006/main">
   <p:cSld>
     <p:spTree>
@@ -12489,7 +14530,7 @@
 </p:sld>
 </file>
 
-<file path=ppt/slides/slide43.xml><?xml version="1.0" encoding="utf-8"?>
+<file path=ppt/slides/slide45.xml><?xml version="1.0" encoding="utf-8"?>
 <p:sld xmlns:a="http://schemas.openxmlformats.org/drawingml/2006/main" xmlns:r="http://schemas.openxmlformats.org/officeDocument/2006/relationships" xmlns:p="http://schemas.openxmlformats.org/presentationml/2006/main">
   <p:cSld>
     <p:spTree>
@@ -12606,7 +14647,7 @@
 </p:sld>
 </file>
 
-<file path=ppt/slides/slide44.xml><?xml version="1.0" encoding="utf-8"?>
+<file path=ppt/slides/slide46.xml><?xml version="1.0" encoding="utf-8"?>
 <p:sld xmlns:a="http://schemas.openxmlformats.org/drawingml/2006/main" xmlns:r="http://schemas.openxmlformats.org/officeDocument/2006/relationships" xmlns:p="http://schemas.openxmlformats.org/presentationml/2006/main">
   <p:cSld>
     <p:spTree>
@@ -12723,7 +14764,7 @@
 </p:sld>
 </file>
 
-<file path=ppt/slides/slide45.xml><?xml version="1.0" encoding="utf-8"?>
+<file path=ppt/slides/slide47.xml><?xml version="1.0" encoding="utf-8"?>
 <p:sld xmlns:a="http://schemas.openxmlformats.org/drawingml/2006/main" xmlns:r="http://schemas.openxmlformats.org/officeDocument/2006/relationships" xmlns:p="http://schemas.openxmlformats.org/presentationml/2006/main">
   <p:cSld>
     <p:spTree>
@@ -12978,7 +15019,7 @@
 </p:sld>
 </file>
 
-<file path=ppt/slides/slide46.xml><?xml version="1.0" encoding="utf-8"?>
+<file path=ppt/slides/slide48.xml><?xml version="1.0" encoding="utf-8"?>
 <p:sld xmlns:a="http://schemas.openxmlformats.org/drawingml/2006/main" xmlns:r="http://schemas.openxmlformats.org/officeDocument/2006/relationships" xmlns:p="http://schemas.openxmlformats.org/presentationml/2006/main">
   <p:cSld>
     <p:spTree>
@@ -13599,511 +15640,6 @@
             <a:endParaRPr lang="zh-CN" altLang="en-US" sz="2000" dirty="0">
               <a:latin typeface="微软雅黑" panose="020B0503020204020204" pitchFamily="34" charset="-122"/>
               <a:ea typeface="微软雅黑" panose="020B0503020204020204" pitchFamily="34" charset="-122"/>
-            </a:endParaRPr>
-          </a:p>
-        </p:txBody>
-      </p:sp>
-    </p:spTree>
-  </p:cSld>
-  <p:clrMapOvr>
-    <a:masterClrMapping/>
-  </p:clrMapOvr>
-</p:sld>
-</file>
-
-<file path=ppt/slides/slide47.xml><?xml version="1.0" encoding="utf-8"?>
-<p:sld xmlns:a="http://schemas.openxmlformats.org/drawingml/2006/main" xmlns:r="http://schemas.openxmlformats.org/officeDocument/2006/relationships" xmlns:p="http://schemas.openxmlformats.org/presentationml/2006/main">
-  <p:cSld>
-    <p:spTree>
-      <p:nvGrpSpPr>
-        <p:cNvPr id="1" name=""/>
-        <p:cNvGrpSpPr/>
-        <p:nvPr/>
-      </p:nvGrpSpPr>
-      <p:grpSpPr>
-        <a:xfrm>
-          <a:off x="0" y="0"/>
-          <a:ext cx="0" cy="0"/>
-          <a:chOff x="0" y="0"/>
-          <a:chExt cx="0" cy="0"/>
-        </a:xfrm>
-      </p:grpSpPr>
-      <p:sp>
-        <p:nvSpPr>
-          <p:cNvPr id="15" name="矩形 14"/>
-          <p:cNvSpPr/>
-          <p:nvPr/>
-        </p:nvSpPr>
-        <p:spPr>
-          <a:xfrm>
-            <a:off x="3229084" y="1433226"/>
-            <a:ext cx="5369996" cy="584775"/>
-          </a:xfrm>
-          <a:prstGeom prst="rect">
-            <a:avLst/>
-          </a:prstGeom>
-        </p:spPr>
-        <p:txBody>
-          <a:bodyPr wrap="none">
-            <a:spAutoFit/>
-          </a:bodyPr>
-          <a:lstStyle/>
-          <a:p>
-            <a:r>
-              <a:rPr lang="en-US" altLang="zh-CN" sz="3200" b="1" dirty="0" smtClean="0">
-                <a:latin typeface="微软雅黑" panose="020B0503020204020204" pitchFamily="34" charset="-122"/>
-                <a:ea typeface="微软雅黑" panose="020B0503020204020204" pitchFamily="34" charset="-122"/>
-              </a:rPr>
-              <a:t>Weakness and Limitation</a:t>
-            </a:r>
-            <a:endParaRPr lang="zh-CN" altLang="en-US" sz="3200" b="1" dirty="0">
-              <a:latin typeface="微软雅黑" panose="020B0503020204020204" pitchFamily="34" charset="-122"/>
-              <a:ea typeface="微软雅黑" panose="020B0503020204020204" pitchFamily="34" charset="-122"/>
-            </a:endParaRPr>
-          </a:p>
-        </p:txBody>
-      </p:sp>
-      <p:sp>
-        <p:nvSpPr>
-          <p:cNvPr id="16" name="矩形 15"/>
-          <p:cNvSpPr/>
-          <p:nvPr/>
-        </p:nvSpPr>
-        <p:spPr>
-          <a:xfrm>
-            <a:off x="1612231" y="2224939"/>
-            <a:ext cx="9219062" cy="707886"/>
-          </a:xfrm>
-          <a:prstGeom prst="rect">
-            <a:avLst/>
-          </a:prstGeom>
-        </p:spPr>
-        <p:txBody>
-          <a:bodyPr wrap="none">
-            <a:spAutoFit/>
-          </a:bodyPr>
-          <a:lstStyle/>
-          <a:p>
-            <a:pPr marL="342900" indent="-342900">
-              <a:buFont typeface="Arial" panose="020B0604020202020204" pitchFamily="34" charset="0"/>
-              <a:buChar char="•"/>
-            </a:pPr>
-            <a:r>
-              <a:rPr lang="en-US" altLang="zh-CN" sz="2000" dirty="0" smtClean="0">
-                <a:latin typeface="微软雅黑" panose="020B0503020204020204" pitchFamily="34" charset="-122"/>
-                <a:ea typeface="微软雅黑" panose="020B0503020204020204" pitchFamily="34" charset="-122"/>
-              </a:rPr>
-              <a:t>Have not figure out how to keep the keys safe in files;</a:t>
-            </a:r>
-          </a:p>
-          <a:p>
-            <a:pPr marL="342900" indent="-342900">
-              <a:buFont typeface="Arial" panose="020B0604020202020204" pitchFamily="34" charset="0"/>
-              <a:buChar char="•"/>
-            </a:pPr>
-            <a:r>
-              <a:rPr lang="en-US" altLang="zh-CN" sz="2000" dirty="0" smtClean="0">
-                <a:latin typeface="微软雅黑" panose="020B0503020204020204" pitchFamily="34" charset="-122"/>
-                <a:ea typeface="微软雅黑" panose="020B0503020204020204" pitchFamily="34" charset="-122"/>
-              </a:rPr>
-              <a:t>Other convenient functions. E.g. autofill, auto-generate, security level….</a:t>
-            </a:r>
-            <a:endParaRPr lang="zh-CN" altLang="en-US" sz="2000" dirty="0">
-              <a:latin typeface="微软雅黑" panose="020B0503020204020204" pitchFamily="34" charset="-122"/>
-              <a:ea typeface="微软雅黑" panose="020B0503020204020204" pitchFamily="34" charset="-122"/>
-            </a:endParaRPr>
-          </a:p>
-        </p:txBody>
-      </p:sp>
-      <p:sp>
-        <p:nvSpPr>
-          <p:cNvPr id="18" name="矩形 17"/>
-          <p:cNvSpPr/>
-          <p:nvPr/>
-        </p:nvSpPr>
-        <p:spPr>
-          <a:xfrm>
-            <a:off x="4811017" y="708617"/>
-            <a:ext cx="1723742" cy="584775"/>
-          </a:xfrm>
-          <a:prstGeom prst="rect">
-            <a:avLst/>
-          </a:prstGeom>
-        </p:spPr>
-        <p:txBody>
-          <a:bodyPr wrap="none">
-            <a:spAutoFit/>
-          </a:bodyPr>
-          <a:lstStyle/>
-          <a:p>
-            <a:r>
-              <a:rPr lang="en-US" altLang="zh-CN" sz="3200" b="1" dirty="0">
-                <a:solidFill>
-                  <a:schemeClr val="bg1">
-                    <a:lumMod val="75000"/>
-                  </a:schemeClr>
-                </a:solidFill>
-                <a:latin typeface="微软雅黑" panose="020B0503020204020204" pitchFamily="34" charset="-122"/>
-                <a:ea typeface="微软雅黑" panose="020B0503020204020204" pitchFamily="34" charset="-122"/>
-              </a:rPr>
-              <a:t>RESULT</a:t>
-            </a:r>
-            <a:endParaRPr lang="zh-CN" altLang="en-US" sz="3200" b="1" dirty="0">
-              <a:solidFill>
-                <a:schemeClr val="bg1">
-                  <a:lumMod val="75000"/>
-                </a:schemeClr>
-              </a:solidFill>
-              <a:latin typeface="微软雅黑" panose="020B0503020204020204" pitchFamily="34" charset="-122"/>
-              <a:ea typeface="微软雅黑" panose="020B0503020204020204" pitchFamily="34" charset="-122"/>
-            </a:endParaRPr>
-          </a:p>
-        </p:txBody>
-      </p:sp>
-    </p:spTree>
-    <p:extLst>
-      <p:ext uri="{BB962C8B-B14F-4D97-AF65-F5344CB8AC3E}">
-        <p14:creationId xmlns:p14="http://schemas.microsoft.com/office/powerpoint/2010/main" val="1699394899"/>
-      </p:ext>
-    </p:extLst>
-  </p:cSld>
-  <p:clrMapOvr>
-    <a:masterClrMapping/>
-  </p:clrMapOvr>
-</p:sld>
-</file>
-
-<file path=ppt/slides/slide48.xml><?xml version="1.0" encoding="utf-8"?>
-<p:sld xmlns:a="http://schemas.openxmlformats.org/drawingml/2006/main" xmlns:r="http://schemas.openxmlformats.org/officeDocument/2006/relationships" xmlns:p="http://schemas.openxmlformats.org/presentationml/2006/main">
-  <p:cSld>
-    <p:spTree>
-      <p:nvGrpSpPr>
-        <p:cNvPr id="1" name=""/>
-        <p:cNvGrpSpPr/>
-        <p:nvPr/>
-      </p:nvGrpSpPr>
-      <p:grpSpPr>
-        <a:xfrm>
-          <a:off x="0" y="0"/>
-          <a:ext cx="0" cy="0"/>
-          <a:chOff x="0" y="0"/>
-          <a:chExt cx="0" cy="0"/>
-        </a:xfrm>
-      </p:grpSpPr>
-      <p:sp>
-        <p:nvSpPr>
-          <p:cNvPr id="2" name="文本框 1"/>
-          <p:cNvSpPr txBox="1"/>
-          <p:nvPr/>
-        </p:nvSpPr>
-        <p:spPr>
-          <a:xfrm>
-            <a:off x="434283" y="657846"/>
-            <a:ext cx="1559338" cy="461665"/>
-          </a:xfrm>
-          <a:prstGeom prst="rect">
-            <a:avLst/>
-          </a:prstGeom>
-          <a:noFill/>
-        </p:spPr>
-        <p:txBody>
-          <a:bodyPr wrap="none" rtlCol="0">
-            <a:spAutoFit/>
-          </a:bodyPr>
-          <a:lstStyle/>
-          <a:p>
-            <a:r>
-              <a:rPr lang="en-US" altLang="zh-CN" sz="2400" dirty="0">
-                <a:latin typeface="微软雅黑" panose="020B0503020204020204" pitchFamily="34" charset="-122"/>
-                <a:ea typeface="微软雅黑" panose="020B0503020204020204" pitchFamily="34" charset="-122"/>
-              </a:rPr>
-              <a:t>reference</a:t>
-            </a:r>
-            <a:endParaRPr lang="zh-CN" altLang="en-US" sz="2400" dirty="0">
-              <a:latin typeface="微软雅黑" panose="020B0503020204020204" pitchFamily="34" charset="-122"/>
-              <a:ea typeface="微软雅黑" panose="020B0503020204020204" pitchFamily="34" charset="-122"/>
-            </a:endParaRPr>
-          </a:p>
-        </p:txBody>
-      </p:sp>
-      <p:sp>
-        <p:nvSpPr>
-          <p:cNvPr id="3" name="矩形 2"/>
-          <p:cNvSpPr/>
-          <p:nvPr/>
-        </p:nvSpPr>
-        <p:spPr>
-          <a:xfrm>
-            <a:off x="434283" y="1233093"/>
-            <a:ext cx="11550315" cy="5078313"/>
-          </a:xfrm>
-          <a:prstGeom prst="rect">
-            <a:avLst/>
-          </a:prstGeom>
-        </p:spPr>
-        <p:txBody>
-          <a:bodyPr wrap="square">
-            <a:spAutoFit/>
-          </a:bodyPr>
-          <a:lstStyle/>
-          <a:p>
-            <a:pPr marL="342900" lvl="0" indent="-342900">
-              <a:lnSpc>
-                <a:spcPct val="150000"/>
-              </a:lnSpc>
-              <a:buFont typeface="+mj-lt"/>
-              <a:buAutoNum type="arabicPeriod"/>
-            </a:pPr>
-            <a:r>
-              <a:rPr lang="en-US" altLang="zh-CN" kern="100" dirty="0">
-                <a:latin typeface="Times New Roman" panose="02020603050405020304" pitchFamily="18" charset="0"/>
-                <a:cs typeface="Times New Roman" panose="02020603050405020304" pitchFamily="18" charset="0"/>
-              </a:rPr>
-              <a:t>Vigenère Cipher Concept: </a:t>
-            </a:r>
-            <a:r>
-              <a:rPr lang="en-US" altLang="zh-CN" u="sng" kern="100" dirty="0">
-                <a:solidFill>
-                  <a:srgbClr val="000000"/>
-                </a:solidFill>
-                <a:latin typeface="Times New Roman" panose="02020603050405020304" pitchFamily="18" charset="0"/>
-                <a:cs typeface="Times New Roman" panose="02020603050405020304" pitchFamily="18" charset="0"/>
-                <a:hlinkClick r:id="rId2"/>
-              </a:rPr>
-              <a:t>https://en.wikipedia.org/wiki/Vigen%C3%A8re_cipher</a:t>
-            </a:r>
-            <a:endParaRPr lang="zh-CN" altLang="zh-CN" kern="100" dirty="0">
-              <a:latin typeface="Times New Roman" panose="02020603050405020304" pitchFamily="18" charset="0"/>
-              <a:cs typeface="Times New Roman" panose="02020603050405020304" pitchFamily="18" charset="0"/>
-            </a:endParaRPr>
-          </a:p>
-          <a:p>
-            <a:pPr marL="342900" lvl="0" indent="-342900">
-              <a:lnSpc>
-                <a:spcPct val="150000"/>
-              </a:lnSpc>
-              <a:buFont typeface="+mj-lt"/>
-              <a:buAutoNum type="arabicPeriod"/>
-            </a:pPr>
-            <a:r>
-              <a:rPr lang="en-US" altLang="zh-CN" kern="100" dirty="0">
-                <a:latin typeface="Times New Roman" panose="02020603050405020304" pitchFamily="18" charset="0"/>
-                <a:cs typeface="Times New Roman" panose="02020603050405020304" pitchFamily="18" charset="0"/>
-              </a:rPr>
-              <a:t>Vigenère Cipher: https://www.geeksforgeeks.org/vigenere-cipher/</a:t>
-            </a:r>
-            <a:endParaRPr lang="zh-CN" altLang="zh-CN" kern="100" dirty="0">
-              <a:latin typeface="Times New Roman" panose="02020603050405020304" pitchFamily="18" charset="0"/>
-              <a:cs typeface="Times New Roman" panose="02020603050405020304" pitchFamily="18" charset="0"/>
-            </a:endParaRPr>
-          </a:p>
-          <a:p>
-            <a:pPr marL="342900" lvl="0" indent="-342900">
-              <a:lnSpc>
-                <a:spcPct val="150000"/>
-              </a:lnSpc>
-              <a:buFont typeface="+mj-lt"/>
-              <a:buAutoNum type="arabicPeriod"/>
-            </a:pPr>
-            <a:r>
-              <a:rPr lang="en-US" altLang="zh-CN" kern="100" dirty="0">
-                <a:latin typeface="Times New Roman" panose="02020603050405020304" pitchFamily="18" charset="0"/>
-                <a:cs typeface="Times New Roman" panose="02020603050405020304" pitchFamily="18" charset="0"/>
-              </a:rPr>
-              <a:t>RSA Algorithm Cryptography Concept: https://en.wikipedia.org/wiki/RSA_(cryptosystem) </a:t>
-            </a:r>
-            <a:endParaRPr lang="zh-CN" altLang="zh-CN" kern="100" dirty="0">
-              <a:latin typeface="Times New Roman" panose="02020603050405020304" pitchFamily="18" charset="0"/>
-              <a:cs typeface="Times New Roman" panose="02020603050405020304" pitchFamily="18" charset="0"/>
-            </a:endParaRPr>
-          </a:p>
-          <a:p>
-            <a:pPr marL="342900" lvl="0" indent="-342900">
-              <a:lnSpc>
-                <a:spcPct val="150000"/>
-              </a:lnSpc>
-              <a:buFont typeface="+mj-lt"/>
-              <a:buAutoNum type="arabicPeriod"/>
-            </a:pPr>
-            <a:r>
-              <a:rPr lang="en-US" altLang="zh-CN" kern="100" dirty="0">
-                <a:latin typeface="Times New Roman" panose="02020603050405020304" pitchFamily="18" charset="0"/>
-                <a:cs typeface="Times New Roman" panose="02020603050405020304" pitchFamily="18" charset="0"/>
-              </a:rPr>
-              <a:t>RSA Algorithm Cryptography: </a:t>
-            </a:r>
-            <a:r>
-              <a:rPr lang="en-US" altLang="zh-CN" u="sng" kern="100" dirty="0">
-                <a:solidFill>
-                  <a:srgbClr val="000000"/>
-                </a:solidFill>
-                <a:latin typeface="Times New Roman" panose="02020603050405020304" pitchFamily="18" charset="0"/>
-                <a:cs typeface="Times New Roman" panose="02020603050405020304" pitchFamily="18" charset="0"/>
-                <a:hlinkClick r:id="rId3"/>
-              </a:rPr>
-              <a:t>https://www.geeksforgeeks.org/rsa-algorithm-cryptography/</a:t>
-            </a:r>
-            <a:endParaRPr lang="zh-CN" altLang="zh-CN" kern="100" dirty="0">
-              <a:latin typeface="Times New Roman" panose="02020603050405020304" pitchFamily="18" charset="0"/>
-              <a:cs typeface="Times New Roman" panose="02020603050405020304" pitchFamily="18" charset="0"/>
-            </a:endParaRPr>
-          </a:p>
-          <a:p>
-            <a:pPr marL="342900" lvl="0" indent="-342900">
-              <a:lnSpc>
-                <a:spcPct val="150000"/>
-              </a:lnSpc>
-              <a:buFont typeface="+mj-lt"/>
-              <a:buAutoNum type="arabicPeriod"/>
-            </a:pPr>
-            <a:r>
-              <a:rPr lang="en-US" altLang="zh-CN" kern="100" dirty="0">
-                <a:latin typeface="Times New Roman" panose="02020603050405020304" pitchFamily="18" charset="0"/>
-                <a:cs typeface="Times New Roman" panose="02020603050405020304" pitchFamily="18" charset="0"/>
-              </a:rPr>
-              <a:t>AES Algorithm Cryptography Concept: https://en.wikipedia.org/wiki/Advanced_Encryption_Standard</a:t>
-            </a:r>
-            <a:endParaRPr lang="zh-CN" altLang="zh-CN" kern="100" dirty="0">
-              <a:latin typeface="Times New Roman" panose="02020603050405020304" pitchFamily="18" charset="0"/>
-              <a:cs typeface="Times New Roman" panose="02020603050405020304" pitchFamily="18" charset="0"/>
-            </a:endParaRPr>
-          </a:p>
-          <a:p>
-            <a:pPr marL="342900" lvl="0" indent="-342900">
-              <a:lnSpc>
-                <a:spcPct val="150000"/>
-              </a:lnSpc>
-              <a:buFont typeface="+mj-lt"/>
-              <a:buAutoNum type="arabicPeriod"/>
-            </a:pPr>
-            <a:r>
-              <a:rPr lang="en-US" altLang="zh-CN" kern="100" dirty="0">
-                <a:latin typeface="Times New Roman" panose="02020603050405020304" pitchFamily="18" charset="0"/>
-                <a:cs typeface="Times New Roman" panose="02020603050405020304" pitchFamily="18" charset="0"/>
-              </a:rPr>
-              <a:t>AES Algorithm Cryptography: </a:t>
-            </a:r>
-            <a:r>
-              <a:rPr lang="en-US" altLang="zh-CN" u="sng" kern="100" dirty="0">
-                <a:solidFill>
-                  <a:srgbClr val="000000"/>
-                </a:solidFill>
-                <a:latin typeface="Times New Roman" panose="02020603050405020304" pitchFamily="18" charset="0"/>
-                <a:cs typeface="Times New Roman" panose="02020603050405020304" pitchFamily="18" charset="0"/>
-                <a:hlinkClick r:id="rId4"/>
-              </a:rPr>
-              <a:t>https://www.geeksforgeeks.org/advanced-encryption-standard-aes/</a:t>
-            </a:r>
-            <a:endParaRPr lang="zh-CN" altLang="zh-CN" kern="100" dirty="0">
-              <a:latin typeface="Times New Roman" panose="02020603050405020304" pitchFamily="18" charset="0"/>
-              <a:cs typeface="Times New Roman" panose="02020603050405020304" pitchFamily="18" charset="0"/>
-            </a:endParaRPr>
-          </a:p>
-          <a:p>
-            <a:pPr marL="342900" lvl="0" indent="-342900">
-              <a:lnSpc>
-                <a:spcPct val="150000"/>
-              </a:lnSpc>
-              <a:buFont typeface="+mj-lt"/>
-              <a:buAutoNum type="arabicPeriod"/>
-            </a:pPr>
-            <a:r>
-              <a:rPr lang="en-US" altLang="zh-CN" kern="100" dirty="0">
-                <a:latin typeface="Times New Roman" panose="02020603050405020304" pitchFamily="18" charset="0"/>
-                <a:cs typeface="Times New Roman" panose="02020603050405020304" pitchFamily="18" charset="0"/>
-              </a:rPr>
-              <a:t>Password Manager structure: </a:t>
-            </a:r>
-            <a:endParaRPr lang="zh-CN" altLang="zh-CN" kern="100" dirty="0">
-              <a:latin typeface="Times New Roman" panose="02020603050405020304" pitchFamily="18" charset="0"/>
-              <a:cs typeface="Times New Roman" panose="02020603050405020304" pitchFamily="18" charset="0"/>
-            </a:endParaRPr>
-          </a:p>
-          <a:p>
-            <a:pPr marL="355600" indent="266700">
-              <a:lnSpc>
-                <a:spcPct val="150000"/>
-              </a:lnSpc>
-            </a:pPr>
-            <a:r>
-              <a:rPr lang="en-US" altLang="zh-CN" u="sng" kern="100" dirty="0">
-                <a:solidFill>
-                  <a:srgbClr val="000000"/>
-                </a:solidFill>
-                <a:latin typeface="Times New Roman" panose="02020603050405020304" pitchFamily="18" charset="0"/>
-                <a:cs typeface="Times New Roman" panose="02020603050405020304" pitchFamily="18" charset="0"/>
-                <a:hlinkClick r:id="rId5"/>
-              </a:rPr>
-              <a:t>https://github.com/ashutoshkrris/Password-Manager-using-Tkinter</a:t>
-            </a:r>
-            <a:endParaRPr lang="zh-CN" altLang="zh-CN" kern="100" dirty="0">
-              <a:latin typeface="Times New Roman" panose="02020603050405020304" pitchFamily="18" charset="0"/>
-              <a:cs typeface="Times New Roman" panose="02020603050405020304" pitchFamily="18" charset="0"/>
-            </a:endParaRPr>
-          </a:p>
-          <a:p>
-            <a:pPr marL="355600" indent="266700">
-              <a:lnSpc>
-                <a:spcPct val="150000"/>
-              </a:lnSpc>
-            </a:pPr>
-            <a:r>
-              <a:rPr lang="en-US" altLang="zh-CN" kern="100" dirty="0">
-                <a:latin typeface="Times New Roman" panose="02020603050405020304" pitchFamily="18" charset="0"/>
-                <a:cs typeface="Times New Roman" panose="02020603050405020304" pitchFamily="18" charset="0"/>
-              </a:rPr>
-              <a:t>https://github.com/mukkachaitanya/Password-Manager/tree/master</a:t>
-            </a:r>
-            <a:endParaRPr lang="zh-CN" altLang="zh-CN" kern="100" dirty="0">
-              <a:latin typeface="Times New Roman" panose="02020603050405020304" pitchFamily="18" charset="0"/>
-              <a:cs typeface="Times New Roman" panose="02020603050405020304" pitchFamily="18" charset="0"/>
-            </a:endParaRPr>
-          </a:p>
-          <a:p>
-            <a:pPr lvl="0">
-              <a:lnSpc>
-                <a:spcPct val="150000"/>
-              </a:lnSpc>
-            </a:pPr>
-            <a:r>
-              <a:rPr lang="en-US" altLang="zh-CN" kern="100" dirty="0">
-                <a:latin typeface="Times New Roman" panose="02020603050405020304" pitchFamily="18" charset="0"/>
-                <a:cs typeface="Times New Roman" panose="02020603050405020304" pitchFamily="18" charset="0"/>
-              </a:rPr>
-              <a:t>8.   Tkinter Usage: </a:t>
-            </a:r>
-            <a:r>
-              <a:rPr lang="en-US" altLang="zh-CN" u="sng" kern="100" dirty="0">
-                <a:solidFill>
-                  <a:srgbClr val="000000"/>
-                </a:solidFill>
-                <a:latin typeface="Times New Roman" panose="02020603050405020304" pitchFamily="18" charset="0"/>
-                <a:cs typeface="Times New Roman" panose="02020603050405020304" pitchFamily="18" charset="0"/>
-                <a:hlinkClick r:id="rId6"/>
-              </a:rPr>
-              <a:t>http://stupidpythonideas.blogspot.in/2013/12/tkinter-validation.html</a:t>
-            </a:r>
-            <a:endParaRPr lang="zh-CN" altLang="zh-CN" kern="100" dirty="0">
-              <a:latin typeface="Times New Roman" panose="02020603050405020304" pitchFamily="18" charset="0"/>
-              <a:cs typeface="Times New Roman" panose="02020603050405020304" pitchFamily="18" charset="0"/>
-            </a:endParaRPr>
-          </a:p>
-          <a:p>
-            <a:pPr lvl="0">
-              <a:lnSpc>
-                <a:spcPct val="150000"/>
-              </a:lnSpc>
-            </a:pPr>
-            <a:r>
-              <a:rPr lang="en-US" altLang="zh-CN" kern="100" dirty="0">
-                <a:latin typeface="Times New Roman" panose="02020603050405020304" pitchFamily="18" charset="0"/>
-                <a:cs typeface="Times New Roman" panose="02020603050405020304" pitchFamily="18" charset="0"/>
-              </a:rPr>
-              <a:t>9.   Tkinter Usage, binding a key to a button:  http://stackoverflow.com/questions/11456631/how-to-capture-events-on-tkinter-child-widgets</a:t>
-            </a:r>
-            <a:endParaRPr lang="zh-CN" altLang="zh-CN" kern="100" dirty="0">
-              <a:latin typeface="Times New Roman" panose="02020603050405020304" pitchFamily="18" charset="0"/>
-              <a:cs typeface="Times New Roman" panose="02020603050405020304" pitchFamily="18" charset="0"/>
             </a:endParaRPr>
           </a:p>
         </p:txBody>
@@ -14135,6 +15671,653 @@
       </p:grpSpPr>
       <p:sp>
         <p:nvSpPr>
+          <p:cNvPr id="15" name="矩形 14"/>
+          <p:cNvSpPr/>
+          <p:nvPr/>
+        </p:nvSpPr>
+        <p:spPr>
+          <a:xfrm>
+            <a:off x="3229084" y="1433226"/>
+            <a:ext cx="5369996" cy="584775"/>
+          </a:xfrm>
+          <a:prstGeom prst="rect">
+            <a:avLst/>
+          </a:prstGeom>
+        </p:spPr>
+        <p:txBody>
+          <a:bodyPr wrap="none">
+            <a:spAutoFit/>
+          </a:bodyPr>
+          <a:lstStyle/>
+          <a:p>
+            <a:r>
+              <a:rPr lang="en-US" altLang="zh-CN" sz="3200" b="1" dirty="0" smtClean="0">
+                <a:latin typeface="微软雅黑" panose="020B0503020204020204" pitchFamily="34" charset="-122"/>
+                <a:ea typeface="微软雅黑" panose="020B0503020204020204" pitchFamily="34" charset="-122"/>
+              </a:rPr>
+              <a:t>Weakness and Limitation</a:t>
+            </a:r>
+            <a:endParaRPr lang="zh-CN" altLang="en-US" sz="3200" b="1" dirty="0">
+              <a:latin typeface="微软雅黑" panose="020B0503020204020204" pitchFamily="34" charset="-122"/>
+              <a:ea typeface="微软雅黑" panose="020B0503020204020204" pitchFamily="34" charset="-122"/>
+            </a:endParaRPr>
+          </a:p>
+        </p:txBody>
+      </p:sp>
+      <p:sp>
+        <p:nvSpPr>
+          <p:cNvPr id="16" name="矩形 15"/>
+          <p:cNvSpPr/>
+          <p:nvPr/>
+        </p:nvSpPr>
+        <p:spPr>
+          <a:xfrm>
+            <a:off x="1612231" y="2224939"/>
+            <a:ext cx="9219062" cy="707886"/>
+          </a:xfrm>
+          <a:prstGeom prst="rect">
+            <a:avLst/>
+          </a:prstGeom>
+        </p:spPr>
+        <p:txBody>
+          <a:bodyPr wrap="none">
+            <a:spAutoFit/>
+          </a:bodyPr>
+          <a:lstStyle/>
+          <a:p>
+            <a:pPr marL="342900" indent="-342900">
+              <a:buFont typeface="Arial" panose="020B0604020202020204" pitchFamily="34" charset="0"/>
+              <a:buChar char="•"/>
+            </a:pPr>
+            <a:r>
+              <a:rPr lang="en-US" altLang="zh-CN" sz="2000" dirty="0" smtClean="0">
+                <a:latin typeface="微软雅黑" panose="020B0503020204020204" pitchFamily="34" charset="-122"/>
+                <a:ea typeface="微软雅黑" panose="020B0503020204020204" pitchFamily="34" charset="-122"/>
+              </a:rPr>
+              <a:t>Have not figure out how to keep the keys safe in files;</a:t>
+            </a:r>
+          </a:p>
+          <a:p>
+            <a:pPr marL="342900" indent="-342900">
+              <a:buFont typeface="Arial" panose="020B0604020202020204" pitchFamily="34" charset="0"/>
+              <a:buChar char="•"/>
+            </a:pPr>
+            <a:r>
+              <a:rPr lang="en-US" altLang="zh-CN" sz="2000" dirty="0" smtClean="0">
+                <a:latin typeface="微软雅黑" panose="020B0503020204020204" pitchFamily="34" charset="-122"/>
+                <a:ea typeface="微软雅黑" panose="020B0503020204020204" pitchFamily="34" charset="-122"/>
+              </a:rPr>
+              <a:t>Other convenient functions. E.g. autofill, auto-generate, security level….</a:t>
+            </a:r>
+            <a:endParaRPr lang="zh-CN" altLang="en-US" sz="2000" dirty="0">
+              <a:latin typeface="微软雅黑" panose="020B0503020204020204" pitchFamily="34" charset="-122"/>
+              <a:ea typeface="微软雅黑" panose="020B0503020204020204" pitchFamily="34" charset="-122"/>
+            </a:endParaRPr>
+          </a:p>
+        </p:txBody>
+      </p:sp>
+      <p:sp>
+        <p:nvSpPr>
+          <p:cNvPr id="18" name="矩形 17"/>
+          <p:cNvSpPr/>
+          <p:nvPr/>
+        </p:nvSpPr>
+        <p:spPr>
+          <a:xfrm>
+            <a:off x="4811017" y="708617"/>
+            <a:ext cx="1723742" cy="584775"/>
+          </a:xfrm>
+          <a:prstGeom prst="rect">
+            <a:avLst/>
+          </a:prstGeom>
+        </p:spPr>
+        <p:txBody>
+          <a:bodyPr wrap="none">
+            <a:spAutoFit/>
+          </a:bodyPr>
+          <a:lstStyle/>
+          <a:p>
+            <a:r>
+              <a:rPr lang="en-US" altLang="zh-CN" sz="3200" b="1" dirty="0">
+                <a:solidFill>
+                  <a:schemeClr val="bg1">
+                    <a:lumMod val="75000"/>
+                  </a:schemeClr>
+                </a:solidFill>
+                <a:latin typeface="微软雅黑" panose="020B0503020204020204" pitchFamily="34" charset="-122"/>
+                <a:ea typeface="微软雅黑" panose="020B0503020204020204" pitchFamily="34" charset="-122"/>
+              </a:rPr>
+              <a:t>RESULT</a:t>
+            </a:r>
+            <a:endParaRPr lang="zh-CN" altLang="en-US" sz="3200" b="1" dirty="0">
+              <a:solidFill>
+                <a:schemeClr val="bg1">
+                  <a:lumMod val="75000"/>
+                </a:schemeClr>
+              </a:solidFill>
+              <a:latin typeface="微软雅黑" panose="020B0503020204020204" pitchFamily="34" charset="-122"/>
+              <a:ea typeface="微软雅黑" panose="020B0503020204020204" pitchFamily="34" charset="-122"/>
+            </a:endParaRPr>
+          </a:p>
+        </p:txBody>
+      </p:sp>
+    </p:spTree>
+    <p:extLst>
+      <p:ext uri="{BB962C8B-B14F-4D97-AF65-F5344CB8AC3E}">
+        <p14:creationId xmlns:p14="http://schemas.microsoft.com/office/powerpoint/2010/main" val="1699394899"/>
+      </p:ext>
+    </p:extLst>
+  </p:cSld>
+  <p:clrMapOvr>
+    <a:masterClrMapping/>
+  </p:clrMapOvr>
+</p:sld>
+</file>
+
+<file path=ppt/slides/slide5.xml><?xml version="1.0" encoding="utf-8"?>
+<p:sld xmlns:a="http://schemas.openxmlformats.org/drawingml/2006/main" xmlns:r="http://schemas.openxmlformats.org/officeDocument/2006/relationships" xmlns:p="http://schemas.openxmlformats.org/presentationml/2006/main">
+  <p:cSld>
+    <p:spTree>
+      <p:nvGrpSpPr>
+        <p:cNvPr id="1" name=""/>
+        <p:cNvGrpSpPr/>
+        <p:nvPr/>
+      </p:nvGrpSpPr>
+      <p:grpSpPr>
+        <a:xfrm>
+          <a:off x="0" y="0"/>
+          <a:ext cx="0" cy="0"/>
+          <a:chOff x="0" y="0"/>
+          <a:chExt cx="0" cy="0"/>
+        </a:xfrm>
+      </p:grpSpPr>
+      <p:sp>
+        <p:nvSpPr>
+          <p:cNvPr id="4" name="文本框 3"/>
+          <p:cNvSpPr txBox="1"/>
+          <p:nvPr/>
+        </p:nvSpPr>
+        <p:spPr>
+          <a:xfrm>
+            <a:off x="1704412" y="3308684"/>
+            <a:ext cx="8912825" cy="523220"/>
+          </a:xfrm>
+          <a:prstGeom prst="rect">
+            <a:avLst/>
+          </a:prstGeom>
+          <a:noFill/>
+        </p:spPr>
+        <p:txBody>
+          <a:bodyPr wrap="none" rtlCol="0">
+            <a:spAutoFit/>
+          </a:bodyPr>
+          <a:lstStyle/>
+          <a:p>
+            <a:r>
+              <a:rPr lang="en-US" altLang="zh-CN" sz="2800" dirty="0">
+                <a:latin typeface="微软雅黑" panose="020B0503020204020204" pitchFamily="34" charset="-122"/>
+                <a:ea typeface="微软雅黑" panose="020B0503020204020204" pitchFamily="34" charset="-122"/>
+              </a:rPr>
+              <a:t>A program that can help people manage password</a:t>
+            </a:r>
+            <a:endParaRPr lang="zh-CN" altLang="en-US" sz="2800" dirty="0">
+              <a:latin typeface="微软雅黑" panose="020B0503020204020204" pitchFamily="34" charset="-122"/>
+              <a:ea typeface="微软雅黑" panose="020B0503020204020204" pitchFamily="34" charset="-122"/>
+            </a:endParaRPr>
+          </a:p>
+        </p:txBody>
+      </p:sp>
+      <p:sp>
+        <p:nvSpPr>
+          <p:cNvPr id="6" name="矩形 5"/>
+          <p:cNvSpPr/>
+          <p:nvPr/>
+        </p:nvSpPr>
+        <p:spPr>
+          <a:xfrm>
+            <a:off x="5451963" y="2053207"/>
+            <a:ext cx="1053494" cy="584775"/>
+          </a:xfrm>
+          <a:prstGeom prst="rect">
+            <a:avLst/>
+          </a:prstGeom>
+        </p:spPr>
+        <p:txBody>
+          <a:bodyPr wrap="none">
+            <a:spAutoFit/>
+          </a:bodyPr>
+          <a:lstStyle/>
+          <a:p>
+            <a:r>
+              <a:rPr lang="en-US" altLang="zh-CN" sz="3200" b="1" dirty="0">
+                <a:latin typeface="微软雅黑" panose="020B0503020204020204" pitchFamily="34" charset="-122"/>
+                <a:ea typeface="微软雅黑" panose="020B0503020204020204" pitchFamily="34" charset="-122"/>
+              </a:rPr>
+              <a:t>AIM</a:t>
+            </a:r>
+            <a:endParaRPr lang="zh-CN" altLang="en-US" sz="3200" b="1" dirty="0">
+              <a:latin typeface="微软雅黑" panose="020B0503020204020204" pitchFamily="34" charset="-122"/>
+              <a:ea typeface="微软雅黑" panose="020B0503020204020204" pitchFamily="34" charset="-122"/>
+            </a:endParaRPr>
+          </a:p>
+        </p:txBody>
+      </p:sp>
+      <p:sp>
+        <p:nvSpPr>
+          <p:cNvPr id="7" name="文本框 6"/>
+          <p:cNvSpPr txBox="1"/>
+          <p:nvPr/>
+        </p:nvSpPr>
+        <p:spPr>
+          <a:xfrm>
+            <a:off x="2378180" y="3855968"/>
+            <a:ext cx="7387728" cy="400110"/>
+          </a:xfrm>
+          <a:prstGeom prst="rect">
+            <a:avLst/>
+          </a:prstGeom>
+          <a:noFill/>
+        </p:spPr>
+        <p:txBody>
+          <a:bodyPr wrap="none" rtlCol="0">
+            <a:spAutoFit/>
+          </a:bodyPr>
+          <a:lstStyle/>
+          <a:p>
+            <a:r>
+              <a:rPr lang="en-US" altLang="zh-CN" sz="2000" dirty="0">
+                <a:solidFill>
+                  <a:schemeClr val="bg1">
+                    <a:lumMod val="65000"/>
+                  </a:schemeClr>
+                </a:solidFill>
+                <a:latin typeface="微软雅黑" panose="020B0503020204020204" pitchFamily="34" charset="-122"/>
+                <a:ea typeface="微软雅黑" panose="020B0503020204020204" pitchFamily="34" charset="-122"/>
+              </a:rPr>
+              <a:t>With the knowledge about cryptography we learnt in 5002</a:t>
+            </a:r>
+            <a:endParaRPr lang="zh-CN" altLang="en-US" sz="2000" dirty="0">
+              <a:solidFill>
+                <a:schemeClr val="bg1">
+                  <a:lumMod val="65000"/>
+                </a:schemeClr>
+              </a:solidFill>
+              <a:latin typeface="微软雅黑" panose="020B0503020204020204" pitchFamily="34" charset="-122"/>
+              <a:ea typeface="微软雅黑" panose="020B0503020204020204" pitchFamily="34" charset="-122"/>
+            </a:endParaRPr>
+          </a:p>
+        </p:txBody>
+      </p:sp>
+    </p:spTree>
+  </p:cSld>
+  <p:clrMapOvr>
+    <a:masterClrMapping/>
+  </p:clrMapOvr>
+</p:sld>
+</file>
+
+<file path=ppt/slides/slide50.xml><?xml version="1.0" encoding="utf-8"?>
+<p:sld xmlns:a="http://schemas.openxmlformats.org/drawingml/2006/main" xmlns:r="http://schemas.openxmlformats.org/officeDocument/2006/relationships" xmlns:p="http://schemas.openxmlformats.org/presentationml/2006/main">
+  <p:cSld>
+    <p:spTree>
+      <p:nvGrpSpPr>
+        <p:cNvPr id="1" name=""/>
+        <p:cNvGrpSpPr/>
+        <p:nvPr/>
+      </p:nvGrpSpPr>
+      <p:grpSpPr>
+        <a:xfrm>
+          <a:off x="0" y="0"/>
+          <a:ext cx="0" cy="0"/>
+          <a:chOff x="0" y="0"/>
+          <a:chExt cx="0" cy="0"/>
+        </a:xfrm>
+      </p:grpSpPr>
+      <p:sp>
+        <p:nvSpPr>
+          <p:cNvPr id="2" name="文本框 1"/>
+          <p:cNvSpPr txBox="1"/>
+          <p:nvPr/>
+        </p:nvSpPr>
+        <p:spPr>
+          <a:xfrm>
+            <a:off x="434283" y="657846"/>
+            <a:ext cx="1559338" cy="461665"/>
+          </a:xfrm>
+          <a:prstGeom prst="rect">
+            <a:avLst/>
+          </a:prstGeom>
+          <a:noFill/>
+        </p:spPr>
+        <p:txBody>
+          <a:bodyPr wrap="none" rtlCol="0">
+            <a:spAutoFit/>
+          </a:bodyPr>
+          <a:lstStyle/>
+          <a:p>
+            <a:r>
+              <a:rPr lang="en-US" altLang="zh-CN" sz="2400" dirty="0">
+                <a:latin typeface="微软雅黑" panose="020B0503020204020204" pitchFamily="34" charset="-122"/>
+                <a:ea typeface="微软雅黑" panose="020B0503020204020204" pitchFamily="34" charset="-122"/>
+              </a:rPr>
+              <a:t>reference</a:t>
+            </a:r>
+            <a:endParaRPr lang="zh-CN" altLang="en-US" sz="2400" dirty="0">
+              <a:latin typeface="微软雅黑" panose="020B0503020204020204" pitchFamily="34" charset="-122"/>
+              <a:ea typeface="微软雅黑" panose="020B0503020204020204" pitchFamily="34" charset="-122"/>
+            </a:endParaRPr>
+          </a:p>
+        </p:txBody>
+      </p:sp>
+      <p:sp>
+        <p:nvSpPr>
+          <p:cNvPr id="3" name="矩形 2"/>
+          <p:cNvSpPr/>
+          <p:nvPr/>
+        </p:nvSpPr>
+        <p:spPr>
+          <a:xfrm>
+            <a:off x="434283" y="1233093"/>
+            <a:ext cx="11550315" cy="5078313"/>
+          </a:xfrm>
+          <a:prstGeom prst="rect">
+            <a:avLst/>
+          </a:prstGeom>
+        </p:spPr>
+        <p:txBody>
+          <a:bodyPr wrap="square">
+            <a:spAutoFit/>
+          </a:bodyPr>
+          <a:lstStyle/>
+          <a:p>
+            <a:pPr marL="342900" lvl="0" indent="-342900">
+              <a:lnSpc>
+                <a:spcPct val="150000"/>
+              </a:lnSpc>
+              <a:buFont typeface="+mj-lt"/>
+              <a:buAutoNum type="arabicPeriod"/>
+            </a:pPr>
+            <a:r>
+              <a:rPr lang="en-US" altLang="zh-CN" kern="100" dirty="0">
+                <a:latin typeface="Times New Roman" panose="02020603050405020304" pitchFamily="18" charset="0"/>
+                <a:cs typeface="Times New Roman" panose="02020603050405020304" pitchFamily="18" charset="0"/>
+              </a:rPr>
+              <a:t>Vigenère Cipher Concept: </a:t>
+            </a:r>
+            <a:r>
+              <a:rPr lang="en-US" altLang="zh-CN" u="sng" kern="100" dirty="0">
+                <a:solidFill>
+                  <a:srgbClr val="000000"/>
+                </a:solidFill>
+                <a:latin typeface="Times New Roman" panose="02020603050405020304" pitchFamily="18" charset="0"/>
+                <a:cs typeface="Times New Roman" panose="02020603050405020304" pitchFamily="18" charset="0"/>
+                <a:hlinkClick r:id="rId3"/>
+              </a:rPr>
+              <a:t>https://en.wikipedia.org/wiki/Vigen%C3%A8re_cipher</a:t>
+            </a:r>
+            <a:endParaRPr lang="zh-CN" altLang="zh-CN" kern="100" dirty="0">
+              <a:latin typeface="Times New Roman" panose="02020603050405020304" pitchFamily="18" charset="0"/>
+              <a:cs typeface="Times New Roman" panose="02020603050405020304" pitchFamily="18" charset="0"/>
+            </a:endParaRPr>
+          </a:p>
+          <a:p>
+            <a:pPr marL="342900" lvl="0" indent="-342900">
+              <a:lnSpc>
+                <a:spcPct val="150000"/>
+              </a:lnSpc>
+              <a:buFont typeface="+mj-lt"/>
+              <a:buAutoNum type="arabicPeriod"/>
+            </a:pPr>
+            <a:r>
+              <a:rPr lang="en-US" altLang="zh-CN" kern="100" dirty="0">
+                <a:latin typeface="Times New Roman" panose="02020603050405020304" pitchFamily="18" charset="0"/>
+                <a:cs typeface="Times New Roman" panose="02020603050405020304" pitchFamily="18" charset="0"/>
+              </a:rPr>
+              <a:t>Vigenère Cipher: https://www.geeksforgeeks.org/vigenere-cipher/</a:t>
+            </a:r>
+            <a:endParaRPr lang="zh-CN" altLang="zh-CN" kern="100" dirty="0">
+              <a:latin typeface="Times New Roman" panose="02020603050405020304" pitchFamily="18" charset="0"/>
+              <a:cs typeface="Times New Roman" panose="02020603050405020304" pitchFamily="18" charset="0"/>
+            </a:endParaRPr>
+          </a:p>
+          <a:p>
+            <a:pPr marL="342900" lvl="0" indent="-342900">
+              <a:lnSpc>
+                <a:spcPct val="150000"/>
+              </a:lnSpc>
+              <a:buFont typeface="+mj-lt"/>
+              <a:buAutoNum type="arabicPeriod"/>
+            </a:pPr>
+            <a:r>
+              <a:rPr lang="en-US" altLang="zh-CN" kern="100" dirty="0">
+                <a:latin typeface="Times New Roman" panose="02020603050405020304" pitchFamily="18" charset="0"/>
+                <a:cs typeface="Times New Roman" panose="02020603050405020304" pitchFamily="18" charset="0"/>
+              </a:rPr>
+              <a:t>RSA Algorithm Cryptography Concept: https://en.wikipedia.org/wiki/RSA_(cryptosystem) </a:t>
+            </a:r>
+            <a:endParaRPr lang="zh-CN" altLang="zh-CN" kern="100" dirty="0">
+              <a:latin typeface="Times New Roman" panose="02020603050405020304" pitchFamily="18" charset="0"/>
+              <a:cs typeface="Times New Roman" panose="02020603050405020304" pitchFamily="18" charset="0"/>
+            </a:endParaRPr>
+          </a:p>
+          <a:p>
+            <a:pPr marL="342900" lvl="0" indent="-342900">
+              <a:lnSpc>
+                <a:spcPct val="150000"/>
+              </a:lnSpc>
+              <a:buFont typeface="+mj-lt"/>
+              <a:buAutoNum type="arabicPeriod"/>
+            </a:pPr>
+            <a:r>
+              <a:rPr lang="en-US" altLang="zh-CN" kern="100" dirty="0">
+                <a:latin typeface="Times New Roman" panose="02020603050405020304" pitchFamily="18" charset="0"/>
+                <a:cs typeface="Times New Roman" panose="02020603050405020304" pitchFamily="18" charset="0"/>
+              </a:rPr>
+              <a:t>RSA Algorithm Cryptography: </a:t>
+            </a:r>
+            <a:r>
+              <a:rPr lang="en-US" altLang="zh-CN" u="sng" kern="100" dirty="0">
+                <a:solidFill>
+                  <a:srgbClr val="000000"/>
+                </a:solidFill>
+                <a:latin typeface="Times New Roman" panose="02020603050405020304" pitchFamily="18" charset="0"/>
+                <a:cs typeface="Times New Roman" panose="02020603050405020304" pitchFamily="18" charset="0"/>
+                <a:hlinkClick r:id="rId4"/>
+              </a:rPr>
+              <a:t>https://www.geeksforgeeks.org/rsa-algorithm-cryptography/</a:t>
+            </a:r>
+            <a:endParaRPr lang="zh-CN" altLang="zh-CN" kern="100" dirty="0">
+              <a:latin typeface="Times New Roman" panose="02020603050405020304" pitchFamily="18" charset="0"/>
+              <a:cs typeface="Times New Roman" panose="02020603050405020304" pitchFamily="18" charset="0"/>
+            </a:endParaRPr>
+          </a:p>
+          <a:p>
+            <a:pPr marL="342900" lvl="0" indent="-342900">
+              <a:lnSpc>
+                <a:spcPct val="150000"/>
+              </a:lnSpc>
+              <a:buFont typeface="+mj-lt"/>
+              <a:buAutoNum type="arabicPeriod"/>
+            </a:pPr>
+            <a:r>
+              <a:rPr lang="en-US" altLang="zh-CN" kern="100" dirty="0">
+                <a:latin typeface="Times New Roman" panose="02020603050405020304" pitchFamily="18" charset="0"/>
+                <a:cs typeface="Times New Roman" panose="02020603050405020304" pitchFamily="18" charset="0"/>
+              </a:rPr>
+              <a:t>AES Algorithm Cryptography Concept: https://en.wikipedia.org/wiki/Advanced_Encryption_Standard</a:t>
+            </a:r>
+            <a:endParaRPr lang="zh-CN" altLang="zh-CN" kern="100" dirty="0">
+              <a:latin typeface="Times New Roman" panose="02020603050405020304" pitchFamily="18" charset="0"/>
+              <a:cs typeface="Times New Roman" panose="02020603050405020304" pitchFamily="18" charset="0"/>
+            </a:endParaRPr>
+          </a:p>
+          <a:p>
+            <a:pPr marL="342900" lvl="0" indent="-342900">
+              <a:lnSpc>
+                <a:spcPct val="150000"/>
+              </a:lnSpc>
+              <a:buFont typeface="+mj-lt"/>
+              <a:buAutoNum type="arabicPeriod"/>
+            </a:pPr>
+            <a:r>
+              <a:rPr lang="en-US" altLang="zh-CN" kern="100" dirty="0">
+                <a:latin typeface="Times New Roman" panose="02020603050405020304" pitchFamily="18" charset="0"/>
+                <a:cs typeface="Times New Roman" panose="02020603050405020304" pitchFamily="18" charset="0"/>
+              </a:rPr>
+              <a:t>AES Algorithm Cryptography: </a:t>
+            </a:r>
+            <a:r>
+              <a:rPr lang="en-US" altLang="zh-CN" u="sng" kern="100" dirty="0">
+                <a:solidFill>
+                  <a:srgbClr val="000000"/>
+                </a:solidFill>
+                <a:latin typeface="Times New Roman" panose="02020603050405020304" pitchFamily="18" charset="0"/>
+                <a:cs typeface="Times New Roman" panose="02020603050405020304" pitchFamily="18" charset="0"/>
+                <a:hlinkClick r:id="rId5"/>
+              </a:rPr>
+              <a:t>https://www.geeksforgeeks.org/advanced-encryption-standard-aes/</a:t>
+            </a:r>
+            <a:endParaRPr lang="zh-CN" altLang="zh-CN" kern="100" dirty="0">
+              <a:latin typeface="Times New Roman" panose="02020603050405020304" pitchFamily="18" charset="0"/>
+              <a:cs typeface="Times New Roman" panose="02020603050405020304" pitchFamily="18" charset="0"/>
+            </a:endParaRPr>
+          </a:p>
+          <a:p>
+            <a:pPr marL="342900" lvl="0" indent="-342900">
+              <a:lnSpc>
+                <a:spcPct val="150000"/>
+              </a:lnSpc>
+              <a:buFont typeface="+mj-lt"/>
+              <a:buAutoNum type="arabicPeriod"/>
+            </a:pPr>
+            <a:r>
+              <a:rPr lang="en-US" altLang="zh-CN" kern="100" dirty="0">
+                <a:latin typeface="Times New Roman" panose="02020603050405020304" pitchFamily="18" charset="0"/>
+                <a:cs typeface="Times New Roman" panose="02020603050405020304" pitchFamily="18" charset="0"/>
+              </a:rPr>
+              <a:t>Password Manager structure: </a:t>
+            </a:r>
+            <a:endParaRPr lang="zh-CN" altLang="zh-CN" kern="100" dirty="0">
+              <a:latin typeface="Times New Roman" panose="02020603050405020304" pitchFamily="18" charset="0"/>
+              <a:cs typeface="Times New Roman" panose="02020603050405020304" pitchFamily="18" charset="0"/>
+            </a:endParaRPr>
+          </a:p>
+          <a:p>
+            <a:pPr marL="355600" indent="266700">
+              <a:lnSpc>
+                <a:spcPct val="150000"/>
+              </a:lnSpc>
+            </a:pPr>
+            <a:r>
+              <a:rPr lang="en-US" altLang="zh-CN" u="sng" kern="100" dirty="0">
+                <a:solidFill>
+                  <a:srgbClr val="000000"/>
+                </a:solidFill>
+                <a:latin typeface="Times New Roman" panose="02020603050405020304" pitchFamily="18" charset="0"/>
+                <a:cs typeface="Times New Roman" panose="02020603050405020304" pitchFamily="18" charset="0"/>
+                <a:hlinkClick r:id="rId6"/>
+              </a:rPr>
+              <a:t>https://github.com/ashutoshkrris/Password-Manager-using-Tkinter</a:t>
+            </a:r>
+            <a:endParaRPr lang="zh-CN" altLang="zh-CN" kern="100" dirty="0">
+              <a:latin typeface="Times New Roman" panose="02020603050405020304" pitchFamily="18" charset="0"/>
+              <a:cs typeface="Times New Roman" panose="02020603050405020304" pitchFamily="18" charset="0"/>
+            </a:endParaRPr>
+          </a:p>
+          <a:p>
+            <a:pPr marL="355600" indent="266700">
+              <a:lnSpc>
+                <a:spcPct val="150000"/>
+              </a:lnSpc>
+            </a:pPr>
+            <a:r>
+              <a:rPr lang="en-US" altLang="zh-CN" kern="100" dirty="0">
+                <a:latin typeface="Times New Roman" panose="02020603050405020304" pitchFamily="18" charset="0"/>
+                <a:cs typeface="Times New Roman" panose="02020603050405020304" pitchFamily="18" charset="0"/>
+              </a:rPr>
+              <a:t>https://github.com/mukkachaitanya/Password-Manager/tree/master</a:t>
+            </a:r>
+            <a:endParaRPr lang="zh-CN" altLang="zh-CN" kern="100" dirty="0">
+              <a:latin typeface="Times New Roman" panose="02020603050405020304" pitchFamily="18" charset="0"/>
+              <a:cs typeface="Times New Roman" panose="02020603050405020304" pitchFamily="18" charset="0"/>
+            </a:endParaRPr>
+          </a:p>
+          <a:p>
+            <a:pPr lvl="0">
+              <a:lnSpc>
+                <a:spcPct val="150000"/>
+              </a:lnSpc>
+            </a:pPr>
+            <a:r>
+              <a:rPr lang="en-US" altLang="zh-CN" kern="100" dirty="0">
+                <a:latin typeface="Times New Roman" panose="02020603050405020304" pitchFamily="18" charset="0"/>
+                <a:cs typeface="Times New Roman" panose="02020603050405020304" pitchFamily="18" charset="0"/>
+              </a:rPr>
+              <a:t>8.   Tkinter Usage: </a:t>
+            </a:r>
+            <a:r>
+              <a:rPr lang="en-US" altLang="zh-CN" u="sng" kern="100" dirty="0">
+                <a:solidFill>
+                  <a:srgbClr val="000000"/>
+                </a:solidFill>
+                <a:latin typeface="Times New Roman" panose="02020603050405020304" pitchFamily="18" charset="0"/>
+                <a:cs typeface="Times New Roman" panose="02020603050405020304" pitchFamily="18" charset="0"/>
+                <a:hlinkClick r:id="rId7"/>
+              </a:rPr>
+              <a:t>http://stupidpythonideas.blogspot.in/2013/12/tkinter-validation.html</a:t>
+            </a:r>
+            <a:endParaRPr lang="zh-CN" altLang="zh-CN" kern="100" dirty="0">
+              <a:latin typeface="Times New Roman" panose="02020603050405020304" pitchFamily="18" charset="0"/>
+              <a:cs typeface="Times New Roman" panose="02020603050405020304" pitchFamily="18" charset="0"/>
+            </a:endParaRPr>
+          </a:p>
+          <a:p>
+            <a:pPr lvl="0">
+              <a:lnSpc>
+                <a:spcPct val="150000"/>
+              </a:lnSpc>
+            </a:pPr>
+            <a:r>
+              <a:rPr lang="en-US" altLang="zh-CN" kern="100" dirty="0">
+                <a:latin typeface="Times New Roman" panose="02020603050405020304" pitchFamily="18" charset="0"/>
+                <a:cs typeface="Times New Roman" panose="02020603050405020304" pitchFamily="18" charset="0"/>
+              </a:rPr>
+              <a:t>9.   Tkinter Usage, binding a key to a button:  http://stackoverflow.com/questions/11456631/how-to-capture-events-on-tkinter-child-widgets</a:t>
+            </a:r>
+            <a:endParaRPr lang="zh-CN" altLang="zh-CN" kern="100" dirty="0">
+              <a:latin typeface="Times New Roman" panose="02020603050405020304" pitchFamily="18" charset="0"/>
+              <a:cs typeface="Times New Roman" panose="02020603050405020304" pitchFamily="18" charset="0"/>
+            </a:endParaRPr>
+          </a:p>
+        </p:txBody>
+      </p:sp>
+    </p:spTree>
+  </p:cSld>
+  <p:clrMapOvr>
+    <a:masterClrMapping/>
+  </p:clrMapOvr>
+</p:sld>
+</file>
+
+<file path=ppt/slides/slide51.xml><?xml version="1.0" encoding="utf-8"?>
+<p:sld xmlns:a="http://schemas.openxmlformats.org/drawingml/2006/main" xmlns:r="http://schemas.openxmlformats.org/officeDocument/2006/relationships" xmlns:p="http://schemas.openxmlformats.org/presentationml/2006/main">
+  <p:cSld>
+    <p:spTree>
+      <p:nvGrpSpPr>
+        <p:cNvPr id="1" name=""/>
+        <p:cNvGrpSpPr/>
+        <p:nvPr/>
+      </p:nvGrpSpPr>
+      <p:grpSpPr>
+        <a:xfrm>
+          <a:off x="0" y="0"/>
+          <a:ext cx="0" cy="0"/>
+          <a:chOff x="0" y="0"/>
+          <a:chExt cx="0" cy="0"/>
+        </a:xfrm>
+      </p:grpSpPr>
+      <p:sp>
+        <p:nvSpPr>
           <p:cNvPr id="2" name="文本框 1"/>
           <p:cNvSpPr txBox="1"/>
           <p:nvPr/>
@@ -14318,7 +16501,7 @@
           <p:nvPr/>
         </p:nvPicPr>
         <p:blipFill>
-          <a:blip r:embed="rId2">
+          <a:blip r:embed="rId3">
             <a:extLst>
               <a:ext uri="{28A0092B-C50C-407E-A947-70E740481C1C}">
                 <a14:useLocalDpi xmlns:a14="http://schemas.microsoft.com/office/drawing/2010/main" val="0"/>
@@ -14380,7 +16563,7 @@
           <p:nvPr/>
         </p:nvPicPr>
         <p:blipFill>
-          <a:blip r:embed="rId3"/>
+          <a:blip r:embed="rId4"/>
           <a:stretch>
             <a:fillRect/>
           </a:stretch>
@@ -14436,7 +16619,7 @@
           <p:nvPr/>
         </p:nvPicPr>
         <p:blipFill>
-          <a:blip r:embed="rId4"/>
+          <a:blip r:embed="rId5"/>
           <a:stretch>
             <a:fillRect/>
           </a:stretch>
@@ -14491,148 +16674,6 @@
 </p:sld>
 </file>
 
-<file path=ppt/slides/slide5.xml><?xml version="1.0" encoding="utf-8"?>
-<p:sld xmlns:a="http://schemas.openxmlformats.org/drawingml/2006/main" xmlns:r="http://schemas.openxmlformats.org/officeDocument/2006/relationships" xmlns:p="http://schemas.openxmlformats.org/presentationml/2006/main">
-  <p:cSld>
-    <p:spTree>
-      <p:nvGrpSpPr>
-        <p:cNvPr id="1" name=""/>
-        <p:cNvGrpSpPr/>
-        <p:nvPr/>
-      </p:nvGrpSpPr>
-      <p:grpSpPr>
-        <a:xfrm>
-          <a:off x="0" y="0"/>
-          <a:ext cx="0" cy="0"/>
-          <a:chOff x="0" y="0"/>
-          <a:chExt cx="0" cy="0"/>
-        </a:xfrm>
-      </p:grpSpPr>
-      <p:sp>
-        <p:nvSpPr>
-          <p:cNvPr id="4" name="文本框 3"/>
-          <p:cNvSpPr txBox="1"/>
-          <p:nvPr/>
-        </p:nvSpPr>
-        <p:spPr>
-          <a:xfrm>
-            <a:off x="1704412" y="3308684"/>
-            <a:ext cx="8912825" cy="523220"/>
-          </a:xfrm>
-          <a:prstGeom prst="rect">
-            <a:avLst/>
-          </a:prstGeom>
-          <a:noFill/>
-        </p:spPr>
-        <p:txBody>
-          <a:bodyPr wrap="none" rtlCol="0">
-            <a:spAutoFit/>
-          </a:bodyPr>
-          <a:lstStyle/>
-          <a:p>
-            <a:r>
-              <a:rPr lang="en-US" altLang="zh-CN" sz="2800" dirty="0">
-                <a:latin typeface="微软雅黑" panose="020B0503020204020204" pitchFamily="34" charset="-122"/>
-                <a:ea typeface="微软雅黑" panose="020B0503020204020204" pitchFamily="34" charset="-122"/>
-              </a:rPr>
-              <a:t>A program that can help people manage password</a:t>
-            </a:r>
-            <a:endParaRPr lang="zh-CN" altLang="en-US" sz="2800" dirty="0">
-              <a:latin typeface="微软雅黑" panose="020B0503020204020204" pitchFamily="34" charset="-122"/>
-              <a:ea typeface="微软雅黑" panose="020B0503020204020204" pitchFamily="34" charset="-122"/>
-            </a:endParaRPr>
-          </a:p>
-        </p:txBody>
-      </p:sp>
-      <p:sp>
-        <p:nvSpPr>
-          <p:cNvPr id="6" name="矩形 5"/>
-          <p:cNvSpPr/>
-          <p:nvPr/>
-        </p:nvSpPr>
-        <p:spPr>
-          <a:xfrm>
-            <a:off x="5451963" y="2053207"/>
-            <a:ext cx="1053494" cy="584775"/>
-          </a:xfrm>
-          <a:prstGeom prst="rect">
-            <a:avLst/>
-          </a:prstGeom>
-        </p:spPr>
-        <p:txBody>
-          <a:bodyPr wrap="none">
-            <a:spAutoFit/>
-          </a:bodyPr>
-          <a:lstStyle/>
-          <a:p>
-            <a:r>
-              <a:rPr lang="en-US" altLang="zh-CN" sz="3200" b="1" dirty="0">
-                <a:latin typeface="微软雅黑" panose="020B0503020204020204" pitchFamily="34" charset="-122"/>
-                <a:ea typeface="微软雅黑" panose="020B0503020204020204" pitchFamily="34" charset="-122"/>
-              </a:rPr>
-              <a:t>AIM</a:t>
-            </a:r>
-            <a:endParaRPr lang="zh-CN" altLang="en-US" sz="3200" b="1" dirty="0">
-              <a:latin typeface="微软雅黑" panose="020B0503020204020204" pitchFamily="34" charset="-122"/>
-              <a:ea typeface="微软雅黑" panose="020B0503020204020204" pitchFamily="34" charset="-122"/>
-            </a:endParaRPr>
-          </a:p>
-        </p:txBody>
-      </p:sp>
-      <p:sp>
-        <p:nvSpPr>
-          <p:cNvPr id="7" name="文本框 6"/>
-          <p:cNvSpPr txBox="1"/>
-          <p:nvPr/>
-        </p:nvSpPr>
-        <p:spPr>
-          <a:xfrm>
-            <a:off x="2378180" y="3855968"/>
-            <a:ext cx="7387728" cy="400110"/>
-          </a:xfrm>
-          <a:prstGeom prst="rect">
-            <a:avLst/>
-          </a:prstGeom>
-          <a:noFill/>
-        </p:spPr>
-        <p:txBody>
-          <a:bodyPr wrap="none" rtlCol="0">
-            <a:spAutoFit/>
-          </a:bodyPr>
-          <a:lstStyle/>
-          <a:p>
-            <a:r>
-              <a:rPr lang="en-US" altLang="zh-CN" sz="2000" dirty="0">
-                <a:solidFill>
-                  <a:schemeClr val="bg1">
-                    <a:lumMod val="65000"/>
-                  </a:schemeClr>
-                </a:solidFill>
-                <a:latin typeface="微软雅黑" panose="020B0503020204020204" pitchFamily="34" charset="-122"/>
-                <a:ea typeface="微软雅黑" panose="020B0503020204020204" pitchFamily="34" charset="-122"/>
-              </a:rPr>
-              <a:t>With the knowledge about cryptography we learnt in 5002</a:t>
-            </a:r>
-            <a:endParaRPr lang="zh-CN" altLang="en-US" sz="2000" dirty="0">
-              <a:solidFill>
-                <a:schemeClr val="bg1">
-                  <a:lumMod val="65000"/>
-                </a:schemeClr>
-              </a:solidFill>
-              <a:latin typeface="微软雅黑" panose="020B0503020204020204" pitchFamily="34" charset="-122"/>
-              <a:ea typeface="微软雅黑" panose="020B0503020204020204" pitchFamily="34" charset="-122"/>
-            </a:endParaRPr>
-          </a:p>
-        </p:txBody>
-      </p:sp>
-    </p:spTree>
-  </p:cSld>
-  <p:clrMapOvr>
-    <a:masterClrMapping/>
-  </p:clrMapOvr>
-</p:sld>
-</file>
-
 <file path=ppt/slides/slide6.xml><?xml version="1.0" encoding="utf-8"?>
 <p:sld xmlns:a="http://schemas.openxmlformats.org/drawingml/2006/main" xmlns:r="http://schemas.openxmlformats.org/officeDocument/2006/relationships" xmlns:p="http://schemas.openxmlformats.org/presentationml/2006/main">
   <p:cSld>
@@ -15924,10 +17965,22 @@
         </p:spPr>
       </p:pic>
     </p:spTree>
+    <p:extLst>
+      <p:ext uri="{BB962C8B-B14F-4D97-AF65-F5344CB8AC3E}">
+        <p14:creationId xmlns:p14="http://schemas.microsoft.com/office/powerpoint/2010/main" val="1386919521"/>
+      </p:ext>
+    </p:extLst>
   </p:cSld>
   <p:clrMapOvr>
     <a:masterClrMapping/>
   </p:clrMapOvr>
+  <p:timing>
+    <p:tnLst>
+      <p:par>
+        <p:cTn id="1" dur="indefinite" restart="never" nodeType="tmRoot"/>
+      </p:par>
+    </p:tnLst>
+  </p:timing>
 </p:sld>
 </file>
 
@@ -16477,6 +18530,11 @@
         </p:txBody>
       </p:sp>
     </p:spTree>
+    <p:extLst>
+      <p:ext uri="{BB962C8B-B14F-4D97-AF65-F5344CB8AC3E}">
+        <p14:creationId xmlns:p14="http://schemas.microsoft.com/office/powerpoint/2010/main" val="517971082"/>
+      </p:ext>
+    </p:extLst>
   </p:cSld>
   <p:clrMapOvr>
     <a:masterClrMapping/>
